--- a/res/스테이지 경로/스테이지1.pptx
+++ b/res/스테이지 경로/스테이지1.pptx
@@ -197,7 +197,7 @@
           <a:p>
             <a:fld id="{44C7CAA8-DF81-4AA8-8C64-A8E48E59C46F}" type="datetimeFigureOut">
               <a:rPr lang="ko-KR" altLang="en-US" smtClean="0"/>
-              <a:t>2020-06-08</a:t>
+              <a:t>2020-07-05</a:t>
             </a:fld>
             <a:endParaRPr lang="ko-KR" altLang="en-US"/>
           </a:p>
@@ -611,7 +611,7 @@
           <a:p>
             <a:fld id="{B98EBF65-4B1A-44E0-9E25-9A044B733A4D}" type="datetimeFigureOut">
               <a:rPr lang="ko-KR" altLang="en-US" smtClean="0"/>
-              <a:t>2020-06-08</a:t>
+              <a:t>2020-07-05</a:t>
             </a:fld>
             <a:endParaRPr lang="ko-KR" altLang="en-US"/>
           </a:p>
@@ -809,7 +809,7 @@
           <a:p>
             <a:fld id="{B98EBF65-4B1A-44E0-9E25-9A044B733A4D}" type="datetimeFigureOut">
               <a:rPr lang="ko-KR" altLang="en-US" smtClean="0"/>
-              <a:t>2020-06-08</a:t>
+              <a:t>2020-07-05</a:t>
             </a:fld>
             <a:endParaRPr lang="ko-KR" altLang="en-US"/>
           </a:p>
@@ -1017,7 +1017,7 @@
           <a:p>
             <a:fld id="{B98EBF65-4B1A-44E0-9E25-9A044B733A4D}" type="datetimeFigureOut">
               <a:rPr lang="ko-KR" altLang="en-US" smtClean="0"/>
-              <a:t>2020-06-08</a:t>
+              <a:t>2020-07-05</a:t>
             </a:fld>
             <a:endParaRPr lang="ko-KR" altLang="en-US"/>
           </a:p>
@@ -1215,7 +1215,7 @@
           <a:p>
             <a:fld id="{B98EBF65-4B1A-44E0-9E25-9A044B733A4D}" type="datetimeFigureOut">
               <a:rPr lang="ko-KR" altLang="en-US" smtClean="0"/>
-              <a:t>2020-06-08</a:t>
+              <a:t>2020-07-05</a:t>
             </a:fld>
             <a:endParaRPr lang="ko-KR" altLang="en-US"/>
           </a:p>
@@ -1490,7 +1490,7 @@
           <a:p>
             <a:fld id="{B98EBF65-4B1A-44E0-9E25-9A044B733A4D}" type="datetimeFigureOut">
               <a:rPr lang="ko-KR" altLang="en-US" smtClean="0"/>
-              <a:t>2020-06-08</a:t>
+              <a:t>2020-07-05</a:t>
             </a:fld>
             <a:endParaRPr lang="ko-KR" altLang="en-US"/>
           </a:p>
@@ -1755,7 +1755,7 @@
           <a:p>
             <a:fld id="{B98EBF65-4B1A-44E0-9E25-9A044B733A4D}" type="datetimeFigureOut">
               <a:rPr lang="ko-KR" altLang="en-US" smtClean="0"/>
-              <a:t>2020-06-08</a:t>
+              <a:t>2020-07-05</a:t>
             </a:fld>
             <a:endParaRPr lang="ko-KR" altLang="en-US"/>
           </a:p>
@@ -2167,7 +2167,7 @@
           <a:p>
             <a:fld id="{B98EBF65-4B1A-44E0-9E25-9A044B733A4D}" type="datetimeFigureOut">
               <a:rPr lang="ko-KR" altLang="en-US" smtClean="0"/>
-              <a:t>2020-06-08</a:t>
+              <a:t>2020-07-05</a:t>
             </a:fld>
             <a:endParaRPr lang="ko-KR" altLang="en-US"/>
           </a:p>
@@ -2308,7 +2308,7 @@
           <a:p>
             <a:fld id="{B98EBF65-4B1A-44E0-9E25-9A044B733A4D}" type="datetimeFigureOut">
               <a:rPr lang="ko-KR" altLang="en-US" smtClean="0"/>
-              <a:t>2020-06-08</a:t>
+              <a:t>2020-07-05</a:t>
             </a:fld>
             <a:endParaRPr lang="ko-KR" altLang="en-US"/>
           </a:p>
@@ -2421,7 +2421,7 @@
           <a:p>
             <a:fld id="{B98EBF65-4B1A-44E0-9E25-9A044B733A4D}" type="datetimeFigureOut">
               <a:rPr lang="ko-KR" altLang="en-US" smtClean="0"/>
-              <a:t>2020-06-08</a:t>
+              <a:t>2020-07-05</a:t>
             </a:fld>
             <a:endParaRPr lang="ko-KR" altLang="en-US"/>
           </a:p>
@@ -2732,7 +2732,7 @@
           <a:p>
             <a:fld id="{B98EBF65-4B1A-44E0-9E25-9A044B733A4D}" type="datetimeFigureOut">
               <a:rPr lang="ko-KR" altLang="en-US" smtClean="0"/>
-              <a:t>2020-06-08</a:t>
+              <a:t>2020-07-05</a:t>
             </a:fld>
             <a:endParaRPr lang="ko-KR" altLang="en-US"/>
           </a:p>
@@ -3020,7 +3020,7 @@
           <a:p>
             <a:fld id="{B98EBF65-4B1A-44E0-9E25-9A044B733A4D}" type="datetimeFigureOut">
               <a:rPr lang="ko-KR" altLang="en-US" smtClean="0"/>
-              <a:t>2020-06-08</a:t>
+              <a:t>2020-07-05</a:t>
             </a:fld>
             <a:endParaRPr lang="ko-KR" altLang="en-US"/>
           </a:p>
@@ -3261,7 +3261,7 @@
           <a:p>
             <a:fld id="{B98EBF65-4B1A-44E0-9E25-9A044B733A4D}" type="datetimeFigureOut">
               <a:rPr lang="ko-KR" altLang="en-US" smtClean="0"/>
-              <a:t>2020-06-08</a:t>
+              <a:t>2020-07-05</a:t>
             </a:fld>
             <a:endParaRPr lang="ko-KR" altLang="en-US"/>
           </a:p>
@@ -4118,8 +4118,8 @@
         </p:nvSpPr>
         <p:spPr>
           <a:xfrm>
-            <a:off x="2389330" y="6129246"/>
-            <a:ext cx="1293944" cy="276999"/>
+            <a:off x="2389330" y="6360155"/>
+            <a:ext cx="1290738" cy="276999"/>
           </a:xfrm>
           <a:prstGeom prst="rect">
             <a:avLst/>
@@ -4138,7 +4138,7 @@
                   <a:schemeClr val="accent2"/>
                 </a:solidFill>
               </a:rPr>
-              <a:t>X : -670 ~ 1253</a:t>
+              <a:t>Z : -670 ~ 1253</a:t>
             </a:r>
             <a:endParaRPr lang="ko-KR" altLang="en-US" sz="1200" dirty="0">
               <a:solidFill>
@@ -4162,8 +4162,8 @@
         </p:nvSpPr>
         <p:spPr>
           <a:xfrm>
-            <a:off x="2389330" y="6439109"/>
-            <a:ext cx="1375698" cy="276999"/>
+            <a:off x="2389330" y="6083156"/>
+            <a:ext cx="1378904" cy="276999"/>
           </a:xfrm>
           <a:prstGeom prst="rect">
             <a:avLst/>
@@ -4182,7 +4182,7 @@
                   <a:schemeClr val="accent2"/>
                 </a:solidFill>
               </a:rPr>
-              <a:t>Z : -2418 ~ 2000</a:t>
+              <a:t>X : -2418 ~ 2000</a:t>
             </a:r>
             <a:endParaRPr lang="ko-KR" altLang="en-US" sz="1200" dirty="0">
               <a:solidFill>
@@ -4369,7 +4369,7 @@
         <p:spPr>
           <a:xfrm>
             <a:off x="6853957" y="493168"/>
-            <a:ext cx="1547218" cy="1015663"/>
+            <a:ext cx="1285929" cy="1015663"/>
           </a:xfrm>
           <a:prstGeom prst="rect">
             <a:avLst/>
@@ -4422,7 +4422,7 @@
                   <a:schemeClr val="accent2"/>
                 </a:solidFill>
               </a:rPr>
-              <a:t>1 (2000, 1140~800)</a:t>
+              <a:t>1 (2000, 1000)</a:t>
             </a:r>
           </a:p>
           <a:p>
@@ -4472,7 +4472,7 @@
         <p:spPr>
           <a:xfrm>
             <a:off x="8752292" y="488093"/>
-            <a:ext cx="1696298" cy="1015663"/>
+            <a:ext cx="1439818" cy="1015663"/>
           </a:xfrm>
           <a:prstGeom prst="rect">
             <a:avLst/>
@@ -4525,7 +4525,7 @@
                   <a:schemeClr val="accent2"/>
                 </a:solidFill>
               </a:rPr>
-              <a:t>1 (2000, - 200~ -450)</a:t>
+              <a:t>1 (2000, -300)</a:t>
             </a:r>
           </a:p>
           <a:p>
@@ -4557,6 +4557,324 @@
               </a:rPr>
               <a:t>4 (-2400, 100)</a:t>
             </a:r>
+          </a:p>
+        </p:txBody>
+      </p:sp>
+      <p:sp>
+        <p:nvSpPr>
+          <p:cNvPr id="20" name="TextBox 19">
+            <a:extLst>
+              <a:ext uri="{FF2B5EF4-FFF2-40B4-BE49-F238E27FC236}">
+                <a16:creationId xmlns:a16="http://schemas.microsoft.com/office/drawing/2014/main" id="{88062E2A-825F-45EA-808F-07978A691016}"/>
+              </a:ext>
+            </a:extLst>
+          </p:cNvPr>
+          <p:cNvSpPr txBox="1"/>
+          <p:nvPr/>
+        </p:nvSpPr>
+        <p:spPr>
+          <a:xfrm>
+            <a:off x="6853957" y="1728802"/>
+            <a:ext cx="1285929" cy="1015663"/>
+          </a:xfrm>
+          <a:prstGeom prst="rect">
+            <a:avLst/>
+          </a:prstGeom>
+          <a:noFill/>
+        </p:spPr>
+        <p:txBody>
+          <a:bodyPr wrap="none" rtlCol="0">
+            <a:spAutoFit/>
+          </a:bodyPr>
+          <a:lstStyle/>
+          <a:p>
+            <a:r>
+              <a:rPr lang="ko-KR" altLang="en-US" sz="1200" dirty="0">
+                <a:solidFill>
+                  <a:schemeClr val="accent2"/>
+                </a:solidFill>
+              </a:rPr>
+              <a:t>경로</a:t>
+            </a:r>
+            <a:r>
+              <a:rPr lang="en-US" altLang="ko-KR" sz="1200" dirty="0">
+                <a:solidFill>
+                  <a:schemeClr val="accent2"/>
+                </a:solidFill>
+              </a:rPr>
+              <a:t>3(</a:t>
+            </a:r>
+            <a:r>
+              <a:rPr lang="ko-KR" altLang="en-US" sz="1200" dirty="0">
+                <a:solidFill>
+                  <a:schemeClr val="accent2"/>
+                </a:solidFill>
+              </a:rPr>
+              <a:t>왼쪽시작</a:t>
+            </a:r>
+            <a:r>
+              <a:rPr lang="en-US" altLang="ko-KR" sz="1200" dirty="0">
+                <a:solidFill>
+                  <a:schemeClr val="accent2"/>
+                </a:solidFill>
+              </a:rPr>
+              <a:t>)</a:t>
+            </a:r>
+          </a:p>
+          <a:p>
+            <a:r>
+              <a:rPr lang="en-US" altLang="ko-KR" sz="1200" dirty="0">
+                <a:solidFill>
+                  <a:schemeClr val="accent2"/>
+                </a:solidFill>
+              </a:rPr>
+              <a:t>1 (2000, 1100)</a:t>
+            </a:r>
+          </a:p>
+          <a:p>
+            <a:r>
+              <a:rPr lang="en-US" altLang="ko-KR" sz="1200" dirty="0">
+                <a:solidFill>
+                  <a:schemeClr val="accent2"/>
+                </a:solidFill>
+              </a:rPr>
+              <a:t>2 (700, 1000)</a:t>
+            </a:r>
+          </a:p>
+          <a:p>
+            <a:r>
+              <a:rPr lang="en-US" altLang="ko-KR" sz="1200" dirty="0">
+                <a:solidFill>
+                  <a:schemeClr val="accent2"/>
+                </a:solidFill>
+              </a:rPr>
+              <a:t>3 (430, 530)</a:t>
+            </a:r>
+          </a:p>
+          <a:p>
+            <a:r>
+              <a:rPr lang="en-US" altLang="ko-KR" sz="1200" dirty="0">
+                <a:solidFill>
+                  <a:schemeClr val="accent2"/>
+                </a:solidFill>
+              </a:rPr>
+              <a:t>4 (-2400, 600)</a:t>
+            </a:r>
+          </a:p>
+        </p:txBody>
+      </p:sp>
+      <p:sp>
+        <p:nvSpPr>
+          <p:cNvPr id="21" name="TextBox 20">
+            <a:extLst>
+              <a:ext uri="{FF2B5EF4-FFF2-40B4-BE49-F238E27FC236}">
+                <a16:creationId xmlns:a16="http://schemas.microsoft.com/office/drawing/2014/main" id="{50B9C05B-F714-4199-9ACC-C0AD1DC933E5}"/>
+              </a:ext>
+            </a:extLst>
+          </p:cNvPr>
+          <p:cNvSpPr txBox="1"/>
+          <p:nvPr/>
+        </p:nvSpPr>
+        <p:spPr>
+          <a:xfrm>
+            <a:off x="6927454" y="3392"/>
+            <a:ext cx="2029509" cy="646331"/>
+          </a:xfrm>
+          <a:prstGeom prst="rect">
+            <a:avLst/>
+          </a:prstGeom>
+          <a:noFill/>
+        </p:spPr>
+        <p:txBody>
+          <a:bodyPr wrap="square" rtlCol="0">
+            <a:spAutoFit/>
+          </a:bodyPr>
+          <a:lstStyle/>
+          <a:p>
+            <a:r>
+              <a:rPr lang="en-US" altLang="ko-KR" sz="1200" dirty="0">
+                <a:solidFill>
+                  <a:schemeClr val="accent2"/>
+                </a:solidFill>
+              </a:rPr>
+              <a:t>(x, z)</a:t>
+            </a:r>
+          </a:p>
+          <a:p>
+            <a:r>
+              <a:rPr lang="en-US" altLang="ko-KR" sz="1200" dirty="0">
+                <a:solidFill>
+                  <a:schemeClr val="accent2"/>
+                </a:solidFill>
+              </a:rPr>
+              <a:t>(2000, 1140~800)</a:t>
+            </a:r>
+          </a:p>
+          <a:p>
+            <a:endParaRPr lang="en-US" altLang="ko-KR" sz="1200" dirty="0">
+              <a:solidFill>
+                <a:schemeClr val="accent2"/>
+              </a:solidFill>
+            </a:endParaRPr>
+          </a:p>
+        </p:txBody>
+      </p:sp>
+      <p:sp>
+        <p:nvSpPr>
+          <p:cNvPr id="22" name="TextBox 21">
+            <a:extLst>
+              <a:ext uri="{FF2B5EF4-FFF2-40B4-BE49-F238E27FC236}">
+                <a16:creationId xmlns:a16="http://schemas.microsoft.com/office/drawing/2014/main" id="{300C72C4-BB14-4CD1-821C-ACDA4517C488}"/>
+              </a:ext>
+            </a:extLst>
+          </p:cNvPr>
+          <p:cNvSpPr txBox="1"/>
+          <p:nvPr/>
+        </p:nvSpPr>
+        <p:spPr>
+          <a:xfrm>
+            <a:off x="8752292" y="1719676"/>
+            <a:ext cx="1439818" cy="1015663"/>
+          </a:xfrm>
+          <a:prstGeom prst="rect">
+            <a:avLst/>
+          </a:prstGeom>
+          <a:noFill/>
+        </p:spPr>
+        <p:txBody>
+          <a:bodyPr wrap="none" rtlCol="0">
+            <a:spAutoFit/>
+          </a:bodyPr>
+          <a:lstStyle/>
+          <a:p>
+            <a:r>
+              <a:rPr lang="ko-KR" altLang="en-US" sz="1200" dirty="0">
+                <a:solidFill>
+                  <a:schemeClr val="accent2"/>
+                </a:solidFill>
+              </a:rPr>
+              <a:t>경로</a:t>
+            </a:r>
+            <a:r>
+              <a:rPr lang="en-US" altLang="ko-KR" sz="1200" dirty="0">
+                <a:solidFill>
+                  <a:schemeClr val="accent2"/>
+                </a:solidFill>
+              </a:rPr>
+              <a:t>4(</a:t>
+            </a:r>
+            <a:r>
+              <a:rPr lang="ko-KR" altLang="en-US" sz="1200" dirty="0">
+                <a:solidFill>
+                  <a:schemeClr val="accent2"/>
+                </a:solidFill>
+              </a:rPr>
+              <a:t>오른쪽시작</a:t>
+            </a:r>
+            <a:r>
+              <a:rPr lang="en-US" altLang="ko-KR" sz="1200" dirty="0">
+                <a:solidFill>
+                  <a:schemeClr val="accent2"/>
+                </a:solidFill>
+              </a:rPr>
+              <a:t>)</a:t>
+            </a:r>
+          </a:p>
+          <a:p>
+            <a:r>
+              <a:rPr lang="en-US" altLang="ko-KR" sz="1200" dirty="0">
+                <a:solidFill>
+                  <a:schemeClr val="accent2"/>
+                </a:solidFill>
+              </a:rPr>
+              <a:t>1 (2000, -400)</a:t>
+            </a:r>
+          </a:p>
+          <a:p>
+            <a:r>
+              <a:rPr lang="en-US" altLang="ko-KR" sz="1200" dirty="0">
+                <a:solidFill>
+                  <a:schemeClr val="accent2"/>
+                </a:solidFill>
+              </a:rPr>
+              <a:t>2 (700, -450)</a:t>
+            </a:r>
+          </a:p>
+          <a:p>
+            <a:r>
+              <a:rPr lang="en-US" altLang="ko-KR" sz="1200" dirty="0">
+                <a:solidFill>
+                  <a:schemeClr val="accent2"/>
+                </a:solidFill>
+              </a:rPr>
+              <a:t>3 (430, 210)</a:t>
+            </a:r>
+          </a:p>
+          <a:p>
+            <a:r>
+              <a:rPr lang="en-US" altLang="ko-KR" sz="1200" dirty="0">
+                <a:solidFill>
+                  <a:schemeClr val="accent2"/>
+                </a:solidFill>
+              </a:rPr>
+              <a:t>4 (-2400, 200)</a:t>
+            </a:r>
+          </a:p>
+        </p:txBody>
+      </p:sp>
+      <p:sp>
+        <p:nvSpPr>
+          <p:cNvPr id="24" name="TextBox 23">
+            <a:extLst>
+              <a:ext uri="{FF2B5EF4-FFF2-40B4-BE49-F238E27FC236}">
+                <a16:creationId xmlns:a16="http://schemas.microsoft.com/office/drawing/2014/main" id="{A08B7A96-4451-4C8C-9984-AB0734B7E3A2}"/>
+              </a:ext>
+            </a:extLst>
+          </p:cNvPr>
+          <p:cNvSpPr txBox="1"/>
+          <p:nvPr/>
+        </p:nvSpPr>
+        <p:spPr>
+          <a:xfrm>
+            <a:off x="8770198" y="0"/>
+            <a:ext cx="2029509" cy="646331"/>
+          </a:xfrm>
+          <a:prstGeom prst="rect">
+            <a:avLst/>
+          </a:prstGeom>
+          <a:noFill/>
+        </p:spPr>
+        <p:txBody>
+          <a:bodyPr wrap="square" rtlCol="0">
+            <a:spAutoFit/>
+          </a:bodyPr>
+          <a:lstStyle/>
+          <a:p>
+            <a:r>
+              <a:rPr lang="en-US" altLang="ko-KR" sz="1200" dirty="0">
+                <a:solidFill>
+                  <a:schemeClr val="accent2"/>
+                </a:solidFill>
+              </a:rPr>
+              <a:t>(x, z)</a:t>
+            </a:r>
+          </a:p>
+          <a:p>
+            <a:r>
+              <a:rPr lang="en-US" altLang="ko-KR" sz="1200" dirty="0">
+                <a:solidFill>
+                  <a:schemeClr val="accent2"/>
+                </a:solidFill>
+              </a:rPr>
+              <a:t>(2000, - 200~ -450)</a:t>
+            </a:r>
+          </a:p>
+          <a:p>
+            <a:endParaRPr lang="en-US" altLang="ko-KR" sz="1200" dirty="0">
+              <a:solidFill>
+                <a:schemeClr val="accent2"/>
+              </a:solidFill>
+            </a:endParaRPr>
           </a:p>
         </p:txBody>
       </p:sp>

--- a/res/스테이지 경로/스테이지1.pptx
+++ b/res/스테이지 경로/스테이지1.pptx
@@ -5,10 +5,11 @@
     <p:sldMasterId id="2147483648" r:id="rId1"/>
   </p:sldMasterIdLst>
   <p:notesMasterIdLst>
-    <p:notesMasterId r:id="rId3"/>
+    <p:notesMasterId r:id="rId4"/>
   </p:notesMasterIdLst>
   <p:sldIdLst>
     <p:sldId id="256" r:id="rId2"/>
+    <p:sldId id="257" r:id="rId3"/>
   </p:sldIdLst>
   <p:sldSz cx="12192000" cy="6858000"/>
   <p:notesSz cx="6858000" cy="9144000"/>
@@ -197,7 +198,7 @@
           <a:p>
             <a:fld id="{44C7CAA8-DF81-4AA8-8C64-A8E48E59C46F}" type="datetimeFigureOut">
               <a:rPr lang="ko-KR" altLang="en-US" smtClean="0"/>
-              <a:t>2020-07-05</a:t>
+              <a:t>2020-07-08</a:t>
             </a:fld>
             <a:endParaRPr lang="ko-KR" altLang="en-US"/>
           </a:p>
@@ -611,7 +612,7 @@
           <a:p>
             <a:fld id="{B98EBF65-4B1A-44E0-9E25-9A044B733A4D}" type="datetimeFigureOut">
               <a:rPr lang="ko-KR" altLang="en-US" smtClean="0"/>
-              <a:t>2020-07-05</a:t>
+              <a:t>2020-07-08</a:t>
             </a:fld>
             <a:endParaRPr lang="ko-KR" altLang="en-US"/>
           </a:p>
@@ -809,7 +810,7 @@
           <a:p>
             <a:fld id="{B98EBF65-4B1A-44E0-9E25-9A044B733A4D}" type="datetimeFigureOut">
               <a:rPr lang="ko-KR" altLang="en-US" smtClean="0"/>
-              <a:t>2020-07-05</a:t>
+              <a:t>2020-07-08</a:t>
             </a:fld>
             <a:endParaRPr lang="ko-KR" altLang="en-US"/>
           </a:p>
@@ -1017,7 +1018,7 @@
           <a:p>
             <a:fld id="{B98EBF65-4B1A-44E0-9E25-9A044B733A4D}" type="datetimeFigureOut">
               <a:rPr lang="ko-KR" altLang="en-US" smtClean="0"/>
-              <a:t>2020-07-05</a:t>
+              <a:t>2020-07-08</a:t>
             </a:fld>
             <a:endParaRPr lang="ko-KR" altLang="en-US"/>
           </a:p>
@@ -1215,7 +1216,7 @@
           <a:p>
             <a:fld id="{B98EBF65-4B1A-44E0-9E25-9A044B733A4D}" type="datetimeFigureOut">
               <a:rPr lang="ko-KR" altLang="en-US" smtClean="0"/>
-              <a:t>2020-07-05</a:t>
+              <a:t>2020-07-08</a:t>
             </a:fld>
             <a:endParaRPr lang="ko-KR" altLang="en-US"/>
           </a:p>
@@ -1490,7 +1491,7 @@
           <a:p>
             <a:fld id="{B98EBF65-4B1A-44E0-9E25-9A044B733A4D}" type="datetimeFigureOut">
               <a:rPr lang="ko-KR" altLang="en-US" smtClean="0"/>
-              <a:t>2020-07-05</a:t>
+              <a:t>2020-07-08</a:t>
             </a:fld>
             <a:endParaRPr lang="ko-KR" altLang="en-US"/>
           </a:p>
@@ -1755,7 +1756,7 @@
           <a:p>
             <a:fld id="{B98EBF65-4B1A-44E0-9E25-9A044B733A4D}" type="datetimeFigureOut">
               <a:rPr lang="ko-KR" altLang="en-US" smtClean="0"/>
-              <a:t>2020-07-05</a:t>
+              <a:t>2020-07-08</a:t>
             </a:fld>
             <a:endParaRPr lang="ko-KR" altLang="en-US"/>
           </a:p>
@@ -2167,7 +2168,7 @@
           <a:p>
             <a:fld id="{B98EBF65-4B1A-44E0-9E25-9A044B733A4D}" type="datetimeFigureOut">
               <a:rPr lang="ko-KR" altLang="en-US" smtClean="0"/>
-              <a:t>2020-07-05</a:t>
+              <a:t>2020-07-08</a:t>
             </a:fld>
             <a:endParaRPr lang="ko-KR" altLang="en-US"/>
           </a:p>
@@ -2308,7 +2309,7 @@
           <a:p>
             <a:fld id="{B98EBF65-4B1A-44E0-9E25-9A044B733A4D}" type="datetimeFigureOut">
               <a:rPr lang="ko-KR" altLang="en-US" smtClean="0"/>
-              <a:t>2020-07-05</a:t>
+              <a:t>2020-07-08</a:t>
             </a:fld>
             <a:endParaRPr lang="ko-KR" altLang="en-US"/>
           </a:p>
@@ -2421,7 +2422,7 @@
           <a:p>
             <a:fld id="{B98EBF65-4B1A-44E0-9E25-9A044B733A4D}" type="datetimeFigureOut">
               <a:rPr lang="ko-KR" altLang="en-US" smtClean="0"/>
-              <a:t>2020-07-05</a:t>
+              <a:t>2020-07-08</a:t>
             </a:fld>
             <a:endParaRPr lang="ko-KR" altLang="en-US"/>
           </a:p>
@@ -2732,7 +2733,7 @@
           <a:p>
             <a:fld id="{B98EBF65-4B1A-44E0-9E25-9A044B733A4D}" type="datetimeFigureOut">
               <a:rPr lang="ko-KR" altLang="en-US" smtClean="0"/>
-              <a:t>2020-07-05</a:t>
+              <a:t>2020-07-08</a:t>
             </a:fld>
             <a:endParaRPr lang="ko-KR" altLang="en-US"/>
           </a:p>
@@ -3020,7 +3021,7 @@
           <a:p>
             <a:fld id="{B98EBF65-4B1A-44E0-9E25-9A044B733A4D}" type="datetimeFigureOut">
               <a:rPr lang="ko-KR" altLang="en-US" smtClean="0"/>
-              <a:t>2020-07-05</a:t>
+              <a:t>2020-07-08</a:t>
             </a:fld>
             <a:endParaRPr lang="ko-KR" altLang="en-US"/>
           </a:p>
@@ -3261,7 +3262,7 @@
           <a:p>
             <a:fld id="{B98EBF65-4B1A-44E0-9E25-9A044B733A4D}" type="datetimeFigureOut">
               <a:rPr lang="ko-KR" altLang="en-US" smtClean="0"/>
-              <a:t>2020-07-05</a:t>
+              <a:t>2020-07-08</a:t>
             </a:fld>
             <a:endParaRPr lang="ko-KR" altLang="en-US"/>
           </a:p>
@@ -4878,10 +4879,1897 @@
           </a:p>
         </p:txBody>
       </p:sp>
+      <p:cxnSp>
+        <p:nvCxnSpPr>
+          <p:cNvPr id="28" name="직선 화살표 연결선 27">
+            <a:extLst>
+              <a:ext uri="{FF2B5EF4-FFF2-40B4-BE49-F238E27FC236}">
+                <a16:creationId xmlns:a16="http://schemas.microsoft.com/office/drawing/2014/main" id="{722DD9B4-F041-40EF-A5E0-966B1449EF0B}"/>
+              </a:ext>
+            </a:extLst>
+          </p:cNvPr>
+          <p:cNvCxnSpPr/>
+          <p:nvPr/>
+        </p:nvCxnSpPr>
+        <p:spPr>
+          <a:xfrm flipV="1">
+            <a:off x="5874329" y="4380339"/>
+            <a:ext cx="0" cy="1455476"/>
+          </a:xfrm>
+          <a:prstGeom prst="straightConnector1">
+            <a:avLst/>
+          </a:prstGeom>
+          <a:ln>
+            <a:tailEnd type="triangle"/>
+          </a:ln>
+        </p:spPr>
+        <p:style>
+          <a:lnRef idx="1">
+            <a:schemeClr val="accent1"/>
+          </a:lnRef>
+          <a:fillRef idx="0">
+            <a:schemeClr val="accent1"/>
+          </a:fillRef>
+          <a:effectRef idx="0">
+            <a:schemeClr val="accent1"/>
+          </a:effectRef>
+          <a:fontRef idx="minor">
+            <a:schemeClr val="tx1"/>
+          </a:fontRef>
+        </p:style>
+      </p:cxnSp>
+      <p:cxnSp>
+        <p:nvCxnSpPr>
+          <p:cNvPr id="29" name="직선 화살표 연결선 28">
+            <a:extLst>
+              <a:ext uri="{FF2B5EF4-FFF2-40B4-BE49-F238E27FC236}">
+                <a16:creationId xmlns:a16="http://schemas.microsoft.com/office/drawing/2014/main" id="{8AD5F7C1-C937-475A-BA12-82FC801D4E69}"/>
+              </a:ext>
+            </a:extLst>
+          </p:cNvPr>
+          <p:cNvCxnSpPr>
+            <a:cxnSpLocks/>
+          </p:cNvCxnSpPr>
+          <p:nvPr/>
+        </p:nvCxnSpPr>
+        <p:spPr>
+          <a:xfrm flipH="1">
+            <a:off x="4163291" y="5882993"/>
+            <a:ext cx="1754264" cy="0"/>
+          </a:xfrm>
+          <a:prstGeom prst="straightConnector1">
+            <a:avLst/>
+          </a:prstGeom>
+          <a:ln>
+            <a:tailEnd type="triangle"/>
+          </a:ln>
+        </p:spPr>
+        <p:style>
+          <a:lnRef idx="1">
+            <a:schemeClr val="accent1"/>
+          </a:lnRef>
+          <a:fillRef idx="0">
+            <a:schemeClr val="accent1"/>
+          </a:fillRef>
+          <a:effectRef idx="0">
+            <a:schemeClr val="accent1"/>
+          </a:effectRef>
+          <a:fontRef idx="minor">
+            <a:schemeClr val="tx1"/>
+          </a:fontRef>
+        </p:style>
+      </p:cxnSp>
+      <p:sp>
+        <p:nvSpPr>
+          <p:cNvPr id="30" name="직사각형 29">
+            <a:extLst>
+              <a:ext uri="{FF2B5EF4-FFF2-40B4-BE49-F238E27FC236}">
+                <a16:creationId xmlns:a16="http://schemas.microsoft.com/office/drawing/2014/main" id="{8C62E744-2A6A-4E2F-8633-ADD89ED36B0A}"/>
+              </a:ext>
+            </a:extLst>
+          </p:cNvPr>
+          <p:cNvSpPr/>
+          <p:nvPr/>
+        </p:nvSpPr>
+        <p:spPr>
+          <a:xfrm>
+            <a:off x="5623939" y="5835815"/>
+            <a:ext cx="250390" cy="261610"/>
+          </a:xfrm>
+          <a:prstGeom prst="rect">
+            <a:avLst/>
+          </a:prstGeom>
+        </p:spPr>
+        <p:txBody>
+          <a:bodyPr wrap="none">
+            <a:spAutoFit/>
+          </a:bodyPr>
+          <a:lstStyle/>
+          <a:p>
+            <a:r>
+              <a:rPr lang="en-US" altLang="ko-KR" sz="1100" dirty="0">
+                <a:solidFill>
+                  <a:schemeClr val="accent2"/>
+                </a:solidFill>
+              </a:rPr>
+              <a:t>z</a:t>
+            </a:r>
+            <a:endParaRPr lang="ko-KR" altLang="en-US" sz="1100" dirty="0"/>
+          </a:p>
+        </p:txBody>
+      </p:sp>
+      <p:sp>
+        <p:nvSpPr>
+          <p:cNvPr id="31" name="직사각형 30">
+            <a:extLst>
+              <a:ext uri="{FF2B5EF4-FFF2-40B4-BE49-F238E27FC236}">
+                <a16:creationId xmlns:a16="http://schemas.microsoft.com/office/drawing/2014/main" id="{48414632-D1F9-43D4-935E-41731FC3E8A0}"/>
+              </a:ext>
+            </a:extLst>
+          </p:cNvPr>
+          <p:cNvSpPr/>
+          <p:nvPr/>
+        </p:nvSpPr>
+        <p:spPr>
+          <a:xfrm>
+            <a:off x="5946994" y="5602262"/>
+            <a:ext cx="250390" cy="261610"/>
+          </a:xfrm>
+          <a:prstGeom prst="rect">
+            <a:avLst/>
+          </a:prstGeom>
+        </p:spPr>
+        <p:txBody>
+          <a:bodyPr wrap="none">
+            <a:spAutoFit/>
+          </a:bodyPr>
+          <a:lstStyle/>
+          <a:p>
+            <a:r>
+              <a:rPr lang="en-US" altLang="ko-KR" sz="1100" dirty="0">
+                <a:solidFill>
+                  <a:schemeClr val="accent2"/>
+                </a:solidFill>
+              </a:rPr>
+              <a:t>x</a:t>
+            </a:r>
+            <a:endParaRPr lang="ko-KR" altLang="en-US" sz="1100" dirty="0">
+              <a:solidFill>
+                <a:schemeClr val="accent2"/>
+              </a:solidFill>
+            </a:endParaRPr>
+          </a:p>
+        </p:txBody>
+      </p:sp>
     </p:spTree>
     <p:extLst>
       <p:ext uri="{BB962C8B-B14F-4D97-AF65-F5344CB8AC3E}">
         <p14:creationId xmlns:p14="http://schemas.microsoft.com/office/powerpoint/2010/main" val="637474504"/>
+      </p:ext>
+    </p:extLst>
+  </p:cSld>
+  <p:clrMapOvr>
+    <a:masterClrMapping/>
+  </p:clrMapOvr>
+</p:sld>
+</file>
+
+<file path=ppt/slides/slide2.xml><?xml version="1.0" encoding="utf-8"?>
+<p:sld xmlns:a="http://schemas.openxmlformats.org/drawingml/2006/main" xmlns:r="http://schemas.openxmlformats.org/officeDocument/2006/relationships" xmlns:p="http://schemas.openxmlformats.org/presentationml/2006/main">
+  <p:cSld>
+    <p:spTree>
+      <p:nvGrpSpPr>
+        <p:cNvPr id="1" name=""/>
+        <p:cNvGrpSpPr/>
+        <p:nvPr/>
+      </p:nvGrpSpPr>
+      <p:grpSpPr>
+        <a:xfrm>
+          <a:off x="0" y="0"/>
+          <a:ext cx="0" cy="0"/>
+          <a:chOff x="0" y="0"/>
+          <a:chExt cx="0" cy="0"/>
+        </a:xfrm>
+      </p:grpSpPr>
+      <p:pic>
+        <p:nvPicPr>
+          <p:cNvPr id="7" name="그림 6">
+            <a:extLst>
+              <a:ext uri="{FF2B5EF4-FFF2-40B4-BE49-F238E27FC236}">
+                <a16:creationId xmlns:a16="http://schemas.microsoft.com/office/drawing/2014/main" id="{A384D4AF-CB5F-473F-AC8D-4E621D0C4573}"/>
+              </a:ext>
+            </a:extLst>
+          </p:cNvPr>
+          <p:cNvPicPr>
+            <a:picLocks noChangeAspect="1"/>
+          </p:cNvPicPr>
+          <p:nvPr/>
+        </p:nvPicPr>
+        <p:blipFill>
+          <a:blip r:embed="rId2"/>
+          <a:stretch>
+            <a:fillRect/>
+          </a:stretch>
+        </p:blipFill>
+        <p:spPr>
+          <a:xfrm>
+            <a:off x="397164" y="0"/>
+            <a:ext cx="7721600" cy="6456523"/>
+          </a:xfrm>
+          <a:prstGeom prst="rect">
+            <a:avLst/>
+          </a:prstGeom>
+        </p:spPr>
+      </p:pic>
+      <p:sp>
+        <p:nvSpPr>
+          <p:cNvPr id="4" name="TextBox 3">
+            <a:extLst>
+              <a:ext uri="{FF2B5EF4-FFF2-40B4-BE49-F238E27FC236}">
+                <a16:creationId xmlns:a16="http://schemas.microsoft.com/office/drawing/2014/main" id="{F2D0C7A8-4153-40BF-9067-ADD5CC342B49}"/>
+              </a:ext>
+            </a:extLst>
+          </p:cNvPr>
+          <p:cNvSpPr txBox="1"/>
+          <p:nvPr/>
+        </p:nvSpPr>
+        <p:spPr>
+          <a:xfrm>
+            <a:off x="3493176" y="2858566"/>
+            <a:ext cx="466794" cy="261610"/>
+          </a:xfrm>
+          <a:prstGeom prst="rect">
+            <a:avLst/>
+          </a:prstGeom>
+          <a:noFill/>
+        </p:spPr>
+        <p:txBody>
+          <a:bodyPr wrap="none" rtlCol="0">
+            <a:spAutoFit/>
+          </a:bodyPr>
+          <a:lstStyle/>
+          <a:p>
+            <a:r>
+              <a:rPr lang="ko-KR" altLang="en-US" sz="1100" dirty="0">
+                <a:solidFill>
+                  <a:schemeClr val="accent2"/>
+                </a:solidFill>
+              </a:rPr>
+              <a:t>포탈</a:t>
+            </a:r>
+          </a:p>
+        </p:txBody>
+      </p:sp>
+      <p:sp>
+        <p:nvSpPr>
+          <p:cNvPr id="5" name="TextBox 4">
+            <a:extLst>
+              <a:ext uri="{FF2B5EF4-FFF2-40B4-BE49-F238E27FC236}">
+                <a16:creationId xmlns:a16="http://schemas.microsoft.com/office/drawing/2014/main" id="{659367CC-EAB7-4C09-A9FE-9B6A05D38EBE}"/>
+              </a:ext>
+            </a:extLst>
+          </p:cNvPr>
+          <p:cNvSpPr txBox="1"/>
+          <p:nvPr/>
+        </p:nvSpPr>
+        <p:spPr>
+          <a:xfrm>
+            <a:off x="1918376" y="4978311"/>
+            <a:ext cx="928459" cy="246221"/>
+          </a:xfrm>
+          <a:prstGeom prst="rect">
+            <a:avLst/>
+          </a:prstGeom>
+          <a:noFill/>
+        </p:spPr>
+        <p:txBody>
+          <a:bodyPr wrap="none" rtlCol="0">
+            <a:spAutoFit/>
+          </a:bodyPr>
+          <a:lstStyle/>
+          <a:p>
+            <a:r>
+              <a:rPr lang="en-US" altLang="ko-KR" sz="1000" dirty="0">
+                <a:solidFill>
+                  <a:schemeClr val="accent2"/>
+                </a:solidFill>
+              </a:rPr>
+              <a:t>-1500, -1500</a:t>
+            </a:r>
+            <a:endParaRPr lang="ko-KR" altLang="en-US" sz="1000" dirty="0">
+              <a:solidFill>
+                <a:schemeClr val="accent2"/>
+              </a:solidFill>
+            </a:endParaRPr>
+          </a:p>
+        </p:txBody>
+      </p:sp>
+      <p:sp>
+        <p:nvSpPr>
+          <p:cNvPr id="8" name="TextBox 7">
+            <a:extLst>
+              <a:ext uri="{FF2B5EF4-FFF2-40B4-BE49-F238E27FC236}">
+                <a16:creationId xmlns:a16="http://schemas.microsoft.com/office/drawing/2014/main" id="{FF5F003F-0637-44FB-9837-1C5B6C0EC8B1}"/>
+              </a:ext>
+            </a:extLst>
+          </p:cNvPr>
+          <p:cNvSpPr txBox="1"/>
+          <p:nvPr/>
+        </p:nvSpPr>
+        <p:spPr>
+          <a:xfrm>
+            <a:off x="1918376" y="5717417"/>
+            <a:ext cx="928459" cy="246221"/>
+          </a:xfrm>
+          <a:prstGeom prst="rect">
+            <a:avLst/>
+          </a:prstGeom>
+          <a:noFill/>
+        </p:spPr>
+        <p:txBody>
+          <a:bodyPr wrap="none" rtlCol="0">
+            <a:spAutoFit/>
+          </a:bodyPr>
+          <a:lstStyle/>
+          <a:p>
+            <a:r>
+              <a:rPr lang="en-US" altLang="ko-KR" sz="1000" dirty="0">
+                <a:solidFill>
+                  <a:schemeClr val="accent2"/>
+                </a:solidFill>
+              </a:rPr>
+              <a:t>-1500, -2100</a:t>
+            </a:r>
+            <a:endParaRPr lang="ko-KR" altLang="en-US" sz="1000" dirty="0">
+              <a:solidFill>
+                <a:schemeClr val="accent2"/>
+              </a:solidFill>
+            </a:endParaRPr>
+          </a:p>
+        </p:txBody>
+      </p:sp>
+      <p:sp>
+        <p:nvSpPr>
+          <p:cNvPr id="9" name="TextBox 8">
+            <a:extLst>
+              <a:ext uri="{FF2B5EF4-FFF2-40B4-BE49-F238E27FC236}">
+                <a16:creationId xmlns:a16="http://schemas.microsoft.com/office/drawing/2014/main" id="{132273BD-1940-4A42-8557-1B6E1D21E1F0}"/>
+              </a:ext>
+            </a:extLst>
+          </p:cNvPr>
+          <p:cNvSpPr txBox="1"/>
+          <p:nvPr/>
+        </p:nvSpPr>
+        <p:spPr>
+          <a:xfrm>
+            <a:off x="4684667" y="4978311"/>
+            <a:ext cx="805029" cy="246221"/>
+          </a:xfrm>
+          <a:prstGeom prst="rect">
+            <a:avLst/>
+          </a:prstGeom>
+          <a:noFill/>
+        </p:spPr>
+        <p:txBody>
+          <a:bodyPr wrap="none" rtlCol="0">
+            <a:spAutoFit/>
+          </a:bodyPr>
+          <a:lstStyle/>
+          <a:p>
+            <a:r>
+              <a:rPr lang="en-US" altLang="ko-KR" sz="1000" dirty="0">
+                <a:solidFill>
+                  <a:schemeClr val="accent2"/>
+                </a:solidFill>
+              </a:rPr>
+              <a:t>730, -1470</a:t>
+            </a:r>
+            <a:endParaRPr lang="ko-KR" altLang="en-US" sz="1000" dirty="0">
+              <a:solidFill>
+                <a:schemeClr val="accent2"/>
+              </a:solidFill>
+            </a:endParaRPr>
+          </a:p>
+        </p:txBody>
+      </p:sp>
+      <p:sp>
+        <p:nvSpPr>
+          <p:cNvPr id="10" name="TextBox 9">
+            <a:extLst>
+              <a:ext uri="{FF2B5EF4-FFF2-40B4-BE49-F238E27FC236}">
+                <a16:creationId xmlns:a16="http://schemas.microsoft.com/office/drawing/2014/main" id="{191EB692-D153-4BB0-81C4-3070C9ABE82F}"/>
+              </a:ext>
+            </a:extLst>
+          </p:cNvPr>
+          <p:cNvSpPr txBox="1"/>
+          <p:nvPr/>
+        </p:nvSpPr>
+        <p:spPr>
+          <a:xfrm>
+            <a:off x="5823018" y="4978309"/>
+            <a:ext cx="875561" cy="246221"/>
+          </a:xfrm>
+          <a:prstGeom prst="rect">
+            <a:avLst/>
+          </a:prstGeom>
+          <a:noFill/>
+        </p:spPr>
+        <p:txBody>
+          <a:bodyPr wrap="none" rtlCol="0">
+            <a:spAutoFit/>
+          </a:bodyPr>
+          <a:lstStyle/>
+          <a:p>
+            <a:r>
+              <a:rPr lang="en-US" altLang="ko-KR" sz="1000" dirty="0">
+                <a:solidFill>
+                  <a:schemeClr val="accent2"/>
+                </a:solidFill>
+              </a:rPr>
+              <a:t>1470, -1470</a:t>
+            </a:r>
+            <a:endParaRPr lang="ko-KR" altLang="en-US" sz="1000" dirty="0">
+              <a:solidFill>
+                <a:schemeClr val="accent2"/>
+              </a:solidFill>
+            </a:endParaRPr>
+          </a:p>
+        </p:txBody>
+      </p:sp>
+      <p:sp>
+        <p:nvSpPr>
+          <p:cNvPr id="11" name="TextBox 10">
+            <a:extLst>
+              <a:ext uri="{FF2B5EF4-FFF2-40B4-BE49-F238E27FC236}">
+                <a16:creationId xmlns:a16="http://schemas.microsoft.com/office/drawing/2014/main" id="{F07F08F2-BB0F-426C-B797-C9E6C8FEC568}"/>
+              </a:ext>
+            </a:extLst>
+          </p:cNvPr>
+          <p:cNvSpPr txBox="1"/>
+          <p:nvPr/>
+        </p:nvSpPr>
+        <p:spPr>
+          <a:xfrm>
+            <a:off x="7031901" y="4978309"/>
+            <a:ext cx="875561" cy="246221"/>
+          </a:xfrm>
+          <a:prstGeom prst="rect">
+            <a:avLst/>
+          </a:prstGeom>
+          <a:noFill/>
+        </p:spPr>
+        <p:txBody>
+          <a:bodyPr wrap="none" rtlCol="0">
+            <a:spAutoFit/>
+          </a:bodyPr>
+          <a:lstStyle/>
+          <a:p>
+            <a:r>
+              <a:rPr lang="en-US" altLang="ko-KR" sz="1000" dirty="0">
+                <a:solidFill>
+                  <a:schemeClr val="accent2"/>
+                </a:solidFill>
+              </a:rPr>
+              <a:t>2600, -1530</a:t>
+            </a:r>
+            <a:endParaRPr lang="ko-KR" altLang="en-US" sz="1000" dirty="0">
+              <a:solidFill>
+                <a:schemeClr val="accent2"/>
+              </a:solidFill>
+            </a:endParaRPr>
+          </a:p>
+        </p:txBody>
+      </p:sp>
+      <p:sp>
+        <p:nvSpPr>
+          <p:cNvPr id="12" name="TextBox 11">
+            <a:extLst>
+              <a:ext uri="{FF2B5EF4-FFF2-40B4-BE49-F238E27FC236}">
+                <a16:creationId xmlns:a16="http://schemas.microsoft.com/office/drawing/2014/main" id="{B9FC6DBE-5C46-4013-9C4A-F45D69D16A1F}"/>
+              </a:ext>
+            </a:extLst>
+          </p:cNvPr>
+          <p:cNvSpPr txBox="1"/>
+          <p:nvPr/>
+        </p:nvSpPr>
+        <p:spPr>
+          <a:xfrm>
+            <a:off x="6953392" y="5717417"/>
+            <a:ext cx="875561" cy="246221"/>
+          </a:xfrm>
+          <a:prstGeom prst="rect">
+            <a:avLst/>
+          </a:prstGeom>
+          <a:noFill/>
+        </p:spPr>
+        <p:txBody>
+          <a:bodyPr wrap="none" rtlCol="0">
+            <a:spAutoFit/>
+          </a:bodyPr>
+          <a:lstStyle/>
+          <a:p>
+            <a:r>
+              <a:rPr lang="en-US" altLang="ko-KR" sz="1000" dirty="0">
+                <a:solidFill>
+                  <a:schemeClr val="accent2"/>
+                </a:solidFill>
+              </a:rPr>
+              <a:t>2600, -2150</a:t>
+            </a:r>
+            <a:endParaRPr lang="ko-KR" altLang="en-US" sz="1000" dirty="0">
+              <a:solidFill>
+                <a:schemeClr val="accent2"/>
+              </a:solidFill>
+            </a:endParaRPr>
+          </a:p>
+        </p:txBody>
+      </p:sp>
+      <p:sp>
+        <p:nvSpPr>
+          <p:cNvPr id="13" name="TextBox 12">
+            <a:extLst>
+              <a:ext uri="{FF2B5EF4-FFF2-40B4-BE49-F238E27FC236}">
+                <a16:creationId xmlns:a16="http://schemas.microsoft.com/office/drawing/2014/main" id="{84456BDD-CBC1-425A-8068-6140A376B999}"/>
+              </a:ext>
+            </a:extLst>
+          </p:cNvPr>
+          <p:cNvSpPr txBox="1"/>
+          <p:nvPr/>
+        </p:nvSpPr>
+        <p:spPr>
+          <a:xfrm>
+            <a:off x="5658219" y="1879691"/>
+            <a:ext cx="822661" cy="246221"/>
+          </a:xfrm>
+          <a:prstGeom prst="rect">
+            <a:avLst/>
+          </a:prstGeom>
+          <a:noFill/>
+        </p:spPr>
+        <p:txBody>
+          <a:bodyPr wrap="none" rtlCol="0">
+            <a:spAutoFit/>
+          </a:bodyPr>
+          <a:lstStyle/>
+          <a:p>
+            <a:r>
+              <a:rPr lang="en-US" altLang="ko-KR" sz="1000" dirty="0">
+                <a:solidFill>
+                  <a:schemeClr val="accent2"/>
+                </a:solidFill>
+              </a:rPr>
+              <a:t>1430, 1050</a:t>
+            </a:r>
+            <a:endParaRPr lang="ko-KR" altLang="en-US" sz="1000" dirty="0">
+              <a:solidFill>
+                <a:schemeClr val="accent2"/>
+              </a:solidFill>
+            </a:endParaRPr>
+          </a:p>
+        </p:txBody>
+      </p:sp>
+      <p:sp>
+        <p:nvSpPr>
+          <p:cNvPr id="14" name="TextBox 13">
+            <a:extLst>
+              <a:ext uri="{FF2B5EF4-FFF2-40B4-BE49-F238E27FC236}">
+                <a16:creationId xmlns:a16="http://schemas.microsoft.com/office/drawing/2014/main" id="{43587DB3-28E4-4C6E-B571-CD1758D9A730}"/>
+              </a:ext>
+            </a:extLst>
+          </p:cNvPr>
+          <p:cNvSpPr txBox="1"/>
+          <p:nvPr/>
+        </p:nvSpPr>
+        <p:spPr>
+          <a:xfrm>
+            <a:off x="4976622" y="2366045"/>
+            <a:ext cx="681597" cy="246221"/>
+          </a:xfrm>
+          <a:prstGeom prst="rect">
+            <a:avLst/>
+          </a:prstGeom>
+          <a:noFill/>
+        </p:spPr>
+        <p:txBody>
+          <a:bodyPr wrap="none" rtlCol="0">
+            <a:spAutoFit/>
+          </a:bodyPr>
+          <a:lstStyle/>
+          <a:p>
+            <a:r>
+              <a:rPr lang="en-US" altLang="ko-KR" sz="1000" dirty="0">
+                <a:solidFill>
+                  <a:schemeClr val="accent2"/>
+                </a:solidFill>
+              </a:rPr>
+              <a:t>760, 690</a:t>
+            </a:r>
+            <a:endParaRPr lang="ko-KR" altLang="en-US" sz="1000" dirty="0">
+              <a:solidFill>
+                <a:schemeClr val="accent2"/>
+              </a:solidFill>
+            </a:endParaRPr>
+          </a:p>
+        </p:txBody>
+      </p:sp>
+      <p:sp>
+        <p:nvSpPr>
+          <p:cNvPr id="15" name="TextBox 14">
+            <a:extLst>
+              <a:ext uri="{FF2B5EF4-FFF2-40B4-BE49-F238E27FC236}">
+                <a16:creationId xmlns:a16="http://schemas.microsoft.com/office/drawing/2014/main" id="{E4444127-64B6-473F-9607-79D6BC9C3DA1}"/>
+              </a:ext>
+            </a:extLst>
+          </p:cNvPr>
+          <p:cNvSpPr txBox="1"/>
+          <p:nvPr/>
+        </p:nvSpPr>
+        <p:spPr>
+          <a:xfrm>
+            <a:off x="3609004" y="1756580"/>
+            <a:ext cx="805029" cy="246221"/>
+          </a:xfrm>
+          <a:prstGeom prst="rect">
+            <a:avLst/>
+          </a:prstGeom>
+          <a:noFill/>
+        </p:spPr>
+        <p:txBody>
+          <a:bodyPr wrap="none" rtlCol="0">
+            <a:spAutoFit/>
+          </a:bodyPr>
+          <a:lstStyle/>
+          <a:p>
+            <a:r>
+              <a:rPr lang="en-US" altLang="ko-KR" sz="1000" dirty="0">
+                <a:solidFill>
+                  <a:schemeClr val="accent2"/>
+                </a:solidFill>
+              </a:rPr>
+              <a:t>-320, 1050</a:t>
+            </a:r>
+            <a:endParaRPr lang="ko-KR" altLang="en-US" sz="1000" dirty="0">
+              <a:solidFill>
+                <a:schemeClr val="accent2"/>
+              </a:solidFill>
+            </a:endParaRPr>
+          </a:p>
+        </p:txBody>
+      </p:sp>
+      <p:sp>
+        <p:nvSpPr>
+          <p:cNvPr id="16" name="TextBox 15">
+            <a:extLst>
+              <a:ext uri="{FF2B5EF4-FFF2-40B4-BE49-F238E27FC236}">
+                <a16:creationId xmlns:a16="http://schemas.microsoft.com/office/drawing/2014/main" id="{80800251-5195-4E8C-AAF7-06A1C7D2FBC1}"/>
+              </a:ext>
+            </a:extLst>
+          </p:cNvPr>
+          <p:cNvSpPr txBox="1"/>
+          <p:nvPr/>
+        </p:nvSpPr>
+        <p:spPr>
+          <a:xfrm>
+            <a:off x="3324058" y="3066306"/>
+            <a:ext cx="734496" cy="246221"/>
+          </a:xfrm>
+          <a:prstGeom prst="rect">
+            <a:avLst/>
+          </a:prstGeom>
+          <a:noFill/>
+        </p:spPr>
+        <p:txBody>
+          <a:bodyPr wrap="none" rtlCol="0">
+            <a:spAutoFit/>
+          </a:bodyPr>
+          <a:lstStyle/>
+          <a:p>
+            <a:r>
+              <a:rPr lang="en-US" altLang="ko-KR" sz="1000" dirty="0">
+                <a:solidFill>
+                  <a:schemeClr val="accent2"/>
+                </a:solidFill>
+              </a:rPr>
+              <a:t>-360, 200</a:t>
+            </a:r>
+            <a:endParaRPr lang="ko-KR" altLang="en-US" sz="1000" dirty="0">
+              <a:solidFill>
+                <a:schemeClr val="accent2"/>
+              </a:solidFill>
+            </a:endParaRPr>
+          </a:p>
+        </p:txBody>
+      </p:sp>
+      <p:sp>
+        <p:nvSpPr>
+          <p:cNvPr id="17" name="TextBox 16">
+            <a:extLst>
+              <a:ext uri="{FF2B5EF4-FFF2-40B4-BE49-F238E27FC236}">
+                <a16:creationId xmlns:a16="http://schemas.microsoft.com/office/drawing/2014/main" id="{30389D35-3A1F-4BFE-933A-170B4D9CF5AA}"/>
+              </a:ext>
+            </a:extLst>
+          </p:cNvPr>
+          <p:cNvSpPr txBox="1"/>
+          <p:nvPr/>
+        </p:nvSpPr>
+        <p:spPr>
+          <a:xfrm>
+            <a:off x="4343868" y="2366044"/>
+            <a:ext cx="681597" cy="246221"/>
+          </a:xfrm>
+          <a:prstGeom prst="rect">
+            <a:avLst/>
+          </a:prstGeom>
+          <a:noFill/>
+        </p:spPr>
+        <p:txBody>
+          <a:bodyPr wrap="none" rtlCol="0">
+            <a:spAutoFit/>
+          </a:bodyPr>
+          <a:lstStyle/>
+          <a:p>
+            <a:r>
+              <a:rPr lang="en-US" altLang="ko-KR" sz="1000" dirty="0">
+                <a:solidFill>
+                  <a:schemeClr val="accent2"/>
+                </a:solidFill>
+              </a:rPr>
+              <a:t>320, 690</a:t>
+            </a:r>
+            <a:endParaRPr lang="ko-KR" altLang="en-US" sz="1000" dirty="0">
+              <a:solidFill>
+                <a:schemeClr val="accent2"/>
+              </a:solidFill>
+            </a:endParaRPr>
+          </a:p>
+        </p:txBody>
+      </p:sp>
+      <p:sp>
+        <p:nvSpPr>
+          <p:cNvPr id="18" name="TextBox 17">
+            <a:extLst>
+              <a:ext uri="{FF2B5EF4-FFF2-40B4-BE49-F238E27FC236}">
+                <a16:creationId xmlns:a16="http://schemas.microsoft.com/office/drawing/2014/main" id="{ABB4AC2E-5E3E-4F4A-A7E7-73F25DD05BEA}"/>
+              </a:ext>
+            </a:extLst>
+          </p:cNvPr>
+          <p:cNvSpPr txBox="1"/>
+          <p:nvPr/>
+        </p:nvSpPr>
+        <p:spPr>
+          <a:xfrm>
+            <a:off x="4414033" y="4510171"/>
+            <a:ext cx="734496" cy="246221"/>
+          </a:xfrm>
+          <a:prstGeom prst="rect">
+            <a:avLst/>
+          </a:prstGeom>
+          <a:noFill/>
+        </p:spPr>
+        <p:txBody>
+          <a:bodyPr wrap="none" rtlCol="0">
+            <a:spAutoFit/>
+          </a:bodyPr>
+          <a:lstStyle/>
+          <a:p>
+            <a:r>
+              <a:rPr lang="en-US" altLang="ko-KR" sz="1000" dirty="0">
+                <a:solidFill>
+                  <a:schemeClr val="accent2"/>
+                </a:solidFill>
+              </a:rPr>
+              <a:t>250, -970</a:t>
+            </a:r>
+            <a:endParaRPr lang="ko-KR" altLang="en-US" sz="1000" dirty="0">
+              <a:solidFill>
+                <a:schemeClr val="accent2"/>
+              </a:solidFill>
+            </a:endParaRPr>
+          </a:p>
+        </p:txBody>
+      </p:sp>
+      <p:sp>
+        <p:nvSpPr>
+          <p:cNvPr id="19" name="TextBox 18">
+            <a:extLst>
+              <a:ext uri="{FF2B5EF4-FFF2-40B4-BE49-F238E27FC236}">
+                <a16:creationId xmlns:a16="http://schemas.microsoft.com/office/drawing/2014/main" id="{C3AB5B79-D3C8-4897-B906-5C44D1F91393}"/>
+              </a:ext>
+            </a:extLst>
+          </p:cNvPr>
+          <p:cNvSpPr txBox="1"/>
+          <p:nvPr/>
+        </p:nvSpPr>
+        <p:spPr>
+          <a:xfrm>
+            <a:off x="3536495" y="3860330"/>
+            <a:ext cx="787395" cy="246221"/>
+          </a:xfrm>
+          <a:prstGeom prst="rect">
+            <a:avLst/>
+          </a:prstGeom>
+          <a:noFill/>
+        </p:spPr>
+        <p:txBody>
+          <a:bodyPr wrap="none" rtlCol="0">
+            <a:spAutoFit/>
+          </a:bodyPr>
+          <a:lstStyle/>
+          <a:p>
+            <a:r>
+              <a:rPr lang="en-US" altLang="ko-KR" sz="1000" dirty="0">
+                <a:solidFill>
+                  <a:schemeClr val="accent2"/>
+                </a:solidFill>
+              </a:rPr>
+              <a:t>-360, -630</a:t>
+            </a:r>
+            <a:endParaRPr lang="ko-KR" altLang="en-US" sz="1000" dirty="0">
+              <a:solidFill>
+                <a:schemeClr val="accent2"/>
+              </a:solidFill>
+            </a:endParaRPr>
+          </a:p>
+        </p:txBody>
+      </p:sp>
+      <p:sp>
+        <p:nvSpPr>
+          <p:cNvPr id="20" name="TextBox 19">
+            <a:extLst>
+              <a:ext uri="{FF2B5EF4-FFF2-40B4-BE49-F238E27FC236}">
+                <a16:creationId xmlns:a16="http://schemas.microsoft.com/office/drawing/2014/main" id="{60B96A88-F9B9-435A-A4BD-FEC0B721862F}"/>
+              </a:ext>
+            </a:extLst>
+          </p:cNvPr>
+          <p:cNvSpPr txBox="1"/>
+          <p:nvPr/>
+        </p:nvSpPr>
+        <p:spPr>
+          <a:xfrm>
+            <a:off x="2775058" y="3863922"/>
+            <a:ext cx="787395" cy="246221"/>
+          </a:xfrm>
+          <a:prstGeom prst="rect">
+            <a:avLst/>
+          </a:prstGeom>
+          <a:noFill/>
+        </p:spPr>
+        <p:txBody>
+          <a:bodyPr wrap="none" rtlCol="0">
+            <a:spAutoFit/>
+          </a:bodyPr>
+          <a:lstStyle/>
+          <a:p>
+            <a:r>
+              <a:rPr lang="en-US" altLang="ko-KR" sz="1000" dirty="0">
+                <a:solidFill>
+                  <a:schemeClr val="accent2"/>
+                </a:solidFill>
+              </a:rPr>
+              <a:t>-820, -630</a:t>
+            </a:r>
+            <a:endParaRPr lang="ko-KR" altLang="en-US" sz="1000" dirty="0">
+              <a:solidFill>
+                <a:schemeClr val="accent2"/>
+              </a:solidFill>
+            </a:endParaRPr>
+          </a:p>
+        </p:txBody>
+      </p:sp>
+      <p:sp>
+        <p:nvSpPr>
+          <p:cNvPr id="21" name="TextBox 20">
+            <a:extLst>
+              <a:ext uri="{FF2B5EF4-FFF2-40B4-BE49-F238E27FC236}">
+                <a16:creationId xmlns:a16="http://schemas.microsoft.com/office/drawing/2014/main" id="{CD5EDD7B-EFED-437D-B97D-6D5CDA3E8C22}"/>
+              </a:ext>
+            </a:extLst>
+          </p:cNvPr>
+          <p:cNvSpPr txBox="1"/>
+          <p:nvPr/>
+        </p:nvSpPr>
+        <p:spPr>
+          <a:xfrm>
+            <a:off x="1971274" y="1297662"/>
+            <a:ext cx="875561" cy="246221"/>
+          </a:xfrm>
+          <a:prstGeom prst="rect">
+            <a:avLst/>
+          </a:prstGeom>
+          <a:noFill/>
+        </p:spPr>
+        <p:txBody>
+          <a:bodyPr wrap="none" rtlCol="0">
+            <a:spAutoFit/>
+          </a:bodyPr>
+          <a:lstStyle/>
+          <a:p>
+            <a:r>
+              <a:rPr lang="en-US" altLang="ko-KR" sz="1000" dirty="0">
+                <a:solidFill>
+                  <a:schemeClr val="accent2"/>
+                </a:solidFill>
+              </a:rPr>
+              <a:t>-1510, 1570</a:t>
+            </a:r>
+            <a:endParaRPr lang="ko-KR" altLang="en-US" sz="1000" dirty="0">
+              <a:solidFill>
+                <a:schemeClr val="accent2"/>
+              </a:solidFill>
+            </a:endParaRPr>
+          </a:p>
+        </p:txBody>
+      </p:sp>
+      <p:sp>
+        <p:nvSpPr>
+          <p:cNvPr id="22" name="TextBox 21">
+            <a:extLst>
+              <a:ext uri="{FF2B5EF4-FFF2-40B4-BE49-F238E27FC236}">
+                <a16:creationId xmlns:a16="http://schemas.microsoft.com/office/drawing/2014/main" id="{45291970-7537-48B4-B326-79F922CB09E7}"/>
+              </a:ext>
+            </a:extLst>
+          </p:cNvPr>
+          <p:cNvSpPr txBox="1"/>
+          <p:nvPr/>
+        </p:nvSpPr>
+        <p:spPr>
+          <a:xfrm>
+            <a:off x="2158940" y="4498115"/>
+            <a:ext cx="857927" cy="246221"/>
+          </a:xfrm>
+          <a:prstGeom prst="rect">
+            <a:avLst/>
+          </a:prstGeom>
+          <a:noFill/>
+        </p:spPr>
+        <p:txBody>
+          <a:bodyPr wrap="none" rtlCol="0">
+            <a:spAutoFit/>
+          </a:bodyPr>
+          <a:lstStyle/>
+          <a:p>
+            <a:r>
+              <a:rPr lang="en-US" altLang="ko-KR" sz="1000" dirty="0">
+                <a:solidFill>
+                  <a:schemeClr val="accent2"/>
+                </a:solidFill>
+              </a:rPr>
+              <a:t>-1480, -980</a:t>
+            </a:r>
+            <a:endParaRPr lang="ko-KR" altLang="en-US" sz="1000" dirty="0">
+              <a:solidFill>
+                <a:schemeClr val="accent2"/>
+              </a:solidFill>
+            </a:endParaRPr>
+          </a:p>
+        </p:txBody>
+      </p:sp>
+      <p:sp>
+        <p:nvSpPr>
+          <p:cNvPr id="23" name="TextBox 22">
+            <a:extLst>
+              <a:ext uri="{FF2B5EF4-FFF2-40B4-BE49-F238E27FC236}">
+                <a16:creationId xmlns:a16="http://schemas.microsoft.com/office/drawing/2014/main" id="{41942AE4-5204-4D9F-8C95-2DD0A9E4C20B}"/>
+              </a:ext>
+            </a:extLst>
+          </p:cNvPr>
+          <p:cNvSpPr txBox="1"/>
+          <p:nvPr/>
+        </p:nvSpPr>
+        <p:spPr>
+          <a:xfrm>
+            <a:off x="621085" y="1330339"/>
+            <a:ext cx="875561" cy="246221"/>
+          </a:xfrm>
+          <a:prstGeom prst="rect">
+            <a:avLst/>
+          </a:prstGeom>
+          <a:noFill/>
+        </p:spPr>
+        <p:txBody>
+          <a:bodyPr wrap="none" rtlCol="0">
+            <a:spAutoFit/>
+          </a:bodyPr>
+          <a:lstStyle/>
+          <a:p>
+            <a:r>
+              <a:rPr lang="en-US" altLang="ko-KR" sz="1000" dirty="0">
+                <a:solidFill>
+                  <a:schemeClr val="accent2"/>
+                </a:solidFill>
+              </a:rPr>
+              <a:t>-2630, 1600</a:t>
+            </a:r>
+            <a:endParaRPr lang="ko-KR" altLang="en-US" sz="1000" dirty="0">
+              <a:solidFill>
+                <a:schemeClr val="accent2"/>
+              </a:solidFill>
+            </a:endParaRPr>
+          </a:p>
+        </p:txBody>
+      </p:sp>
+      <p:sp>
+        <p:nvSpPr>
+          <p:cNvPr id="24" name="TextBox 23">
+            <a:extLst>
+              <a:ext uri="{FF2B5EF4-FFF2-40B4-BE49-F238E27FC236}">
+                <a16:creationId xmlns:a16="http://schemas.microsoft.com/office/drawing/2014/main" id="{7953E71A-FABE-491B-AA2C-74BB45D13BE0}"/>
+              </a:ext>
+            </a:extLst>
+          </p:cNvPr>
+          <p:cNvSpPr txBox="1"/>
+          <p:nvPr/>
+        </p:nvSpPr>
+        <p:spPr>
+          <a:xfrm>
+            <a:off x="708830" y="295838"/>
+            <a:ext cx="875561" cy="246221"/>
+          </a:xfrm>
+          <a:prstGeom prst="rect">
+            <a:avLst/>
+          </a:prstGeom>
+          <a:noFill/>
+        </p:spPr>
+        <p:txBody>
+          <a:bodyPr wrap="none" rtlCol="0">
+            <a:spAutoFit/>
+          </a:bodyPr>
+          <a:lstStyle/>
+          <a:p>
+            <a:r>
+              <a:rPr lang="en-US" altLang="ko-KR" sz="1000" dirty="0">
+                <a:solidFill>
+                  <a:schemeClr val="accent2"/>
+                </a:solidFill>
+              </a:rPr>
+              <a:t>-2630, 2200</a:t>
+            </a:r>
+            <a:endParaRPr lang="ko-KR" altLang="en-US" sz="1000" dirty="0">
+              <a:solidFill>
+                <a:schemeClr val="accent2"/>
+              </a:solidFill>
+            </a:endParaRPr>
+          </a:p>
+        </p:txBody>
+      </p:sp>
+      <p:sp>
+        <p:nvSpPr>
+          <p:cNvPr id="25" name="TextBox 24">
+            <a:extLst>
+              <a:ext uri="{FF2B5EF4-FFF2-40B4-BE49-F238E27FC236}">
+                <a16:creationId xmlns:a16="http://schemas.microsoft.com/office/drawing/2014/main" id="{43EAB5C4-9174-405A-8576-353FF79E91A8}"/>
+              </a:ext>
+            </a:extLst>
+          </p:cNvPr>
+          <p:cNvSpPr txBox="1"/>
+          <p:nvPr/>
+        </p:nvSpPr>
+        <p:spPr>
+          <a:xfrm>
+            <a:off x="3084409" y="1264137"/>
+            <a:ext cx="805029" cy="246221"/>
+          </a:xfrm>
+          <a:prstGeom prst="rect">
+            <a:avLst/>
+          </a:prstGeom>
+          <a:noFill/>
+        </p:spPr>
+        <p:txBody>
+          <a:bodyPr wrap="none" rtlCol="0">
+            <a:spAutoFit/>
+          </a:bodyPr>
+          <a:lstStyle/>
+          <a:p>
+            <a:r>
+              <a:rPr lang="en-US" altLang="ko-KR" sz="1000" dirty="0">
+                <a:solidFill>
+                  <a:schemeClr val="accent2"/>
+                </a:solidFill>
+              </a:rPr>
+              <a:t>-790, 1545</a:t>
+            </a:r>
+            <a:endParaRPr lang="ko-KR" altLang="en-US" sz="1000" dirty="0">
+              <a:solidFill>
+                <a:schemeClr val="accent2"/>
+              </a:solidFill>
+            </a:endParaRPr>
+          </a:p>
+        </p:txBody>
+      </p:sp>
+      <p:sp>
+        <p:nvSpPr>
+          <p:cNvPr id="26" name="TextBox 25">
+            <a:extLst>
+              <a:ext uri="{FF2B5EF4-FFF2-40B4-BE49-F238E27FC236}">
+                <a16:creationId xmlns:a16="http://schemas.microsoft.com/office/drawing/2014/main" id="{38935C2E-249B-4FF4-B75F-B78B1F9B04CC}"/>
+              </a:ext>
+            </a:extLst>
+          </p:cNvPr>
+          <p:cNvSpPr txBox="1"/>
+          <p:nvPr/>
+        </p:nvSpPr>
+        <p:spPr>
+          <a:xfrm>
+            <a:off x="5702665" y="1264136"/>
+            <a:ext cx="822661" cy="246221"/>
+          </a:xfrm>
+          <a:prstGeom prst="rect">
+            <a:avLst/>
+          </a:prstGeom>
+          <a:noFill/>
+        </p:spPr>
+        <p:txBody>
+          <a:bodyPr wrap="none" rtlCol="0">
+            <a:spAutoFit/>
+          </a:bodyPr>
+          <a:lstStyle/>
+          <a:p>
+            <a:r>
+              <a:rPr lang="en-US" altLang="ko-KR" sz="1000" dirty="0">
+                <a:solidFill>
+                  <a:schemeClr val="accent2"/>
+                </a:solidFill>
+              </a:rPr>
+              <a:t>1400, 1600</a:t>
+            </a:r>
+            <a:endParaRPr lang="ko-KR" altLang="en-US" sz="1000" dirty="0">
+              <a:solidFill>
+                <a:schemeClr val="accent2"/>
+              </a:solidFill>
+            </a:endParaRPr>
+          </a:p>
+        </p:txBody>
+      </p:sp>
+      <p:sp>
+        <p:nvSpPr>
+          <p:cNvPr id="27" name="TextBox 26">
+            <a:extLst>
+              <a:ext uri="{FF2B5EF4-FFF2-40B4-BE49-F238E27FC236}">
+                <a16:creationId xmlns:a16="http://schemas.microsoft.com/office/drawing/2014/main" id="{032A6208-1683-4DE7-A448-9E59A6CEE943}"/>
+              </a:ext>
+            </a:extLst>
+          </p:cNvPr>
+          <p:cNvSpPr txBox="1"/>
+          <p:nvPr/>
+        </p:nvSpPr>
+        <p:spPr>
+          <a:xfrm>
+            <a:off x="5684669" y="429828"/>
+            <a:ext cx="822661" cy="246221"/>
+          </a:xfrm>
+          <a:prstGeom prst="rect">
+            <a:avLst/>
+          </a:prstGeom>
+          <a:noFill/>
+        </p:spPr>
+        <p:txBody>
+          <a:bodyPr wrap="none" rtlCol="0">
+            <a:spAutoFit/>
+          </a:bodyPr>
+          <a:lstStyle/>
+          <a:p>
+            <a:r>
+              <a:rPr lang="en-US" altLang="ko-KR" sz="1000" dirty="0">
+                <a:solidFill>
+                  <a:schemeClr val="accent2"/>
+                </a:solidFill>
+              </a:rPr>
+              <a:t>1400, 2200</a:t>
+            </a:r>
+            <a:endParaRPr lang="ko-KR" altLang="en-US" sz="1000" dirty="0">
+              <a:solidFill>
+                <a:schemeClr val="accent2"/>
+              </a:solidFill>
+            </a:endParaRPr>
+          </a:p>
+        </p:txBody>
+      </p:sp>
+      <p:cxnSp>
+        <p:nvCxnSpPr>
+          <p:cNvPr id="32" name="직선 화살표 연결선 31">
+            <a:extLst>
+              <a:ext uri="{FF2B5EF4-FFF2-40B4-BE49-F238E27FC236}">
+                <a16:creationId xmlns:a16="http://schemas.microsoft.com/office/drawing/2014/main" id="{0CE360E7-B307-4140-A2E3-D1FD327CB8FB}"/>
+              </a:ext>
+            </a:extLst>
+          </p:cNvPr>
+          <p:cNvCxnSpPr/>
+          <p:nvPr/>
+        </p:nvCxnSpPr>
+        <p:spPr>
+          <a:xfrm flipV="1">
+            <a:off x="256675" y="4874592"/>
+            <a:ext cx="0" cy="1455476"/>
+          </a:xfrm>
+          <a:prstGeom prst="straightConnector1">
+            <a:avLst/>
+          </a:prstGeom>
+          <a:ln>
+            <a:tailEnd type="triangle"/>
+          </a:ln>
+        </p:spPr>
+        <p:style>
+          <a:lnRef idx="1">
+            <a:schemeClr val="accent1"/>
+          </a:lnRef>
+          <a:fillRef idx="0">
+            <a:schemeClr val="accent1"/>
+          </a:fillRef>
+          <a:effectRef idx="0">
+            <a:schemeClr val="accent1"/>
+          </a:effectRef>
+          <a:fontRef idx="minor">
+            <a:schemeClr val="tx1"/>
+          </a:fontRef>
+        </p:style>
+      </p:cxnSp>
+      <p:cxnSp>
+        <p:nvCxnSpPr>
+          <p:cNvPr id="33" name="직선 화살표 연결선 32">
+            <a:extLst>
+              <a:ext uri="{FF2B5EF4-FFF2-40B4-BE49-F238E27FC236}">
+                <a16:creationId xmlns:a16="http://schemas.microsoft.com/office/drawing/2014/main" id="{43297E97-2D8E-4E9D-8BF5-6D7BD190CF4C}"/>
+              </a:ext>
+            </a:extLst>
+          </p:cNvPr>
+          <p:cNvCxnSpPr>
+            <a:cxnSpLocks/>
+          </p:cNvCxnSpPr>
+          <p:nvPr/>
+        </p:nvCxnSpPr>
+        <p:spPr>
+          <a:xfrm>
+            <a:off x="338691" y="6566070"/>
+            <a:ext cx="1579685" cy="0"/>
+          </a:xfrm>
+          <a:prstGeom prst="straightConnector1">
+            <a:avLst/>
+          </a:prstGeom>
+          <a:ln>
+            <a:tailEnd type="triangle"/>
+          </a:ln>
+        </p:spPr>
+        <p:style>
+          <a:lnRef idx="1">
+            <a:schemeClr val="accent1"/>
+          </a:lnRef>
+          <a:fillRef idx="0">
+            <a:schemeClr val="accent1"/>
+          </a:fillRef>
+          <a:effectRef idx="0">
+            <a:schemeClr val="accent1"/>
+          </a:effectRef>
+          <a:fontRef idx="minor">
+            <a:schemeClr val="tx1"/>
+          </a:fontRef>
+        </p:style>
+      </p:cxnSp>
+      <p:sp>
+        <p:nvSpPr>
+          <p:cNvPr id="34" name="직사각형 33">
+            <a:extLst>
+              <a:ext uri="{FF2B5EF4-FFF2-40B4-BE49-F238E27FC236}">
+                <a16:creationId xmlns:a16="http://schemas.microsoft.com/office/drawing/2014/main" id="{AA8BEECB-DFE5-4A73-8AE3-8469EBD460A7}"/>
+              </a:ext>
+            </a:extLst>
+          </p:cNvPr>
+          <p:cNvSpPr/>
+          <p:nvPr/>
+        </p:nvSpPr>
+        <p:spPr>
+          <a:xfrm>
+            <a:off x="6285" y="6118882"/>
+            <a:ext cx="250390" cy="261610"/>
+          </a:xfrm>
+          <a:prstGeom prst="rect">
+            <a:avLst/>
+          </a:prstGeom>
+        </p:spPr>
+        <p:txBody>
+          <a:bodyPr wrap="none">
+            <a:spAutoFit/>
+          </a:bodyPr>
+          <a:lstStyle/>
+          <a:p>
+            <a:r>
+              <a:rPr lang="en-US" altLang="ko-KR" sz="1100" dirty="0">
+                <a:solidFill>
+                  <a:schemeClr val="accent2"/>
+                </a:solidFill>
+              </a:rPr>
+              <a:t>z</a:t>
+            </a:r>
+            <a:endParaRPr lang="ko-KR" altLang="en-US" sz="1100" dirty="0"/>
+          </a:p>
+        </p:txBody>
+      </p:sp>
+      <p:sp>
+        <p:nvSpPr>
+          <p:cNvPr id="35" name="직사각형 34">
+            <a:extLst>
+              <a:ext uri="{FF2B5EF4-FFF2-40B4-BE49-F238E27FC236}">
+                <a16:creationId xmlns:a16="http://schemas.microsoft.com/office/drawing/2014/main" id="{E7CB8025-FD8C-44DF-9577-CA95FA180A96}"/>
+              </a:ext>
+            </a:extLst>
+          </p:cNvPr>
+          <p:cNvSpPr/>
+          <p:nvPr/>
+        </p:nvSpPr>
+        <p:spPr>
+          <a:xfrm>
+            <a:off x="370695" y="6380492"/>
+            <a:ext cx="250390" cy="261610"/>
+          </a:xfrm>
+          <a:prstGeom prst="rect">
+            <a:avLst/>
+          </a:prstGeom>
+        </p:spPr>
+        <p:txBody>
+          <a:bodyPr wrap="none">
+            <a:spAutoFit/>
+          </a:bodyPr>
+          <a:lstStyle/>
+          <a:p>
+            <a:r>
+              <a:rPr lang="en-US" altLang="ko-KR" sz="1100" dirty="0">
+                <a:solidFill>
+                  <a:schemeClr val="accent2"/>
+                </a:solidFill>
+              </a:rPr>
+              <a:t>x</a:t>
+            </a:r>
+            <a:endParaRPr lang="ko-KR" altLang="en-US" sz="1100" dirty="0">
+              <a:solidFill>
+                <a:schemeClr val="accent2"/>
+              </a:solidFill>
+            </a:endParaRPr>
+          </a:p>
+        </p:txBody>
+      </p:sp>
+      <p:sp>
+        <p:nvSpPr>
+          <p:cNvPr id="39" name="TextBox 38">
+            <a:extLst>
+              <a:ext uri="{FF2B5EF4-FFF2-40B4-BE49-F238E27FC236}">
+                <a16:creationId xmlns:a16="http://schemas.microsoft.com/office/drawing/2014/main" id="{AFD25079-831C-483F-9145-D828840B5766}"/>
+              </a:ext>
+            </a:extLst>
+          </p:cNvPr>
+          <p:cNvSpPr txBox="1"/>
+          <p:nvPr/>
+        </p:nvSpPr>
+        <p:spPr>
+          <a:xfrm>
+            <a:off x="712236" y="809629"/>
+            <a:ext cx="875561" cy="246221"/>
+          </a:xfrm>
+          <a:prstGeom prst="rect">
+            <a:avLst/>
+          </a:prstGeom>
+          <a:noFill/>
+        </p:spPr>
+        <p:txBody>
+          <a:bodyPr wrap="none" rtlCol="0">
+            <a:spAutoFit/>
+          </a:bodyPr>
+          <a:lstStyle/>
+          <a:p>
+            <a:r>
+              <a:rPr lang="en-US" altLang="ko-KR" sz="1000" dirty="0">
+                <a:solidFill>
+                  <a:schemeClr val="accent2"/>
+                </a:solidFill>
+              </a:rPr>
+              <a:t>-2630, 1850</a:t>
+            </a:r>
+            <a:endParaRPr lang="ko-KR" altLang="en-US" sz="1000" dirty="0">
+              <a:solidFill>
+                <a:schemeClr val="accent2"/>
+              </a:solidFill>
+            </a:endParaRPr>
+          </a:p>
+        </p:txBody>
+      </p:sp>
+      <p:sp>
+        <p:nvSpPr>
+          <p:cNvPr id="40" name="TextBox 39">
+            <a:extLst>
+              <a:ext uri="{FF2B5EF4-FFF2-40B4-BE49-F238E27FC236}">
+                <a16:creationId xmlns:a16="http://schemas.microsoft.com/office/drawing/2014/main" id="{055F6C3B-13CE-4FC2-BD4F-3E1640F0727B}"/>
+              </a:ext>
+            </a:extLst>
+          </p:cNvPr>
+          <p:cNvSpPr txBox="1"/>
+          <p:nvPr/>
+        </p:nvSpPr>
+        <p:spPr>
+          <a:xfrm>
+            <a:off x="8363976" y="233655"/>
+            <a:ext cx="1247457" cy="1200329"/>
+          </a:xfrm>
+          <a:prstGeom prst="rect">
+            <a:avLst/>
+          </a:prstGeom>
+          <a:noFill/>
+        </p:spPr>
+        <p:txBody>
+          <a:bodyPr wrap="none" rtlCol="0">
+            <a:spAutoFit/>
+          </a:bodyPr>
+          <a:lstStyle/>
+          <a:p>
+            <a:r>
+              <a:rPr lang="ko-KR" altLang="en-US" sz="1200" dirty="0">
+                <a:solidFill>
+                  <a:schemeClr val="accent2"/>
+                </a:solidFill>
+              </a:rPr>
+              <a:t>경로</a:t>
+            </a:r>
+            <a:r>
+              <a:rPr lang="en-US" altLang="ko-KR" sz="1200" dirty="0">
+                <a:solidFill>
+                  <a:schemeClr val="accent2"/>
+                </a:solidFill>
+              </a:rPr>
+              <a:t>1(</a:t>
+            </a:r>
+            <a:r>
+              <a:rPr lang="ko-KR" altLang="en-US" sz="1200" dirty="0">
+                <a:solidFill>
+                  <a:schemeClr val="accent2"/>
+                </a:solidFill>
+              </a:rPr>
+              <a:t>좌 상단</a:t>
+            </a:r>
+            <a:r>
+              <a:rPr lang="en-US" altLang="ko-KR" sz="1200" dirty="0">
+                <a:solidFill>
+                  <a:schemeClr val="accent2"/>
+                </a:solidFill>
+              </a:rPr>
+              <a:t>)</a:t>
+            </a:r>
+          </a:p>
+          <a:p>
+            <a:r>
+              <a:rPr lang="en-US" altLang="ko-KR" sz="1200" dirty="0">
+                <a:solidFill>
+                  <a:schemeClr val="accent2"/>
+                </a:solidFill>
+              </a:rPr>
+              <a:t>1 (-2630, 1850)</a:t>
+            </a:r>
+          </a:p>
+          <a:p>
+            <a:r>
+              <a:rPr lang="en-US" altLang="ko-KR" sz="1200" dirty="0">
+                <a:solidFill>
+                  <a:schemeClr val="accent2"/>
+                </a:solidFill>
+              </a:rPr>
+              <a:t>2 (-1340, 1800)</a:t>
+            </a:r>
+          </a:p>
+          <a:p>
+            <a:r>
+              <a:rPr lang="en-US" altLang="ko-KR" sz="1200" dirty="0">
+                <a:solidFill>
+                  <a:schemeClr val="accent2"/>
+                </a:solidFill>
+              </a:rPr>
+              <a:t>3 (-1030, -770)</a:t>
+            </a:r>
+          </a:p>
+          <a:p>
+            <a:r>
+              <a:rPr lang="en-US" altLang="ko-KR" sz="1200" dirty="0">
+                <a:solidFill>
+                  <a:schemeClr val="accent2"/>
+                </a:solidFill>
+              </a:rPr>
+              <a:t>4 (-180, -720)</a:t>
+            </a:r>
+          </a:p>
+          <a:p>
+            <a:r>
+              <a:rPr lang="en-US" altLang="ko-KR" sz="1200" dirty="0">
+                <a:solidFill>
+                  <a:schemeClr val="accent2"/>
+                </a:solidFill>
+              </a:rPr>
+              <a:t>5 (-360, 200)</a:t>
+            </a:r>
+          </a:p>
+        </p:txBody>
+      </p:sp>
+      <p:sp>
+        <p:nvSpPr>
+          <p:cNvPr id="41" name="TextBox 40">
+            <a:extLst>
+              <a:ext uri="{FF2B5EF4-FFF2-40B4-BE49-F238E27FC236}">
+                <a16:creationId xmlns:a16="http://schemas.microsoft.com/office/drawing/2014/main" id="{483690DE-1477-4F18-860D-72B4A47CA5AD}"/>
+              </a:ext>
+            </a:extLst>
+          </p:cNvPr>
+          <p:cNvSpPr txBox="1"/>
+          <p:nvPr/>
+        </p:nvSpPr>
+        <p:spPr>
+          <a:xfrm>
+            <a:off x="5522124" y="816735"/>
+            <a:ext cx="822661" cy="246221"/>
+          </a:xfrm>
+          <a:prstGeom prst="rect">
+            <a:avLst/>
+          </a:prstGeom>
+          <a:noFill/>
+        </p:spPr>
+        <p:txBody>
+          <a:bodyPr wrap="none" rtlCol="0">
+            <a:spAutoFit/>
+          </a:bodyPr>
+          <a:lstStyle/>
+          <a:p>
+            <a:r>
+              <a:rPr lang="en-US" altLang="ko-KR" sz="1000" dirty="0">
+                <a:solidFill>
+                  <a:schemeClr val="accent2"/>
+                </a:solidFill>
+              </a:rPr>
+              <a:t>1500, 1900</a:t>
+            </a:r>
+            <a:endParaRPr lang="ko-KR" altLang="en-US" sz="1000" dirty="0">
+              <a:solidFill>
+                <a:schemeClr val="accent2"/>
+              </a:solidFill>
+            </a:endParaRPr>
+          </a:p>
+        </p:txBody>
+      </p:sp>
+      <p:sp>
+        <p:nvSpPr>
+          <p:cNvPr id="42" name="TextBox 41">
+            <a:extLst>
+              <a:ext uri="{FF2B5EF4-FFF2-40B4-BE49-F238E27FC236}">
+                <a16:creationId xmlns:a16="http://schemas.microsoft.com/office/drawing/2014/main" id="{56CDE179-1695-4299-A6AF-C8C4709DB2F6}"/>
+              </a:ext>
+            </a:extLst>
+          </p:cNvPr>
+          <p:cNvSpPr txBox="1"/>
+          <p:nvPr/>
+        </p:nvSpPr>
+        <p:spPr>
+          <a:xfrm>
+            <a:off x="9983879" y="233655"/>
+            <a:ext cx="1247457" cy="1200329"/>
+          </a:xfrm>
+          <a:prstGeom prst="rect">
+            <a:avLst/>
+          </a:prstGeom>
+          <a:noFill/>
+        </p:spPr>
+        <p:txBody>
+          <a:bodyPr wrap="none" rtlCol="0">
+            <a:spAutoFit/>
+          </a:bodyPr>
+          <a:lstStyle/>
+          <a:p>
+            <a:r>
+              <a:rPr lang="ko-KR" altLang="en-US" sz="1200" dirty="0">
+                <a:solidFill>
+                  <a:schemeClr val="accent2"/>
+                </a:solidFill>
+              </a:rPr>
+              <a:t>경로</a:t>
+            </a:r>
+            <a:r>
+              <a:rPr lang="en-US" altLang="ko-KR" sz="1200" dirty="0">
+                <a:solidFill>
+                  <a:schemeClr val="accent2"/>
+                </a:solidFill>
+              </a:rPr>
+              <a:t>2(</a:t>
+            </a:r>
+            <a:r>
+              <a:rPr lang="ko-KR" altLang="en-US" sz="1200" dirty="0">
+                <a:solidFill>
+                  <a:schemeClr val="accent2"/>
+                </a:solidFill>
+              </a:rPr>
+              <a:t>우 상단</a:t>
+            </a:r>
+            <a:r>
+              <a:rPr lang="en-US" altLang="ko-KR" sz="1200" dirty="0">
+                <a:solidFill>
+                  <a:schemeClr val="accent2"/>
+                </a:solidFill>
+              </a:rPr>
+              <a:t>)</a:t>
+            </a:r>
+          </a:p>
+          <a:p>
+            <a:r>
+              <a:rPr lang="en-US" altLang="ko-KR" sz="1200" dirty="0">
+                <a:solidFill>
+                  <a:schemeClr val="accent2"/>
+                </a:solidFill>
+              </a:rPr>
+              <a:t>1 (1500, 1900)</a:t>
+            </a:r>
+          </a:p>
+          <a:p>
+            <a:r>
+              <a:rPr lang="en-US" altLang="ko-KR" sz="1200" dirty="0">
+                <a:solidFill>
+                  <a:schemeClr val="accent2"/>
+                </a:solidFill>
+              </a:rPr>
+              <a:t>2 (-1000, 1630)</a:t>
+            </a:r>
+          </a:p>
+          <a:p>
+            <a:r>
+              <a:rPr lang="en-US" altLang="ko-KR" sz="1200" dirty="0">
+                <a:solidFill>
+                  <a:schemeClr val="accent2"/>
+                </a:solidFill>
+              </a:rPr>
+              <a:t>3 (-1030, -770)</a:t>
+            </a:r>
+          </a:p>
+          <a:p>
+            <a:r>
+              <a:rPr lang="en-US" altLang="ko-KR" sz="1200" dirty="0">
+                <a:solidFill>
+                  <a:schemeClr val="accent2"/>
+                </a:solidFill>
+              </a:rPr>
+              <a:t>4 (-180, -720)</a:t>
+            </a:r>
+          </a:p>
+          <a:p>
+            <a:r>
+              <a:rPr lang="en-US" altLang="ko-KR" sz="1200" dirty="0">
+                <a:solidFill>
+                  <a:schemeClr val="accent2"/>
+                </a:solidFill>
+              </a:rPr>
+              <a:t>5 (-360, 200)</a:t>
+            </a:r>
+          </a:p>
+        </p:txBody>
+      </p:sp>
+      <p:sp>
+        <p:nvSpPr>
+          <p:cNvPr id="43" name="TextBox 42">
+            <a:extLst>
+              <a:ext uri="{FF2B5EF4-FFF2-40B4-BE49-F238E27FC236}">
+                <a16:creationId xmlns:a16="http://schemas.microsoft.com/office/drawing/2014/main" id="{FF164117-0907-40AE-9B62-E9B15143495E}"/>
+              </a:ext>
+            </a:extLst>
+          </p:cNvPr>
+          <p:cNvSpPr txBox="1"/>
+          <p:nvPr/>
+        </p:nvSpPr>
+        <p:spPr>
+          <a:xfrm>
+            <a:off x="9983879" y="1658236"/>
+            <a:ext cx="1247457" cy="1200329"/>
+          </a:xfrm>
+          <a:prstGeom prst="rect">
+            <a:avLst/>
+          </a:prstGeom>
+          <a:noFill/>
+        </p:spPr>
+        <p:txBody>
+          <a:bodyPr wrap="none" rtlCol="0">
+            <a:spAutoFit/>
+          </a:bodyPr>
+          <a:lstStyle/>
+          <a:p>
+            <a:r>
+              <a:rPr lang="ko-KR" altLang="en-US" sz="1200" dirty="0">
+                <a:solidFill>
+                  <a:schemeClr val="accent2"/>
+                </a:solidFill>
+              </a:rPr>
+              <a:t>경로</a:t>
+            </a:r>
+            <a:r>
+              <a:rPr lang="en-US" altLang="ko-KR" sz="1200" dirty="0">
+                <a:solidFill>
+                  <a:schemeClr val="accent2"/>
+                </a:solidFill>
+              </a:rPr>
+              <a:t>4(</a:t>
+            </a:r>
+            <a:r>
+              <a:rPr lang="ko-KR" altLang="en-US" sz="1200" dirty="0">
+                <a:solidFill>
+                  <a:schemeClr val="accent2"/>
+                </a:solidFill>
+              </a:rPr>
+              <a:t>우 하단</a:t>
+            </a:r>
+            <a:r>
+              <a:rPr lang="en-US" altLang="ko-KR" sz="1200" dirty="0">
+                <a:solidFill>
+                  <a:schemeClr val="accent2"/>
+                </a:solidFill>
+              </a:rPr>
+              <a:t>)</a:t>
+            </a:r>
+          </a:p>
+          <a:p>
+            <a:r>
+              <a:rPr lang="en-US" altLang="ko-KR" sz="1200" dirty="0">
+                <a:solidFill>
+                  <a:schemeClr val="accent2"/>
+                </a:solidFill>
+              </a:rPr>
+              <a:t>1 (2630, -1820)</a:t>
+            </a:r>
+          </a:p>
+          <a:p>
+            <a:r>
+              <a:rPr lang="en-US" altLang="ko-KR" sz="1200" dirty="0">
+                <a:solidFill>
+                  <a:schemeClr val="accent2"/>
+                </a:solidFill>
+              </a:rPr>
+              <a:t>2 (1300, -1630)</a:t>
+            </a:r>
+          </a:p>
+          <a:p>
+            <a:r>
+              <a:rPr lang="en-US" altLang="ko-KR" sz="1200" dirty="0">
+                <a:solidFill>
+                  <a:schemeClr val="accent2"/>
+                </a:solidFill>
+              </a:rPr>
+              <a:t>3 (950, 820)</a:t>
+            </a:r>
+          </a:p>
+          <a:p>
+            <a:r>
+              <a:rPr lang="en-US" altLang="ko-KR" sz="1200" dirty="0">
+                <a:solidFill>
+                  <a:schemeClr val="accent2"/>
+                </a:solidFill>
+              </a:rPr>
+              <a:t>4 (270, 810)</a:t>
+            </a:r>
+          </a:p>
+          <a:p>
+            <a:r>
+              <a:rPr lang="en-US" altLang="ko-KR" sz="1200" dirty="0">
+                <a:solidFill>
+                  <a:schemeClr val="accent2"/>
+                </a:solidFill>
+              </a:rPr>
+              <a:t>5 (-360, 200)</a:t>
+            </a:r>
+          </a:p>
+        </p:txBody>
+      </p:sp>
+      <p:sp>
+        <p:nvSpPr>
+          <p:cNvPr id="44" name="TextBox 43">
+            <a:extLst>
+              <a:ext uri="{FF2B5EF4-FFF2-40B4-BE49-F238E27FC236}">
+                <a16:creationId xmlns:a16="http://schemas.microsoft.com/office/drawing/2014/main" id="{E69173DD-2CE4-41E9-99AA-5FB79AA3F489}"/>
+              </a:ext>
+            </a:extLst>
+          </p:cNvPr>
+          <p:cNvSpPr txBox="1"/>
+          <p:nvPr/>
+        </p:nvSpPr>
+        <p:spPr>
+          <a:xfrm>
+            <a:off x="8363976" y="1658237"/>
+            <a:ext cx="1309974" cy="1200329"/>
+          </a:xfrm>
+          <a:prstGeom prst="rect">
+            <a:avLst/>
+          </a:prstGeom>
+          <a:noFill/>
+        </p:spPr>
+        <p:txBody>
+          <a:bodyPr wrap="none" rtlCol="0">
+            <a:spAutoFit/>
+          </a:bodyPr>
+          <a:lstStyle/>
+          <a:p>
+            <a:r>
+              <a:rPr lang="ko-KR" altLang="en-US" sz="1200" dirty="0">
+                <a:solidFill>
+                  <a:schemeClr val="accent2"/>
+                </a:solidFill>
+              </a:rPr>
+              <a:t>경로</a:t>
+            </a:r>
+            <a:r>
+              <a:rPr lang="en-US" altLang="ko-KR" sz="1200" dirty="0">
+                <a:solidFill>
+                  <a:schemeClr val="accent2"/>
+                </a:solidFill>
+              </a:rPr>
+              <a:t>3(</a:t>
+            </a:r>
+            <a:r>
+              <a:rPr lang="ko-KR" altLang="en-US" sz="1200" dirty="0">
+                <a:solidFill>
+                  <a:schemeClr val="accent2"/>
+                </a:solidFill>
+              </a:rPr>
+              <a:t>좌 상단</a:t>
+            </a:r>
+            <a:r>
+              <a:rPr lang="en-US" altLang="ko-KR" sz="1200" dirty="0">
+                <a:solidFill>
+                  <a:schemeClr val="accent2"/>
+                </a:solidFill>
+              </a:rPr>
+              <a:t>)</a:t>
+            </a:r>
+          </a:p>
+          <a:p>
+            <a:r>
+              <a:rPr lang="en-US" altLang="ko-KR" sz="1200" dirty="0">
+                <a:solidFill>
+                  <a:schemeClr val="accent2"/>
+                </a:solidFill>
+              </a:rPr>
+              <a:t>1 (-1500, -1850)</a:t>
+            </a:r>
+          </a:p>
+          <a:p>
+            <a:r>
+              <a:rPr lang="en-US" altLang="ko-KR" sz="1200" dirty="0">
+                <a:solidFill>
+                  <a:schemeClr val="accent2"/>
+                </a:solidFill>
+              </a:rPr>
+              <a:t>2 (900, -1590)</a:t>
+            </a:r>
+          </a:p>
+          <a:p>
+            <a:r>
+              <a:rPr lang="en-US" altLang="ko-KR" sz="1200" dirty="0">
+                <a:solidFill>
+                  <a:schemeClr val="accent2"/>
+                </a:solidFill>
+              </a:rPr>
+              <a:t>3 (950, 820)</a:t>
+            </a:r>
+          </a:p>
+          <a:p>
+            <a:r>
+              <a:rPr lang="en-US" altLang="ko-KR" sz="1200" dirty="0">
+                <a:solidFill>
+                  <a:schemeClr val="accent2"/>
+                </a:solidFill>
+              </a:rPr>
+              <a:t>4 (270, 810)</a:t>
+            </a:r>
+          </a:p>
+          <a:p>
+            <a:r>
+              <a:rPr lang="en-US" altLang="ko-KR" sz="1200" dirty="0">
+                <a:solidFill>
+                  <a:schemeClr val="accent2"/>
+                </a:solidFill>
+              </a:rPr>
+              <a:t>5 (-360, 200)</a:t>
+            </a:r>
+          </a:p>
+        </p:txBody>
+      </p:sp>
+    </p:spTree>
+    <p:extLst>
+      <p:ext uri="{BB962C8B-B14F-4D97-AF65-F5344CB8AC3E}">
+        <p14:creationId xmlns:p14="http://schemas.microsoft.com/office/powerpoint/2010/main" val="1797082117"/>
       </p:ext>
     </p:extLst>
   </p:cSld>

--- a/res/스테이지 경로/스테이지1.pptx
+++ b/res/스테이지 경로/스테이지1.pptx
@@ -5,11 +5,12 @@
     <p:sldMasterId id="2147483648" r:id="rId1"/>
   </p:sldMasterIdLst>
   <p:notesMasterIdLst>
-    <p:notesMasterId r:id="rId4"/>
+    <p:notesMasterId r:id="rId5"/>
   </p:notesMasterIdLst>
   <p:sldIdLst>
-    <p:sldId id="256" r:id="rId2"/>
-    <p:sldId id="257" r:id="rId3"/>
+    <p:sldId id="258" r:id="rId2"/>
+    <p:sldId id="259" r:id="rId3"/>
+    <p:sldId id="257" r:id="rId4"/>
   </p:sldIdLst>
   <p:sldSz cx="12192000" cy="6858000"/>
   <p:notesSz cx="6858000" cy="9144000"/>
@@ -198,7 +199,7 @@
           <a:p>
             <a:fld id="{44C7CAA8-DF81-4AA8-8C64-A8E48E59C46F}" type="datetimeFigureOut">
               <a:rPr lang="ko-KR" altLang="en-US" smtClean="0"/>
-              <a:t>2020-07-08</a:t>
+              <a:t>2020-07-21</a:t>
             </a:fld>
             <a:endParaRPr lang="ko-KR" altLang="en-US"/>
           </a:p>
@@ -612,7 +613,7 @@
           <a:p>
             <a:fld id="{B98EBF65-4B1A-44E0-9E25-9A044B733A4D}" type="datetimeFigureOut">
               <a:rPr lang="ko-KR" altLang="en-US" smtClean="0"/>
-              <a:t>2020-07-08</a:t>
+              <a:t>2020-07-21</a:t>
             </a:fld>
             <a:endParaRPr lang="ko-KR" altLang="en-US"/>
           </a:p>
@@ -810,7 +811,7 @@
           <a:p>
             <a:fld id="{B98EBF65-4B1A-44E0-9E25-9A044B733A4D}" type="datetimeFigureOut">
               <a:rPr lang="ko-KR" altLang="en-US" smtClean="0"/>
-              <a:t>2020-07-08</a:t>
+              <a:t>2020-07-21</a:t>
             </a:fld>
             <a:endParaRPr lang="ko-KR" altLang="en-US"/>
           </a:p>
@@ -1018,7 +1019,7 @@
           <a:p>
             <a:fld id="{B98EBF65-4B1A-44E0-9E25-9A044B733A4D}" type="datetimeFigureOut">
               <a:rPr lang="ko-KR" altLang="en-US" smtClean="0"/>
-              <a:t>2020-07-08</a:t>
+              <a:t>2020-07-21</a:t>
             </a:fld>
             <a:endParaRPr lang="ko-KR" altLang="en-US"/>
           </a:p>
@@ -1216,7 +1217,7 @@
           <a:p>
             <a:fld id="{B98EBF65-4B1A-44E0-9E25-9A044B733A4D}" type="datetimeFigureOut">
               <a:rPr lang="ko-KR" altLang="en-US" smtClean="0"/>
-              <a:t>2020-07-08</a:t>
+              <a:t>2020-07-21</a:t>
             </a:fld>
             <a:endParaRPr lang="ko-KR" altLang="en-US"/>
           </a:p>
@@ -1491,7 +1492,7 @@
           <a:p>
             <a:fld id="{B98EBF65-4B1A-44E0-9E25-9A044B733A4D}" type="datetimeFigureOut">
               <a:rPr lang="ko-KR" altLang="en-US" smtClean="0"/>
-              <a:t>2020-07-08</a:t>
+              <a:t>2020-07-21</a:t>
             </a:fld>
             <a:endParaRPr lang="ko-KR" altLang="en-US"/>
           </a:p>
@@ -1756,7 +1757,7 @@
           <a:p>
             <a:fld id="{B98EBF65-4B1A-44E0-9E25-9A044B733A4D}" type="datetimeFigureOut">
               <a:rPr lang="ko-KR" altLang="en-US" smtClean="0"/>
-              <a:t>2020-07-08</a:t>
+              <a:t>2020-07-21</a:t>
             </a:fld>
             <a:endParaRPr lang="ko-KR" altLang="en-US"/>
           </a:p>
@@ -2168,7 +2169,7 @@
           <a:p>
             <a:fld id="{B98EBF65-4B1A-44E0-9E25-9A044B733A4D}" type="datetimeFigureOut">
               <a:rPr lang="ko-KR" altLang="en-US" smtClean="0"/>
-              <a:t>2020-07-08</a:t>
+              <a:t>2020-07-21</a:t>
             </a:fld>
             <a:endParaRPr lang="ko-KR" altLang="en-US"/>
           </a:p>
@@ -2309,7 +2310,7 @@
           <a:p>
             <a:fld id="{B98EBF65-4B1A-44E0-9E25-9A044B733A4D}" type="datetimeFigureOut">
               <a:rPr lang="ko-KR" altLang="en-US" smtClean="0"/>
-              <a:t>2020-07-08</a:t>
+              <a:t>2020-07-21</a:t>
             </a:fld>
             <a:endParaRPr lang="ko-KR" altLang="en-US"/>
           </a:p>
@@ -2422,7 +2423,7 @@
           <a:p>
             <a:fld id="{B98EBF65-4B1A-44E0-9E25-9A044B733A4D}" type="datetimeFigureOut">
               <a:rPr lang="ko-KR" altLang="en-US" smtClean="0"/>
-              <a:t>2020-07-08</a:t>
+              <a:t>2020-07-21</a:t>
             </a:fld>
             <a:endParaRPr lang="ko-KR" altLang="en-US"/>
           </a:p>
@@ -2733,7 +2734,7 @@
           <a:p>
             <a:fld id="{B98EBF65-4B1A-44E0-9E25-9A044B733A4D}" type="datetimeFigureOut">
               <a:rPr lang="ko-KR" altLang="en-US" smtClean="0"/>
-              <a:t>2020-07-08</a:t>
+              <a:t>2020-07-21</a:t>
             </a:fld>
             <a:endParaRPr lang="ko-KR" altLang="en-US"/>
           </a:p>
@@ -3021,7 +3022,7 @@
           <a:p>
             <a:fld id="{B98EBF65-4B1A-44E0-9E25-9A044B733A4D}" type="datetimeFigureOut">
               <a:rPr lang="ko-KR" altLang="en-US" smtClean="0"/>
-              <a:t>2020-07-08</a:t>
+              <a:t>2020-07-21</a:t>
             </a:fld>
             <a:endParaRPr lang="ko-KR" altLang="en-US"/>
           </a:p>
@@ -3262,7 +3263,7 @@
           <a:p>
             <a:fld id="{B98EBF65-4B1A-44E0-9E25-9A044B733A4D}" type="datetimeFigureOut">
               <a:rPr lang="ko-KR" altLang="en-US" smtClean="0"/>
-              <a:t>2020-07-08</a:t>
+              <a:t>2020-07-21</a:t>
             </a:fld>
             <a:endParaRPr lang="ko-KR" altLang="en-US"/>
           </a:p>
@@ -3723,8 +3724,8 @@
         </p:nvSpPr>
         <p:spPr>
           <a:xfrm>
-            <a:off x="426027" y="2185871"/>
-            <a:ext cx="867545" cy="276999"/>
+            <a:off x="-28362" y="2185868"/>
+            <a:ext cx="930063" cy="276999"/>
           </a:xfrm>
           <a:prstGeom prst="rect">
             <a:avLst/>
@@ -3743,7 +3744,7 @@
                   <a:schemeClr val="accent2"/>
                 </a:solidFill>
               </a:rPr>
-              <a:t>400, 1250</a:t>
+              <a:t>-750, 2830</a:t>
             </a:r>
             <a:endParaRPr lang="ko-KR" altLang="en-US" sz="1200" dirty="0">
               <a:solidFill>
@@ -3768,7 +3769,7 @@
         <p:spPr>
           <a:xfrm>
             <a:off x="1627909" y="2185870"/>
-            <a:ext cx="782587" cy="276999"/>
+            <a:ext cx="930063" cy="276999"/>
           </a:xfrm>
           <a:prstGeom prst="rect">
             <a:avLst/>
@@ -3787,7 +3788,7 @@
                   <a:schemeClr val="accent2"/>
                 </a:solidFill>
               </a:rPr>
-              <a:t>400, 730</a:t>
+              <a:t>-330, 2830</a:t>
             </a:r>
             <a:endParaRPr lang="ko-KR" altLang="en-US" sz="1200" dirty="0">
               <a:solidFill>
@@ -3812,7 +3813,7 @@
         <p:spPr>
           <a:xfrm>
             <a:off x="3605743" y="2185869"/>
-            <a:ext cx="845103" cy="276999"/>
+            <a:ext cx="867545" cy="276999"/>
           </a:xfrm>
           <a:prstGeom prst="rect">
             <a:avLst/>
@@ -3831,7 +3832,7 @@
                   <a:schemeClr val="accent2"/>
                 </a:solidFill>
               </a:rPr>
-              <a:t>400, -130</a:t>
+              <a:t>330, 2830</a:t>
             </a:r>
             <a:endParaRPr lang="ko-KR" altLang="en-US" sz="1200" dirty="0">
               <a:solidFill>
@@ -3856,7 +3857,7 @@
         <p:spPr>
           <a:xfrm>
             <a:off x="4783744" y="2185868"/>
-            <a:ext cx="845103" cy="276999"/>
+            <a:ext cx="867545" cy="276999"/>
           </a:xfrm>
           <a:prstGeom prst="rect">
             <a:avLst/>
@@ -3875,7 +3876,7 @@
                   <a:schemeClr val="accent2"/>
                 </a:solidFill>
               </a:rPr>
-              <a:t>400, -670</a:t>
+              <a:t>750, 2830</a:t>
             </a:r>
             <a:endParaRPr lang="ko-KR" altLang="en-US" sz="1200" dirty="0">
               <a:solidFill>
@@ -3899,8 +3900,8 @@
         </p:nvSpPr>
         <p:spPr>
           <a:xfrm>
-            <a:off x="1636667" y="1423870"/>
-            <a:ext cx="782587" cy="276999"/>
+            <a:off x="2043158" y="1226757"/>
+            <a:ext cx="930063" cy="276999"/>
           </a:xfrm>
           <a:prstGeom prst="rect">
             <a:avLst/>
@@ -3919,7 +3920,7 @@
                   <a:schemeClr val="accent2"/>
                 </a:solidFill>
               </a:rPr>
-              <a:t>880, 730</a:t>
+              <a:t>-380, 3340</a:t>
             </a:r>
             <a:endParaRPr lang="ko-KR" altLang="en-US" sz="1200" dirty="0">
               <a:solidFill>
@@ -3943,8 +3944,8 @@
         </p:nvSpPr>
         <p:spPr>
           <a:xfrm>
-            <a:off x="3549510" y="1423870"/>
-            <a:ext cx="845103" cy="276999"/>
+            <a:off x="3126957" y="1226756"/>
+            <a:ext cx="867545" cy="276999"/>
           </a:xfrm>
           <a:prstGeom prst="rect">
             <a:avLst/>
@@ -3963,7 +3964,7 @@
                   <a:schemeClr val="accent2"/>
                 </a:solidFill>
               </a:rPr>
-              <a:t>880, -130</a:t>
+              <a:t>380, 3340</a:t>
             </a:r>
             <a:endParaRPr lang="ko-KR" altLang="en-US" sz="1200" dirty="0">
               <a:solidFill>
@@ -3987,8 +3988,8 @@
         </p:nvSpPr>
         <p:spPr>
           <a:xfrm>
-            <a:off x="943782" y="367382"/>
-            <a:ext cx="1314784" cy="276999"/>
+            <a:off x="-3464" y="100921"/>
+            <a:ext cx="930063" cy="276999"/>
           </a:xfrm>
           <a:prstGeom prst="rect">
             <a:avLst/>
@@ -4007,7 +4008,7 @@
                   <a:schemeClr val="accent2"/>
                 </a:solidFill>
               </a:rPr>
-              <a:t>2000, 1140~868</a:t>
+              <a:t>-750, 4200</a:t>
             </a:r>
             <a:endParaRPr lang="ko-KR" altLang="en-US" sz="1200" dirty="0">
               <a:solidFill>
@@ -4031,8 +4032,8 @@
         </p:nvSpPr>
         <p:spPr>
           <a:xfrm>
-            <a:off x="3891511" y="367383"/>
-            <a:ext cx="753732" cy="276999"/>
+            <a:off x="3203023" y="141892"/>
+            <a:ext cx="867545" cy="276999"/>
           </a:xfrm>
           <a:prstGeom prst="rect">
             <a:avLst/>
@@ -4051,7 +4052,7 @@
                   <a:schemeClr val="accent2"/>
                 </a:solidFill>
               </a:rPr>
-              <a:t>2000, ??</a:t>
+              <a:t>380, 4200</a:t>
             </a:r>
             <a:endParaRPr lang="ko-KR" altLang="en-US" sz="1200" dirty="0">
               <a:solidFill>
@@ -4075,8 +4076,8 @@
         </p:nvSpPr>
         <p:spPr>
           <a:xfrm>
-            <a:off x="3549510" y="5303668"/>
-            <a:ext cx="907621" cy="276999"/>
+            <a:off x="1653985" y="5157131"/>
+            <a:ext cx="822661" cy="276999"/>
           </a:xfrm>
           <a:prstGeom prst="rect">
             <a:avLst/>
@@ -4095,7 +4096,7 @@
                   <a:schemeClr val="accent2"/>
                 </a:solidFill>
               </a:rPr>
-              <a:t>-2418, -79</a:t>
+              <a:t>-330, -40</a:t>
             </a:r>
             <a:endParaRPr lang="ko-KR" altLang="en-US" sz="1200" dirty="0">
               <a:solidFill>
@@ -4119,8 +4120,8 @@
         </p:nvSpPr>
         <p:spPr>
           <a:xfrm>
-            <a:off x="2389330" y="6360155"/>
-            <a:ext cx="1290738" cy="276999"/>
+            <a:off x="467135" y="6493221"/>
+            <a:ext cx="1151277" cy="276999"/>
           </a:xfrm>
           <a:prstGeom prst="rect">
             <a:avLst/>
@@ -4139,7 +4140,7 @@
                   <a:schemeClr val="accent2"/>
                 </a:solidFill>
               </a:rPr>
-              <a:t>Z : -670 ~ 1253</a:t>
+              <a:t>Z : -40~ 4200</a:t>
             </a:r>
             <a:endParaRPr lang="ko-KR" altLang="en-US" sz="1200" dirty="0">
               <a:solidFill>
@@ -4163,8 +4164,8 @@
         </p:nvSpPr>
         <p:spPr>
           <a:xfrm>
-            <a:off x="2389330" y="6083156"/>
-            <a:ext cx="1378904" cy="276999"/>
+            <a:off x="461567" y="6221655"/>
+            <a:ext cx="1208985" cy="276999"/>
           </a:xfrm>
           <a:prstGeom prst="rect">
             <a:avLst/>
@@ -4183,7 +4184,7 @@
                   <a:schemeClr val="accent2"/>
                 </a:solidFill>
               </a:rPr>
-              <a:t>X : -2418 ~ 2000</a:t>
+              <a:t>X : -750 ~ 750</a:t>
             </a:r>
             <a:endParaRPr lang="ko-KR" altLang="en-US" sz="1200" dirty="0">
               <a:solidFill>
@@ -4207,7 +4208,7 @@
         </p:nvCxnSpPr>
         <p:spPr>
           <a:xfrm flipV="1">
-            <a:off x="5721929" y="4227939"/>
+            <a:off x="516084" y="4227939"/>
             <a:ext cx="0" cy="1455476"/>
           </a:xfrm>
           <a:prstGeom prst="straightConnector1">
@@ -4247,9 +4248,9 @@
           <p:nvPr/>
         </p:nvCxnSpPr>
         <p:spPr>
-          <a:xfrm flipH="1">
-            <a:off x="4010891" y="5730593"/>
-            <a:ext cx="1754264" cy="0"/>
+          <a:xfrm>
+            <a:off x="630021" y="5711880"/>
+            <a:ext cx="1628726" cy="0"/>
           </a:xfrm>
           <a:prstGeom prst="straightConnector1">
             <a:avLst/>
@@ -4275,10 +4276,534 @@
       </p:cxnSp>
       <p:sp>
         <p:nvSpPr>
-          <p:cNvPr id="23" name="직사각형 22">
-            <a:extLst>
-              <a:ext uri="{FF2B5EF4-FFF2-40B4-BE49-F238E27FC236}">
-                <a16:creationId xmlns:a16="http://schemas.microsoft.com/office/drawing/2014/main" id="{85939BC8-0493-4AB7-8780-A635852EAD5B}"/>
+          <p:cNvPr id="26" name="TextBox 25">
+            <a:extLst>
+              <a:ext uri="{FF2B5EF4-FFF2-40B4-BE49-F238E27FC236}">
+                <a16:creationId xmlns:a16="http://schemas.microsoft.com/office/drawing/2014/main" id="{206E2DCD-33B2-4B9A-AC32-C6D842949E49}"/>
+              </a:ext>
+            </a:extLst>
+          </p:cNvPr>
+          <p:cNvSpPr txBox="1"/>
+          <p:nvPr/>
+        </p:nvSpPr>
+        <p:spPr>
+          <a:xfrm>
+            <a:off x="6853957" y="493168"/>
+            <a:ext cx="1285929" cy="1015663"/>
+          </a:xfrm>
+          <a:prstGeom prst="rect">
+            <a:avLst/>
+          </a:prstGeom>
+          <a:noFill/>
+        </p:spPr>
+        <p:txBody>
+          <a:bodyPr wrap="none" rtlCol="0">
+            <a:spAutoFit/>
+          </a:bodyPr>
+          <a:lstStyle/>
+          <a:p>
+            <a:r>
+              <a:rPr lang="ko-KR" altLang="en-US" sz="1200" dirty="0">
+                <a:solidFill>
+                  <a:schemeClr val="accent2"/>
+                </a:solidFill>
+              </a:rPr>
+              <a:t>경로</a:t>
+            </a:r>
+            <a:r>
+              <a:rPr lang="en-US" altLang="ko-KR" sz="1200" dirty="0">
+                <a:solidFill>
+                  <a:schemeClr val="accent2"/>
+                </a:solidFill>
+              </a:rPr>
+              <a:t>1(</a:t>
+            </a:r>
+            <a:r>
+              <a:rPr lang="ko-KR" altLang="en-US" sz="1200" dirty="0">
+                <a:solidFill>
+                  <a:schemeClr val="accent2"/>
+                </a:solidFill>
+              </a:rPr>
+              <a:t>왼쪽시작</a:t>
+            </a:r>
+            <a:r>
+              <a:rPr lang="en-US" altLang="ko-KR" sz="1200" dirty="0">
+                <a:solidFill>
+                  <a:schemeClr val="accent2"/>
+                </a:solidFill>
+              </a:rPr>
+              <a:t>)</a:t>
+            </a:r>
+          </a:p>
+          <a:p>
+            <a:r>
+              <a:rPr lang="en-US" altLang="ko-KR" sz="1200" dirty="0">
+                <a:solidFill>
+                  <a:schemeClr val="accent2"/>
+                </a:solidFill>
+              </a:rPr>
+              <a:t>1 (-720, 4200)</a:t>
+            </a:r>
+          </a:p>
+          <a:p>
+            <a:r>
+              <a:rPr lang="en-US" altLang="ko-KR" sz="1200" dirty="0">
+                <a:solidFill>
+                  <a:schemeClr val="accent2"/>
+                </a:solidFill>
+              </a:rPr>
+              <a:t>2 (-630, 3010)</a:t>
+            </a:r>
+          </a:p>
+          <a:p>
+            <a:r>
+              <a:rPr lang="en-US" altLang="ko-KR" sz="1200" dirty="0">
+                <a:solidFill>
+                  <a:schemeClr val="accent2"/>
+                </a:solidFill>
+              </a:rPr>
+              <a:t>3 (-170, 2800)</a:t>
+            </a:r>
+          </a:p>
+          <a:p>
+            <a:r>
+              <a:rPr lang="en-US" altLang="ko-KR" sz="1200" dirty="0">
+                <a:solidFill>
+                  <a:schemeClr val="accent2"/>
+                </a:solidFill>
+              </a:rPr>
+              <a:t>4 (0, -30)</a:t>
+            </a:r>
+          </a:p>
+        </p:txBody>
+      </p:sp>
+      <p:sp>
+        <p:nvSpPr>
+          <p:cNvPr id="27" name="TextBox 26">
+            <a:extLst>
+              <a:ext uri="{FF2B5EF4-FFF2-40B4-BE49-F238E27FC236}">
+                <a16:creationId xmlns:a16="http://schemas.microsoft.com/office/drawing/2014/main" id="{0BD1C4F7-8FEE-4AC5-A03C-5BB0B735B0E2}"/>
+              </a:ext>
+            </a:extLst>
+          </p:cNvPr>
+          <p:cNvSpPr txBox="1"/>
+          <p:nvPr/>
+        </p:nvSpPr>
+        <p:spPr>
+          <a:xfrm>
+            <a:off x="8752292" y="488093"/>
+            <a:ext cx="1285929" cy="1015663"/>
+          </a:xfrm>
+          <a:prstGeom prst="rect">
+            <a:avLst/>
+          </a:prstGeom>
+          <a:noFill/>
+        </p:spPr>
+        <p:txBody>
+          <a:bodyPr wrap="none" rtlCol="0">
+            <a:spAutoFit/>
+          </a:bodyPr>
+          <a:lstStyle/>
+          <a:p>
+            <a:r>
+              <a:rPr lang="ko-KR" altLang="en-US" sz="1200" dirty="0">
+                <a:solidFill>
+                  <a:schemeClr val="accent2"/>
+                </a:solidFill>
+              </a:rPr>
+              <a:t>경로</a:t>
+            </a:r>
+            <a:r>
+              <a:rPr lang="en-US" altLang="ko-KR" sz="1200" dirty="0">
+                <a:solidFill>
+                  <a:schemeClr val="accent2"/>
+                </a:solidFill>
+              </a:rPr>
+              <a:t>2(</a:t>
+            </a:r>
+            <a:r>
+              <a:rPr lang="ko-KR" altLang="en-US" sz="1200" dirty="0">
+                <a:solidFill>
+                  <a:schemeClr val="accent2"/>
+                </a:solidFill>
+              </a:rPr>
+              <a:t>왼쪽시작</a:t>
+            </a:r>
+            <a:r>
+              <a:rPr lang="en-US" altLang="ko-KR" sz="1200" dirty="0">
+                <a:solidFill>
+                  <a:schemeClr val="accent2"/>
+                </a:solidFill>
+              </a:rPr>
+              <a:t>)</a:t>
+            </a:r>
+          </a:p>
+          <a:p>
+            <a:r>
+              <a:rPr lang="en-US" altLang="ko-KR" sz="1200" dirty="0">
+                <a:solidFill>
+                  <a:schemeClr val="accent2"/>
+                </a:solidFill>
+              </a:rPr>
+              <a:t>1 (-570, 4200)</a:t>
+            </a:r>
+          </a:p>
+          <a:p>
+            <a:r>
+              <a:rPr lang="en-US" altLang="ko-KR" sz="1200" dirty="0">
+                <a:solidFill>
+                  <a:schemeClr val="accent2"/>
+                </a:solidFill>
+              </a:rPr>
+              <a:t>2 (-520, 3150)</a:t>
+            </a:r>
+          </a:p>
+          <a:p>
+            <a:r>
+              <a:rPr lang="en-US" altLang="ko-KR" sz="1200" dirty="0">
+                <a:solidFill>
+                  <a:schemeClr val="accent2"/>
+                </a:solidFill>
+              </a:rPr>
+              <a:t>3 (-150, 2800)</a:t>
+            </a:r>
+          </a:p>
+          <a:p>
+            <a:r>
+              <a:rPr lang="en-US" altLang="ko-KR" sz="1200" dirty="0">
+                <a:solidFill>
+                  <a:schemeClr val="accent2"/>
+                </a:solidFill>
+              </a:rPr>
+              <a:t>4 (0, -30)</a:t>
+            </a:r>
+          </a:p>
+        </p:txBody>
+      </p:sp>
+      <p:sp>
+        <p:nvSpPr>
+          <p:cNvPr id="20" name="TextBox 19">
+            <a:extLst>
+              <a:ext uri="{FF2B5EF4-FFF2-40B4-BE49-F238E27FC236}">
+                <a16:creationId xmlns:a16="http://schemas.microsoft.com/office/drawing/2014/main" id="{88062E2A-825F-45EA-808F-07978A691016}"/>
+              </a:ext>
+            </a:extLst>
+          </p:cNvPr>
+          <p:cNvSpPr txBox="1"/>
+          <p:nvPr/>
+        </p:nvSpPr>
+        <p:spPr>
+          <a:xfrm>
+            <a:off x="10605834" y="488093"/>
+            <a:ext cx="1285929" cy="1015663"/>
+          </a:xfrm>
+          <a:prstGeom prst="rect">
+            <a:avLst/>
+          </a:prstGeom>
+          <a:noFill/>
+        </p:spPr>
+        <p:txBody>
+          <a:bodyPr wrap="none" rtlCol="0">
+            <a:spAutoFit/>
+          </a:bodyPr>
+          <a:lstStyle/>
+          <a:p>
+            <a:r>
+              <a:rPr lang="ko-KR" altLang="en-US" sz="1200" dirty="0">
+                <a:solidFill>
+                  <a:schemeClr val="accent2"/>
+                </a:solidFill>
+              </a:rPr>
+              <a:t>경로</a:t>
+            </a:r>
+            <a:r>
+              <a:rPr lang="en-US" altLang="ko-KR" sz="1200" dirty="0">
+                <a:solidFill>
+                  <a:schemeClr val="accent2"/>
+                </a:solidFill>
+              </a:rPr>
+              <a:t>3(</a:t>
+            </a:r>
+            <a:r>
+              <a:rPr lang="ko-KR" altLang="en-US" sz="1200" dirty="0">
+                <a:solidFill>
+                  <a:schemeClr val="accent2"/>
+                </a:solidFill>
+              </a:rPr>
+              <a:t>왼쪽시작</a:t>
+            </a:r>
+            <a:r>
+              <a:rPr lang="en-US" altLang="ko-KR" sz="1200" dirty="0">
+                <a:solidFill>
+                  <a:schemeClr val="accent2"/>
+                </a:solidFill>
+              </a:rPr>
+              <a:t>)</a:t>
+            </a:r>
+          </a:p>
+          <a:p>
+            <a:r>
+              <a:rPr lang="en-US" altLang="ko-KR" sz="1200" dirty="0">
+                <a:solidFill>
+                  <a:schemeClr val="accent2"/>
+                </a:solidFill>
+              </a:rPr>
+              <a:t>1 (-430, 4200)</a:t>
+            </a:r>
+          </a:p>
+          <a:p>
+            <a:r>
+              <a:rPr lang="en-US" altLang="ko-KR" sz="1200" dirty="0">
+                <a:solidFill>
+                  <a:schemeClr val="accent2"/>
+                </a:solidFill>
+              </a:rPr>
+              <a:t>2 (-440, 3300)</a:t>
+            </a:r>
+          </a:p>
+          <a:p>
+            <a:r>
+              <a:rPr lang="en-US" altLang="ko-KR" sz="1200" dirty="0">
+                <a:solidFill>
+                  <a:schemeClr val="accent2"/>
+                </a:solidFill>
+              </a:rPr>
+              <a:t>3 (-80, 3060)</a:t>
+            </a:r>
+          </a:p>
+          <a:p>
+            <a:r>
+              <a:rPr lang="en-US" altLang="ko-KR" sz="1200" dirty="0">
+                <a:solidFill>
+                  <a:schemeClr val="accent2"/>
+                </a:solidFill>
+              </a:rPr>
+              <a:t>4 (0, -30)</a:t>
+            </a:r>
+          </a:p>
+        </p:txBody>
+      </p:sp>
+      <p:sp>
+        <p:nvSpPr>
+          <p:cNvPr id="21" name="TextBox 20">
+            <a:extLst>
+              <a:ext uri="{FF2B5EF4-FFF2-40B4-BE49-F238E27FC236}">
+                <a16:creationId xmlns:a16="http://schemas.microsoft.com/office/drawing/2014/main" id="{50B9C05B-F714-4199-9ACC-C0AD1DC933E5}"/>
+              </a:ext>
+            </a:extLst>
+          </p:cNvPr>
+          <p:cNvSpPr txBox="1"/>
+          <p:nvPr/>
+        </p:nvSpPr>
+        <p:spPr>
+          <a:xfrm>
+            <a:off x="6927454" y="3392"/>
+            <a:ext cx="2029509" cy="646331"/>
+          </a:xfrm>
+          <a:prstGeom prst="rect">
+            <a:avLst/>
+          </a:prstGeom>
+          <a:noFill/>
+        </p:spPr>
+        <p:txBody>
+          <a:bodyPr wrap="square" rtlCol="0">
+            <a:spAutoFit/>
+          </a:bodyPr>
+          <a:lstStyle/>
+          <a:p>
+            <a:r>
+              <a:rPr lang="en-US" altLang="ko-KR" sz="1200" dirty="0">
+                <a:solidFill>
+                  <a:schemeClr val="accent2"/>
+                </a:solidFill>
+              </a:rPr>
+              <a:t>(x, z)</a:t>
+            </a:r>
+          </a:p>
+          <a:p>
+            <a:r>
+              <a:rPr lang="en-US" altLang="ko-KR" sz="1200" dirty="0">
+                <a:solidFill>
+                  <a:schemeClr val="accent2"/>
+                </a:solidFill>
+              </a:rPr>
+              <a:t>(2000, 1140~800)</a:t>
+            </a:r>
+          </a:p>
+          <a:p>
+            <a:endParaRPr lang="en-US" altLang="ko-KR" sz="1200" dirty="0">
+              <a:solidFill>
+                <a:schemeClr val="accent2"/>
+              </a:solidFill>
+            </a:endParaRPr>
+          </a:p>
+        </p:txBody>
+      </p:sp>
+      <p:sp>
+        <p:nvSpPr>
+          <p:cNvPr id="22" name="TextBox 21">
+            <a:extLst>
+              <a:ext uri="{FF2B5EF4-FFF2-40B4-BE49-F238E27FC236}">
+                <a16:creationId xmlns:a16="http://schemas.microsoft.com/office/drawing/2014/main" id="{300C72C4-BB14-4CD1-821C-ACDA4517C488}"/>
+              </a:ext>
+            </a:extLst>
+          </p:cNvPr>
+          <p:cNvSpPr txBox="1"/>
+          <p:nvPr/>
+        </p:nvSpPr>
+        <p:spPr>
+          <a:xfrm>
+            <a:off x="6853957" y="1816535"/>
+            <a:ext cx="1439818" cy="1015663"/>
+          </a:xfrm>
+          <a:prstGeom prst="rect">
+            <a:avLst/>
+          </a:prstGeom>
+          <a:noFill/>
+        </p:spPr>
+        <p:txBody>
+          <a:bodyPr wrap="none" rtlCol="0">
+            <a:spAutoFit/>
+          </a:bodyPr>
+          <a:lstStyle/>
+          <a:p>
+            <a:r>
+              <a:rPr lang="ko-KR" altLang="en-US" sz="1200" dirty="0">
+                <a:solidFill>
+                  <a:schemeClr val="accent2"/>
+                </a:solidFill>
+              </a:rPr>
+              <a:t>경로</a:t>
+            </a:r>
+            <a:r>
+              <a:rPr lang="en-US" altLang="ko-KR" sz="1200" dirty="0">
+                <a:solidFill>
+                  <a:schemeClr val="accent2"/>
+                </a:solidFill>
+              </a:rPr>
+              <a:t>4(</a:t>
+            </a:r>
+            <a:r>
+              <a:rPr lang="ko-KR" altLang="en-US" sz="1200" dirty="0">
+                <a:solidFill>
+                  <a:schemeClr val="accent2"/>
+                </a:solidFill>
+              </a:rPr>
+              <a:t>오른쪽시작</a:t>
+            </a:r>
+            <a:r>
+              <a:rPr lang="en-US" altLang="ko-KR" sz="1200" dirty="0">
+                <a:solidFill>
+                  <a:schemeClr val="accent2"/>
+                </a:solidFill>
+              </a:rPr>
+              <a:t>)</a:t>
+            </a:r>
+          </a:p>
+          <a:p>
+            <a:r>
+              <a:rPr lang="en-US" altLang="ko-KR" sz="1200" dirty="0">
+                <a:solidFill>
+                  <a:schemeClr val="accent2"/>
+                </a:solidFill>
+              </a:rPr>
+              <a:t>1 (430, 4200)</a:t>
+            </a:r>
+          </a:p>
+          <a:p>
+            <a:r>
+              <a:rPr lang="en-US" altLang="ko-KR" sz="1200" dirty="0">
+                <a:solidFill>
+                  <a:schemeClr val="accent2"/>
+                </a:solidFill>
+              </a:rPr>
+              <a:t>2 (430, 3230)</a:t>
+            </a:r>
+          </a:p>
+          <a:p>
+            <a:r>
+              <a:rPr lang="en-US" altLang="ko-KR" sz="1200" dirty="0">
+                <a:solidFill>
+                  <a:schemeClr val="accent2"/>
+                </a:solidFill>
+              </a:rPr>
+              <a:t>3 (90, 3100)</a:t>
+            </a:r>
+          </a:p>
+          <a:p>
+            <a:r>
+              <a:rPr lang="en-US" altLang="ko-KR" sz="1200" dirty="0">
+                <a:solidFill>
+                  <a:schemeClr val="accent2"/>
+                </a:solidFill>
+              </a:rPr>
+              <a:t>4 (0, -30)</a:t>
+            </a:r>
+          </a:p>
+        </p:txBody>
+      </p:sp>
+      <p:sp>
+        <p:nvSpPr>
+          <p:cNvPr id="24" name="TextBox 23">
+            <a:extLst>
+              <a:ext uri="{FF2B5EF4-FFF2-40B4-BE49-F238E27FC236}">
+                <a16:creationId xmlns:a16="http://schemas.microsoft.com/office/drawing/2014/main" id="{A08B7A96-4451-4C8C-9984-AB0734B7E3A2}"/>
+              </a:ext>
+            </a:extLst>
+          </p:cNvPr>
+          <p:cNvSpPr txBox="1"/>
+          <p:nvPr/>
+        </p:nvSpPr>
+        <p:spPr>
+          <a:xfrm>
+            <a:off x="8770198" y="0"/>
+            <a:ext cx="2029509" cy="646331"/>
+          </a:xfrm>
+          <a:prstGeom prst="rect">
+            <a:avLst/>
+          </a:prstGeom>
+          <a:noFill/>
+        </p:spPr>
+        <p:txBody>
+          <a:bodyPr wrap="square" rtlCol="0">
+            <a:spAutoFit/>
+          </a:bodyPr>
+          <a:lstStyle/>
+          <a:p>
+            <a:r>
+              <a:rPr lang="en-US" altLang="ko-KR" sz="1200" dirty="0">
+                <a:solidFill>
+                  <a:schemeClr val="accent2"/>
+                </a:solidFill>
+              </a:rPr>
+              <a:t>(x, z)</a:t>
+            </a:r>
+          </a:p>
+          <a:p>
+            <a:r>
+              <a:rPr lang="en-US" altLang="ko-KR" sz="1200" dirty="0">
+                <a:solidFill>
+                  <a:schemeClr val="accent2"/>
+                </a:solidFill>
+              </a:rPr>
+              <a:t>(2000, - 200~ -450)</a:t>
+            </a:r>
+          </a:p>
+          <a:p>
+            <a:endParaRPr lang="en-US" altLang="ko-KR" sz="1200" dirty="0">
+              <a:solidFill>
+                <a:schemeClr val="accent2"/>
+              </a:solidFill>
+            </a:endParaRPr>
+          </a:p>
+        </p:txBody>
+      </p:sp>
+      <p:sp>
+        <p:nvSpPr>
+          <p:cNvPr id="30" name="직사각형 29">
+            <a:extLst>
+              <a:ext uri="{FF2B5EF4-FFF2-40B4-BE49-F238E27FC236}">
+                <a16:creationId xmlns:a16="http://schemas.microsoft.com/office/drawing/2014/main" id="{8C62E744-2A6A-4E2F-8633-ADD89ED36B0A}"/>
               </a:ext>
             </a:extLst>
           </p:cNvPr>
@@ -4287,7 +4812,7 @@
         </p:nvSpPr>
         <p:spPr>
           <a:xfrm>
-            <a:off x="5471539" y="5683415"/>
+            <a:off x="263494" y="5449862"/>
             <a:ext cx="250390" cy="261610"/>
           </a:xfrm>
           <a:prstGeom prst="rect">
@@ -4314,10 +4839,10 @@
       </p:sp>
       <p:sp>
         <p:nvSpPr>
-          <p:cNvPr id="25" name="직사각형 24">
-            <a:extLst>
-              <a:ext uri="{FF2B5EF4-FFF2-40B4-BE49-F238E27FC236}">
-                <a16:creationId xmlns:a16="http://schemas.microsoft.com/office/drawing/2014/main" id="{47908443-F2F7-4B14-85D4-73F44DD1054D}"/>
+          <p:cNvPr id="31" name="직사각형 30">
+            <a:extLst>
+              <a:ext uri="{FF2B5EF4-FFF2-40B4-BE49-F238E27FC236}">
+                <a16:creationId xmlns:a16="http://schemas.microsoft.com/office/drawing/2014/main" id="{48414632-D1F9-43D4-935E-41731FC3E8A0}"/>
               </a:ext>
             </a:extLst>
           </p:cNvPr>
@@ -4326,7 +4851,7 @@
         </p:nvSpPr>
         <p:spPr>
           <a:xfrm>
-            <a:off x="5794594" y="5449862"/>
+            <a:off x="625620" y="5683415"/>
             <a:ext cx="250390" cy="261610"/>
           </a:xfrm>
           <a:prstGeom prst="rect">
@@ -4357,10 +4882,10 @@
       </p:sp>
       <p:sp>
         <p:nvSpPr>
-          <p:cNvPr id="26" name="TextBox 25">
-            <a:extLst>
-              <a:ext uri="{FF2B5EF4-FFF2-40B4-BE49-F238E27FC236}">
-                <a16:creationId xmlns:a16="http://schemas.microsoft.com/office/drawing/2014/main" id="{206E2DCD-33B2-4B9A-AC32-C6D842949E49}"/>
+          <p:cNvPr id="32" name="TextBox 31">
+            <a:extLst>
+              <a:ext uri="{FF2B5EF4-FFF2-40B4-BE49-F238E27FC236}">
+                <a16:creationId xmlns:a16="http://schemas.microsoft.com/office/drawing/2014/main" id="{78ACB6FA-5F5E-44FE-A33E-76BF8854EBC8}"/>
               </a:ext>
             </a:extLst>
           </p:cNvPr>
@@ -4369,8 +4894,8 @@
         </p:nvSpPr>
         <p:spPr>
           <a:xfrm>
-            <a:off x="6853957" y="493168"/>
-            <a:ext cx="1285929" cy="1015663"/>
+            <a:off x="3560730" y="5172863"/>
+            <a:ext cx="760144" cy="276999"/>
           </a:xfrm>
           <a:prstGeom prst="rect">
             <a:avLst/>
@@ -4384,335 +4909,14 @@
           <a:lstStyle/>
           <a:p>
             <a:r>
-              <a:rPr lang="ko-KR" altLang="en-US" sz="1200" dirty="0">
-                <a:solidFill>
-                  <a:schemeClr val="accent2"/>
-                </a:solidFill>
-              </a:rPr>
-              <a:t>경로</a:t>
-            </a:r>
-            <a:r>
-              <a:rPr lang="en-US" altLang="ko-KR" sz="1200" dirty="0">
-                <a:solidFill>
-                  <a:schemeClr val="accent2"/>
-                </a:solidFill>
-              </a:rPr>
-              <a:t>1(</a:t>
-            </a:r>
-            <a:r>
-              <a:rPr lang="ko-KR" altLang="en-US" sz="1200" dirty="0">
-                <a:solidFill>
-                  <a:schemeClr val="accent2"/>
-                </a:solidFill>
-              </a:rPr>
-              <a:t>왼쪽시작</a:t>
-            </a:r>
-            <a:r>
-              <a:rPr lang="en-US" altLang="ko-KR" sz="1200" dirty="0">
-                <a:solidFill>
-                  <a:schemeClr val="accent2"/>
-                </a:solidFill>
-              </a:rPr>
-              <a:t>)</a:t>
-            </a:r>
-          </a:p>
-          <a:p>
-            <a:r>
-              <a:rPr lang="en-US" altLang="ko-KR" sz="1200" dirty="0">
-                <a:solidFill>
-                  <a:schemeClr val="accent2"/>
-                </a:solidFill>
-              </a:rPr>
-              <a:t>1 (2000, 1000)</a:t>
-            </a:r>
-          </a:p>
-          <a:p>
-            <a:r>
-              <a:rPr lang="en-US" altLang="ko-KR" sz="1200" dirty="0">
-                <a:solidFill>
-                  <a:schemeClr val="accent2"/>
-                </a:solidFill>
-              </a:rPr>
-              <a:t>2 (700, 900)</a:t>
-            </a:r>
-          </a:p>
-          <a:p>
-            <a:r>
-              <a:rPr lang="en-US" altLang="ko-KR" sz="1200" dirty="0">
-                <a:solidFill>
-                  <a:schemeClr val="accent2"/>
-                </a:solidFill>
-              </a:rPr>
-              <a:t>3 (430, 430)</a:t>
-            </a:r>
-          </a:p>
-          <a:p>
-            <a:r>
-              <a:rPr lang="en-US" altLang="ko-KR" sz="1200" dirty="0">
-                <a:solidFill>
-                  <a:schemeClr val="accent2"/>
-                </a:solidFill>
-              </a:rPr>
-              <a:t>4 (-2400, 500)</a:t>
-            </a:r>
-          </a:p>
-        </p:txBody>
-      </p:sp>
-      <p:sp>
-        <p:nvSpPr>
-          <p:cNvPr id="27" name="TextBox 26">
-            <a:extLst>
-              <a:ext uri="{FF2B5EF4-FFF2-40B4-BE49-F238E27FC236}">
-                <a16:creationId xmlns:a16="http://schemas.microsoft.com/office/drawing/2014/main" id="{0BD1C4F7-8FEE-4AC5-A03C-5BB0B735B0E2}"/>
-              </a:ext>
-            </a:extLst>
-          </p:cNvPr>
-          <p:cNvSpPr txBox="1"/>
-          <p:nvPr/>
-        </p:nvSpPr>
-        <p:spPr>
-          <a:xfrm>
-            <a:off x="8752292" y="488093"/>
-            <a:ext cx="1439818" cy="1015663"/>
-          </a:xfrm>
-          <a:prstGeom prst="rect">
-            <a:avLst/>
-          </a:prstGeom>
-          <a:noFill/>
-        </p:spPr>
-        <p:txBody>
-          <a:bodyPr wrap="none" rtlCol="0">
-            <a:spAutoFit/>
-          </a:bodyPr>
-          <a:lstStyle/>
-          <a:p>
-            <a:r>
-              <a:rPr lang="ko-KR" altLang="en-US" sz="1200" dirty="0">
-                <a:solidFill>
-                  <a:schemeClr val="accent2"/>
-                </a:solidFill>
-              </a:rPr>
-              <a:t>경로</a:t>
-            </a:r>
-            <a:r>
-              <a:rPr lang="en-US" altLang="ko-KR" sz="1200" dirty="0">
-                <a:solidFill>
-                  <a:schemeClr val="accent2"/>
-                </a:solidFill>
-              </a:rPr>
-              <a:t>2(</a:t>
-            </a:r>
-            <a:r>
-              <a:rPr lang="ko-KR" altLang="en-US" sz="1200" dirty="0">
-                <a:solidFill>
-                  <a:schemeClr val="accent2"/>
-                </a:solidFill>
-              </a:rPr>
-              <a:t>오른쪽시작</a:t>
-            </a:r>
-            <a:r>
-              <a:rPr lang="en-US" altLang="ko-KR" sz="1200" dirty="0">
-                <a:solidFill>
-                  <a:schemeClr val="accent2"/>
-                </a:solidFill>
-              </a:rPr>
-              <a:t>)</a:t>
-            </a:r>
-          </a:p>
-          <a:p>
-            <a:r>
-              <a:rPr lang="en-US" altLang="ko-KR" sz="1200" dirty="0">
-                <a:solidFill>
-                  <a:schemeClr val="accent2"/>
-                </a:solidFill>
-              </a:rPr>
-              <a:t>1 (2000, -300)</a:t>
-            </a:r>
-          </a:p>
-          <a:p>
-            <a:r>
-              <a:rPr lang="en-US" altLang="ko-KR" sz="1200" dirty="0">
-                <a:solidFill>
-                  <a:schemeClr val="accent2"/>
-                </a:solidFill>
-              </a:rPr>
-              <a:t>2 (700, -350)</a:t>
-            </a:r>
-          </a:p>
-          <a:p>
-            <a:r>
-              <a:rPr lang="en-US" altLang="ko-KR" sz="1200" dirty="0">
-                <a:solidFill>
-                  <a:schemeClr val="accent2"/>
-                </a:solidFill>
-              </a:rPr>
-              <a:t>3 (430, 110)</a:t>
-            </a:r>
-          </a:p>
-          <a:p>
-            <a:r>
-              <a:rPr lang="en-US" altLang="ko-KR" sz="1200" dirty="0">
-                <a:solidFill>
-                  <a:schemeClr val="accent2"/>
-                </a:solidFill>
-              </a:rPr>
-              <a:t>4 (-2400, 100)</a:t>
-            </a:r>
-          </a:p>
-        </p:txBody>
-      </p:sp>
-      <p:sp>
-        <p:nvSpPr>
-          <p:cNvPr id="20" name="TextBox 19">
-            <a:extLst>
-              <a:ext uri="{FF2B5EF4-FFF2-40B4-BE49-F238E27FC236}">
-                <a16:creationId xmlns:a16="http://schemas.microsoft.com/office/drawing/2014/main" id="{88062E2A-825F-45EA-808F-07978A691016}"/>
-              </a:ext>
-            </a:extLst>
-          </p:cNvPr>
-          <p:cNvSpPr txBox="1"/>
-          <p:nvPr/>
-        </p:nvSpPr>
-        <p:spPr>
-          <a:xfrm>
-            <a:off x="6853957" y="1728802"/>
-            <a:ext cx="1285929" cy="1015663"/>
-          </a:xfrm>
-          <a:prstGeom prst="rect">
-            <a:avLst/>
-          </a:prstGeom>
-          <a:noFill/>
-        </p:spPr>
-        <p:txBody>
-          <a:bodyPr wrap="none" rtlCol="0">
-            <a:spAutoFit/>
-          </a:bodyPr>
-          <a:lstStyle/>
-          <a:p>
-            <a:r>
-              <a:rPr lang="ko-KR" altLang="en-US" sz="1200" dirty="0">
-                <a:solidFill>
-                  <a:schemeClr val="accent2"/>
-                </a:solidFill>
-              </a:rPr>
-              <a:t>경로</a:t>
-            </a:r>
-            <a:r>
-              <a:rPr lang="en-US" altLang="ko-KR" sz="1200" dirty="0">
-                <a:solidFill>
-                  <a:schemeClr val="accent2"/>
-                </a:solidFill>
-              </a:rPr>
-              <a:t>3(</a:t>
-            </a:r>
-            <a:r>
-              <a:rPr lang="ko-KR" altLang="en-US" sz="1200" dirty="0">
-                <a:solidFill>
-                  <a:schemeClr val="accent2"/>
-                </a:solidFill>
-              </a:rPr>
-              <a:t>왼쪽시작</a:t>
-            </a:r>
-            <a:r>
-              <a:rPr lang="en-US" altLang="ko-KR" sz="1200" dirty="0">
-                <a:solidFill>
-                  <a:schemeClr val="accent2"/>
-                </a:solidFill>
-              </a:rPr>
-              <a:t>)</a:t>
-            </a:r>
-          </a:p>
-          <a:p>
-            <a:r>
-              <a:rPr lang="en-US" altLang="ko-KR" sz="1200" dirty="0">
-                <a:solidFill>
-                  <a:schemeClr val="accent2"/>
-                </a:solidFill>
-              </a:rPr>
-              <a:t>1 (2000, 1100)</a:t>
-            </a:r>
-          </a:p>
-          <a:p>
-            <a:r>
-              <a:rPr lang="en-US" altLang="ko-KR" sz="1200" dirty="0">
-                <a:solidFill>
-                  <a:schemeClr val="accent2"/>
-                </a:solidFill>
-              </a:rPr>
-              <a:t>2 (700, 1000)</a:t>
-            </a:r>
-          </a:p>
-          <a:p>
-            <a:r>
-              <a:rPr lang="en-US" altLang="ko-KR" sz="1200" dirty="0">
-                <a:solidFill>
-                  <a:schemeClr val="accent2"/>
-                </a:solidFill>
-              </a:rPr>
-              <a:t>3 (430, 530)</a:t>
-            </a:r>
-          </a:p>
-          <a:p>
-            <a:r>
-              <a:rPr lang="en-US" altLang="ko-KR" sz="1200" dirty="0">
-                <a:solidFill>
-                  <a:schemeClr val="accent2"/>
-                </a:solidFill>
-              </a:rPr>
-              <a:t>4 (-2400, 600)</a:t>
-            </a:r>
-          </a:p>
-        </p:txBody>
-      </p:sp>
-      <p:sp>
-        <p:nvSpPr>
-          <p:cNvPr id="21" name="TextBox 20">
-            <a:extLst>
-              <a:ext uri="{FF2B5EF4-FFF2-40B4-BE49-F238E27FC236}">
-                <a16:creationId xmlns:a16="http://schemas.microsoft.com/office/drawing/2014/main" id="{50B9C05B-F714-4199-9ACC-C0AD1DC933E5}"/>
-              </a:ext>
-            </a:extLst>
-          </p:cNvPr>
-          <p:cNvSpPr txBox="1"/>
-          <p:nvPr/>
-        </p:nvSpPr>
-        <p:spPr>
-          <a:xfrm>
-            <a:off x="6927454" y="3392"/>
-            <a:ext cx="2029509" cy="646331"/>
-          </a:xfrm>
-          <a:prstGeom prst="rect">
-            <a:avLst/>
-          </a:prstGeom>
-          <a:noFill/>
-        </p:spPr>
-        <p:txBody>
-          <a:bodyPr wrap="square" rtlCol="0">
-            <a:spAutoFit/>
-          </a:bodyPr>
-          <a:lstStyle/>
-          <a:p>
-            <a:r>
-              <a:rPr lang="en-US" altLang="ko-KR" sz="1200" dirty="0">
-                <a:solidFill>
-                  <a:schemeClr val="accent2"/>
-                </a:solidFill>
-              </a:rPr>
-              <a:t>(x, z)</a:t>
-            </a:r>
-          </a:p>
-          <a:p>
-            <a:r>
-              <a:rPr lang="en-US" altLang="ko-KR" sz="1200" dirty="0">
-                <a:solidFill>
-                  <a:schemeClr val="accent2"/>
-                </a:solidFill>
-              </a:rPr>
-              <a:t>(2000, 1140~800)</a:t>
-            </a:r>
-          </a:p>
-          <a:p>
-            <a:endParaRPr lang="en-US" altLang="ko-KR" sz="1200" dirty="0">
+              <a:rPr lang="en-US" altLang="ko-KR" sz="1200" dirty="0">
+                <a:solidFill>
+                  <a:schemeClr val="accent2"/>
+                </a:solidFill>
+              </a:rPr>
+              <a:t>330, -40</a:t>
+            </a:r>
+            <a:endParaRPr lang="ko-KR" altLang="en-US" sz="1200" dirty="0">
               <a:solidFill>
                 <a:schemeClr val="accent2"/>
               </a:solidFill>
@@ -4722,10 +4926,10 @@
       </p:sp>
       <p:sp>
         <p:nvSpPr>
-          <p:cNvPr id="22" name="TextBox 21">
-            <a:extLst>
-              <a:ext uri="{FF2B5EF4-FFF2-40B4-BE49-F238E27FC236}">
-                <a16:creationId xmlns:a16="http://schemas.microsoft.com/office/drawing/2014/main" id="{300C72C4-BB14-4CD1-821C-ACDA4517C488}"/>
+          <p:cNvPr id="33" name="TextBox 32">
+            <a:extLst>
+              <a:ext uri="{FF2B5EF4-FFF2-40B4-BE49-F238E27FC236}">
+                <a16:creationId xmlns:a16="http://schemas.microsoft.com/office/drawing/2014/main" id="{22B24551-1CE4-40D1-A069-41B61538F0BC}"/>
               </a:ext>
             </a:extLst>
           </p:cNvPr>
@@ -4734,8 +4938,8 @@
         </p:nvSpPr>
         <p:spPr>
           <a:xfrm>
-            <a:off x="8752292" y="1719676"/>
-            <a:ext cx="1439818" cy="1015663"/>
+            <a:off x="2022955" y="124882"/>
+            <a:ext cx="930063" cy="276999"/>
           </a:xfrm>
           <a:prstGeom prst="rect">
             <a:avLst/>
@@ -4749,129 +4953,14 @@
           <a:lstStyle/>
           <a:p>
             <a:r>
-              <a:rPr lang="ko-KR" altLang="en-US" sz="1200" dirty="0">
-                <a:solidFill>
-                  <a:schemeClr val="accent2"/>
-                </a:solidFill>
-              </a:rPr>
-              <a:t>경로</a:t>
-            </a:r>
-            <a:r>
-              <a:rPr lang="en-US" altLang="ko-KR" sz="1200" dirty="0">
-                <a:solidFill>
-                  <a:schemeClr val="accent2"/>
-                </a:solidFill>
-              </a:rPr>
-              <a:t>4(</a:t>
-            </a:r>
-            <a:r>
-              <a:rPr lang="ko-KR" altLang="en-US" sz="1200" dirty="0">
-                <a:solidFill>
-                  <a:schemeClr val="accent2"/>
-                </a:solidFill>
-              </a:rPr>
-              <a:t>오른쪽시작</a:t>
-            </a:r>
-            <a:r>
-              <a:rPr lang="en-US" altLang="ko-KR" sz="1200" dirty="0">
-                <a:solidFill>
-                  <a:schemeClr val="accent2"/>
-                </a:solidFill>
-              </a:rPr>
-              <a:t>)</a:t>
-            </a:r>
-          </a:p>
-          <a:p>
-            <a:r>
-              <a:rPr lang="en-US" altLang="ko-KR" sz="1200" dirty="0">
-                <a:solidFill>
-                  <a:schemeClr val="accent2"/>
-                </a:solidFill>
-              </a:rPr>
-              <a:t>1 (2000, -400)</a:t>
-            </a:r>
-          </a:p>
-          <a:p>
-            <a:r>
-              <a:rPr lang="en-US" altLang="ko-KR" sz="1200" dirty="0">
-                <a:solidFill>
-                  <a:schemeClr val="accent2"/>
-                </a:solidFill>
-              </a:rPr>
-              <a:t>2 (700, -450)</a:t>
-            </a:r>
-          </a:p>
-          <a:p>
-            <a:r>
-              <a:rPr lang="en-US" altLang="ko-KR" sz="1200" dirty="0">
-                <a:solidFill>
-                  <a:schemeClr val="accent2"/>
-                </a:solidFill>
-              </a:rPr>
-              <a:t>3 (430, 210)</a:t>
-            </a:r>
-          </a:p>
-          <a:p>
-            <a:r>
-              <a:rPr lang="en-US" altLang="ko-KR" sz="1200" dirty="0">
-                <a:solidFill>
-                  <a:schemeClr val="accent2"/>
-                </a:solidFill>
-              </a:rPr>
-              <a:t>4 (-2400, 200)</a:t>
-            </a:r>
-          </a:p>
-        </p:txBody>
-      </p:sp>
-      <p:sp>
-        <p:nvSpPr>
-          <p:cNvPr id="24" name="TextBox 23">
-            <a:extLst>
-              <a:ext uri="{FF2B5EF4-FFF2-40B4-BE49-F238E27FC236}">
-                <a16:creationId xmlns:a16="http://schemas.microsoft.com/office/drawing/2014/main" id="{A08B7A96-4451-4C8C-9984-AB0734B7E3A2}"/>
-              </a:ext>
-            </a:extLst>
-          </p:cNvPr>
-          <p:cNvSpPr txBox="1"/>
-          <p:nvPr/>
-        </p:nvSpPr>
-        <p:spPr>
-          <a:xfrm>
-            <a:off x="8770198" y="0"/>
-            <a:ext cx="2029509" cy="646331"/>
-          </a:xfrm>
-          <a:prstGeom prst="rect">
-            <a:avLst/>
-          </a:prstGeom>
-          <a:noFill/>
-        </p:spPr>
-        <p:txBody>
-          <a:bodyPr wrap="square" rtlCol="0">
-            <a:spAutoFit/>
-          </a:bodyPr>
-          <a:lstStyle/>
-          <a:p>
-            <a:r>
-              <a:rPr lang="en-US" altLang="ko-KR" sz="1200" dirty="0">
-                <a:solidFill>
-                  <a:schemeClr val="accent2"/>
-                </a:solidFill>
-              </a:rPr>
-              <a:t>(x, z)</a:t>
-            </a:r>
-          </a:p>
-          <a:p>
-            <a:r>
-              <a:rPr lang="en-US" altLang="ko-KR" sz="1200" dirty="0">
-                <a:solidFill>
-                  <a:schemeClr val="accent2"/>
-                </a:solidFill>
-              </a:rPr>
-              <a:t>(2000, - 200~ -450)</a:t>
-            </a:r>
-          </a:p>
-          <a:p>
-            <a:endParaRPr lang="en-US" altLang="ko-KR" sz="1200" dirty="0">
+              <a:rPr lang="en-US" altLang="ko-KR" sz="1200" dirty="0">
+                <a:solidFill>
+                  <a:schemeClr val="accent2"/>
+                </a:solidFill>
+              </a:rPr>
+              <a:t>-380, 4200</a:t>
+            </a:r>
+            <a:endParaRPr lang="ko-KR" altLang="en-US" sz="1200" dirty="0">
               <a:solidFill>
                 <a:schemeClr val="accent2"/>
               </a:solidFill>
@@ -4879,161 +4968,43 @@
           </a:p>
         </p:txBody>
       </p:sp>
-      <p:cxnSp>
-        <p:nvCxnSpPr>
-          <p:cNvPr id="28" name="직선 화살표 연결선 27">
-            <a:extLst>
-              <a:ext uri="{FF2B5EF4-FFF2-40B4-BE49-F238E27FC236}">
-                <a16:creationId xmlns:a16="http://schemas.microsoft.com/office/drawing/2014/main" id="{722DD9B4-F041-40EF-A5E0-966B1449EF0B}"/>
-              </a:ext>
-            </a:extLst>
-          </p:cNvPr>
-          <p:cNvCxnSpPr/>
+      <p:sp>
+        <p:nvSpPr>
+          <p:cNvPr id="34" name="TextBox 33">
+            <a:extLst>
+              <a:ext uri="{FF2B5EF4-FFF2-40B4-BE49-F238E27FC236}">
+                <a16:creationId xmlns:a16="http://schemas.microsoft.com/office/drawing/2014/main" id="{723D342E-380E-4C7B-9F5F-E167FA0A0813}"/>
+              </a:ext>
+            </a:extLst>
+          </p:cNvPr>
+          <p:cNvSpPr txBox="1"/>
           <p:nvPr/>
-        </p:nvCxnSpPr>
-        <p:spPr>
-          <a:xfrm flipV="1">
-            <a:off x="5874329" y="4380339"/>
-            <a:ext cx="0" cy="1455476"/>
-          </a:xfrm>
-          <a:prstGeom prst="straightConnector1">
-            <a:avLst/>
-          </a:prstGeom>
-          <a:ln>
-            <a:tailEnd type="triangle"/>
-          </a:ln>
-        </p:spPr>
-        <p:style>
-          <a:lnRef idx="1">
-            <a:schemeClr val="accent1"/>
-          </a:lnRef>
-          <a:fillRef idx="0">
-            <a:schemeClr val="accent1"/>
-          </a:fillRef>
-          <a:effectRef idx="0">
-            <a:schemeClr val="accent1"/>
-          </a:effectRef>
-          <a:fontRef idx="minor">
-            <a:schemeClr val="tx1"/>
-          </a:fontRef>
-        </p:style>
-      </p:cxnSp>
-      <p:cxnSp>
-        <p:nvCxnSpPr>
-          <p:cNvPr id="29" name="직선 화살표 연결선 28">
-            <a:extLst>
-              <a:ext uri="{FF2B5EF4-FFF2-40B4-BE49-F238E27FC236}">
-                <a16:creationId xmlns:a16="http://schemas.microsoft.com/office/drawing/2014/main" id="{8AD5F7C1-C937-475A-BA12-82FC801D4E69}"/>
-              </a:ext>
-            </a:extLst>
-          </p:cNvPr>
-          <p:cNvCxnSpPr>
-            <a:cxnSpLocks/>
-          </p:cNvCxnSpPr>
-          <p:nvPr/>
-        </p:nvCxnSpPr>
-        <p:spPr>
-          <a:xfrm flipH="1">
-            <a:off x="4163291" y="5882993"/>
-            <a:ext cx="1754264" cy="0"/>
-          </a:xfrm>
-          <a:prstGeom prst="straightConnector1">
-            <a:avLst/>
-          </a:prstGeom>
-          <a:ln>
-            <a:tailEnd type="triangle"/>
-          </a:ln>
-        </p:spPr>
-        <p:style>
-          <a:lnRef idx="1">
-            <a:schemeClr val="accent1"/>
-          </a:lnRef>
-          <a:fillRef idx="0">
-            <a:schemeClr val="accent1"/>
-          </a:fillRef>
-          <a:effectRef idx="0">
-            <a:schemeClr val="accent1"/>
-          </a:effectRef>
-          <a:fontRef idx="minor">
-            <a:schemeClr val="tx1"/>
-          </a:fontRef>
-        </p:style>
-      </p:cxnSp>
-      <p:sp>
-        <p:nvSpPr>
-          <p:cNvPr id="30" name="직사각형 29">
-            <a:extLst>
-              <a:ext uri="{FF2B5EF4-FFF2-40B4-BE49-F238E27FC236}">
-                <a16:creationId xmlns:a16="http://schemas.microsoft.com/office/drawing/2014/main" id="{8C62E744-2A6A-4E2F-8633-ADD89ED36B0A}"/>
-              </a:ext>
-            </a:extLst>
-          </p:cNvPr>
-          <p:cNvSpPr/>
-          <p:nvPr/>
-        </p:nvSpPr>
-        <p:spPr>
-          <a:xfrm>
-            <a:off x="5623939" y="5835815"/>
-            <a:ext cx="250390" cy="261610"/>
-          </a:xfrm>
-          <a:prstGeom prst="rect">
-            <a:avLst/>
-          </a:prstGeom>
-        </p:spPr>
-        <p:txBody>
-          <a:bodyPr wrap="none">
+        </p:nvSpPr>
+        <p:spPr>
+          <a:xfrm>
+            <a:off x="5162163" y="85563"/>
+            <a:ext cx="867545" cy="276999"/>
+          </a:xfrm>
+          <a:prstGeom prst="rect">
+            <a:avLst/>
+          </a:prstGeom>
+          <a:noFill/>
+        </p:spPr>
+        <p:txBody>
+          <a:bodyPr wrap="none" rtlCol="0">
             <a:spAutoFit/>
           </a:bodyPr>
           <a:lstStyle/>
           <a:p>
             <a:r>
-              <a:rPr lang="en-US" altLang="ko-KR" sz="1100" dirty="0">
-                <a:solidFill>
-                  <a:schemeClr val="accent2"/>
-                </a:solidFill>
-              </a:rPr>
-              <a:t>z</a:t>
-            </a:r>
-            <a:endParaRPr lang="ko-KR" altLang="en-US" sz="1100" dirty="0"/>
-          </a:p>
-        </p:txBody>
-      </p:sp>
-      <p:sp>
-        <p:nvSpPr>
-          <p:cNvPr id="31" name="직사각형 30">
-            <a:extLst>
-              <a:ext uri="{FF2B5EF4-FFF2-40B4-BE49-F238E27FC236}">
-                <a16:creationId xmlns:a16="http://schemas.microsoft.com/office/drawing/2014/main" id="{48414632-D1F9-43D4-935E-41731FC3E8A0}"/>
-              </a:ext>
-            </a:extLst>
-          </p:cNvPr>
-          <p:cNvSpPr/>
-          <p:nvPr/>
-        </p:nvSpPr>
-        <p:spPr>
-          <a:xfrm>
-            <a:off x="5946994" y="5602262"/>
-            <a:ext cx="250390" cy="261610"/>
-          </a:xfrm>
-          <a:prstGeom prst="rect">
-            <a:avLst/>
-          </a:prstGeom>
-        </p:spPr>
-        <p:txBody>
-          <a:bodyPr wrap="none">
-            <a:spAutoFit/>
-          </a:bodyPr>
-          <a:lstStyle/>
-          <a:p>
-            <a:r>
-              <a:rPr lang="en-US" altLang="ko-KR" sz="1100" dirty="0">
-                <a:solidFill>
-                  <a:schemeClr val="accent2"/>
-                </a:solidFill>
-              </a:rPr>
-              <a:t>x</a:t>
-            </a:r>
-            <a:endParaRPr lang="ko-KR" altLang="en-US" sz="1100" dirty="0">
+              <a:rPr lang="en-US" altLang="ko-KR" sz="1200" dirty="0">
+                <a:solidFill>
+                  <a:schemeClr val="accent2"/>
+                </a:solidFill>
+              </a:rPr>
+              <a:t>750, 4200</a:t>
+            </a:r>
+            <a:endParaRPr lang="ko-KR" altLang="en-US" sz="1200" dirty="0">
               <a:solidFill>
                 <a:schemeClr val="accent2"/>
               </a:solidFill>
@@ -5041,10 +5012,216 @@
           </a:p>
         </p:txBody>
       </p:sp>
+      <p:sp>
+        <p:nvSpPr>
+          <p:cNvPr id="28" name="TextBox 27">
+            <a:extLst>
+              <a:ext uri="{FF2B5EF4-FFF2-40B4-BE49-F238E27FC236}">
+                <a16:creationId xmlns:a16="http://schemas.microsoft.com/office/drawing/2014/main" id="{3FF17BBE-B810-49D1-B404-AEB58A832EDA}"/>
+              </a:ext>
+            </a:extLst>
+          </p:cNvPr>
+          <p:cNvSpPr txBox="1"/>
+          <p:nvPr/>
+        </p:nvSpPr>
+        <p:spPr>
+          <a:xfrm>
+            <a:off x="8752292" y="1816534"/>
+            <a:ext cx="1439818" cy="1015663"/>
+          </a:xfrm>
+          <a:prstGeom prst="rect">
+            <a:avLst/>
+          </a:prstGeom>
+          <a:noFill/>
+        </p:spPr>
+        <p:txBody>
+          <a:bodyPr wrap="none" rtlCol="0">
+            <a:spAutoFit/>
+          </a:bodyPr>
+          <a:lstStyle/>
+          <a:p>
+            <a:r>
+              <a:rPr lang="ko-KR" altLang="en-US" sz="1200" dirty="0">
+                <a:solidFill>
+                  <a:schemeClr val="accent2"/>
+                </a:solidFill>
+              </a:rPr>
+              <a:t>경로</a:t>
+            </a:r>
+            <a:r>
+              <a:rPr lang="en-US" altLang="ko-KR" sz="1200" dirty="0">
+                <a:solidFill>
+                  <a:schemeClr val="accent2"/>
+                </a:solidFill>
+              </a:rPr>
+              <a:t>5(</a:t>
+            </a:r>
+            <a:r>
+              <a:rPr lang="ko-KR" altLang="en-US" sz="1200" dirty="0">
+                <a:solidFill>
+                  <a:schemeClr val="accent2"/>
+                </a:solidFill>
+              </a:rPr>
+              <a:t>오른쪽시작</a:t>
+            </a:r>
+            <a:r>
+              <a:rPr lang="en-US" altLang="ko-KR" sz="1200" dirty="0">
+                <a:solidFill>
+                  <a:schemeClr val="accent2"/>
+                </a:solidFill>
+              </a:rPr>
+              <a:t>)</a:t>
+            </a:r>
+          </a:p>
+          <a:p>
+            <a:r>
+              <a:rPr lang="en-US" altLang="ko-KR" sz="1200" dirty="0">
+                <a:solidFill>
+                  <a:schemeClr val="accent2"/>
+                </a:solidFill>
+              </a:rPr>
+              <a:t>1 (570, 4200)</a:t>
+            </a:r>
+          </a:p>
+          <a:p>
+            <a:r>
+              <a:rPr lang="en-US" altLang="ko-KR" sz="1200" dirty="0">
+                <a:solidFill>
+                  <a:schemeClr val="accent2"/>
+                </a:solidFill>
+              </a:rPr>
+              <a:t>2 (490, 3130)</a:t>
+            </a:r>
+          </a:p>
+          <a:p>
+            <a:r>
+              <a:rPr lang="en-US" altLang="ko-KR" sz="1200" dirty="0">
+                <a:solidFill>
+                  <a:schemeClr val="accent2"/>
+                </a:solidFill>
+              </a:rPr>
+              <a:t>3 (80, 3010)</a:t>
+            </a:r>
+          </a:p>
+          <a:p>
+            <a:r>
+              <a:rPr lang="en-US" altLang="ko-KR" sz="1200" dirty="0">
+                <a:solidFill>
+                  <a:schemeClr val="accent2"/>
+                </a:solidFill>
+              </a:rPr>
+              <a:t>4 (0, -30)</a:t>
+            </a:r>
+          </a:p>
+        </p:txBody>
+      </p:sp>
+      <p:sp>
+        <p:nvSpPr>
+          <p:cNvPr id="29" name="TextBox 28">
+            <a:extLst>
+              <a:ext uri="{FF2B5EF4-FFF2-40B4-BE49-F238E27FC236}">
+                <a16:creationId xmlns:a16="http://schemas.microsoft.com/office/drawing/2014/main" id="{18A4E7D4-6FC8-47AF-BFBD-B5EE75874C08}"/>
+              </a:ext>
+            </a:extLst>
+          </p:cNvPr>
+          <p:cNvSpPr txBox="1"/>
+          <p:nvPr/>
+        </p:nvSpPr>
+        <p:spPr>
+          <a:xfrm>
+            <a:off x="10533521" y="1816533"/>
+            <a:ext cx="1439818" cy="1015663"/>
+          </a:xfrm>
+          <a:prstGeom prst="rect">
+            <a:avLst/>
+          </a:prstGeom>
+          <a:noFill/>
+        </p:spPr>
+        <p:txBody>
+          <a:bodyPr wrap="none" rtlCol="0">
+            <a:spAutoFit/>
+          </a:bodyPr>
+          <a:lstStyle/>
+          <a:p>
+            <a:r>
+              <a:rPr lang="ko-KR" altLang="en-US" sz="1200" dirty="0">
+                <a:solidFill>
+                  <a:schemeClr val="accent2"/>
+                </a:solidFill>
+              </a:rPr>
+              <a:t>경로</a:t>
+            </a:r>
+            <a:r>
+              <a:rPr lang="en-US" altLang="ko-KR" sz="1200" dirty="0">
+                <a:solidFill>
+                  <a:schemeClr val="accent2"/>
+                </a:solidFill>
+              </a:rPr>
+              <a:t>5(</a:t>
+            </a:r>
+            <a:r>
+              <a:rPr lang="ko-KR" altLang="en-US" sz="1200" dirty="0">
+                <a:solidFill>
+                  <a:schemeClr val="accent2"/>
+                </a:solidFill>
+              </a:rPr>
+              <a:t>오른쪽시작</a:t>
+            </a:r>
+            <a:r>
+              <a:rPr lang="en-US" altLang="ko-KR" sz="1200" dirty="0">
+                <a:solidFill>
+                  <a:schemeClr val="accent2"/>
+                </a:solidFill>
+              </a:rPr>
+              <a:t>)</a:t>
+            </a:r>
+          </a:p>
+          <a:p>
+            <a:r>
+              <a:rPr lang="en-US" altLang="ko-KR" sz="1200" dirty="0">
+                <a:solidFill>
+                  <a:schemeClr val="accent2"/>
+                </a:solidFill>
+              </a:rPr>
+              <a:t>1 (720, 4200)</a:t>
+            </a:r>
+          </a:p>
+          <a:p>
+            <a:r>
+              <a:rPr lang="en-US" altLang="ko-KR" sz="1200" dirty="0">
+                <a:solidFill>
+                  <a:schemeClr val="accent2"/>
+                </a:solidFill>
+              </a:rPr>
+              <a:t>2 (620, 3100)</a:t>
+            </a:r>
+          </a:p>
+          <a:p>
+            <a:r>
+              <a:rPr lang="en-US" altLang="ko-KR" sz="1200" dirty="0">
+                <a:solidFill>
+                  <a:schemeClr val="accent2"/>
+                </a:solidFill>
+              </a:rPr>
+              <a:t>3 (210, 2910)</a:t>
+            </a:r>
+          </a:p>
+          <a:p>
+            <a:r>
+              <a:rPr lang="en-US" altLang="ko-KR" sz="1200" dirty="0">
+                <a:solidFill>
+                  <a:schemeClr val="accent2"/>
+                </a:solidFill>
+              </a:rPr>
+              <a:t>4 (0, -30)</a:t>
+            </a:r>
+          </a:p>
+        </p:txBody>
+      </p:sp>
     </p:spTree>
     <p:extLst>
       <p:ext uri="{BB962C8B-B14F-4D97-AF65-F5344CB8AC3E}">
-        <p14:creationId xmlns:p14="http://schemas.microsoft.com/office/powerpoint/2010/main" val="637474504"/>
+        <p14:creationId xmlns:p14="http://schemas.microsoft.com/office/powerpoint/2010/main" val="1019123229"/>
       </p:ext>
     </p:extLst>
   </p:cSld>
@@ -5055,6 +5232,2138 @@
 </file>
 
 <file path=ppt/slides/slide2.xml><?xml version="1.0" encoding="utf-8"?>
+<p:sld xmlns:a="http://schemas.openxmlformats.org/drawingml/2006/main" xmlns:r="http://schemas.openxmlformats.org/officeDocument/2006/relationships" xmlns:p="http://schemas.openxmlformats.org/presentationml/2006/main">
+  <p:cSld>
+    <p:spTree>
+      <p:nvGrpSpPr>
+        <p:cNvPr id="1" name=""/>
+        <p:cNvGrpSpPr/>
+        <p:nvPr/>
+      </p:nvGrpSpPr>
+      <p:grpSpPr>
+        <a:xfrm>
+          <a:off x="0" y="0"/>
+          <a:ext cx="0" cy="0"/>
+          <a:chOff x="0" y="0"/>
+          <a:chExt cx="0" cy="0"/>
+        </a:xfrm>
+      </p:grpSpPr>
+      <p:pic>
+        <p:nvPicPr>
+          <p:cNvPr id="3" name="그림 2">
+            <a:extLst>
+              <a:ext uri="{FF2B5EF4-FFF2-40B4-BE49-F238E27FC236}">
+                <a16:creationId xmlns:a16="http://schemas.microsoft.com/office/drawing/2014/main" id="{C4DBB62E-7B8B-430B-A5C4-F7227A7BCFE9}"/>
+              </a:ext>
+            </a:extLst>
+          </p:cNvPr>
+          <p:cNvPicPr>
+            <a:picLocks noChangeAspect="1"/>
+          </p:cNvPicPr>
+          <p:nvPr/>
+        </p:nvPicPr>
+        <p:blipFill>
+          <a:blip r:embed="rId2"/>
+          <a:stretch>
+            <a:fillRect/>
+          </a:stretch>
+        </p:blipFill>
+        <p:spPr>
+          <a:xfrm>
+            <a:off x="217457" y="114300"/>
+            <a:ext cx="4079980" cy="6463145"/>
+          </a:xfrm>
+          <a:prstGeom prst="rect">
+            <a:avLst/>
+          </a:prstGeom>
+        </p:spPr>
+      </p:pic>
+      <p:sp>
+        <p:nvSpPr>
+          <p:cNvPr id="4" name="TextBox 3">
+            <a:extLst>
+              <a:ext uri="{FF2B5EF4-FFF2-40B4-BE49-F238E27FC236}">
+                <a16:creationId xmlns:a16="http://schemas.microsoft.com/office/drawing/2014/main" id="{596089ED-8334-4916-AF96-BDDDC70FA429}"/>
+              </a:ext>
+            </a:extLst>
+          </p:cNvPr>
+          <p:cNvSpPr txBox="1"/>
+          <p:nvPr/>
+        </p:nvSpPr>
+        <p:spPr>
+          <a:xfrm>
+            <a:off x="0" y="3556"/>
+            <a:ext cx="930063" cy="276999"/>
+          </a:xfrm>
+          <a:prstGeom prst="rect">
+            <a:avLst/>
+          </a:prstGeom>
+          <a:noFill/>
+        </p:spPr>
+        <p:txBody>
+          <a:bodyPr wrap="none" rtlCol="0">
+            <a:spAutoFit/>
+          </a:bodyPr>
+          <a:lstStyle/>
+          <a:p>
+            <a:r>
+              <a:rPr lang="en-US" altLang="ko-KR" sz="1200" dirty="0">
+                <a:solidFill>
+                  <a:schemeClr val="accent2"/>
+                </a:solidFill>
+              </a:rPr>
+              <a:t>-760, 2850</a:t>
+            </a:r>
+            <a:endParaRPr lang="ko-KR" altLang="en-US" sz="1200" dirty="0">
+              <a:solidFill>
+                <a:schemeClr val="accent2"/>
+              </a:solidFill>
+            </a:endParaRPr>
+          </a:p>
+        </p:txBody>
+      </p:sp>
+      <p:sp>
+        <p:nvSpPr>
+          <p:cNvPr id="5" name="TextBox 4">
+            <a:extLst>
+              <a:ext uri="{FF2B5EF4-FFF2-40B4-BE49-F238E27FC236}">
+                <a16:creationId xmlns:a16="http://schemas.microsoft.com/office/drawing/2014/main" id="{CF67FC8A-8AB6-4640-8990-BA72DAA652B2}"/>
+              </a:ext>
+            </a:extLst>
+          </p:cNvPr>
+          <p:cNvSpPr txBox="1"/>
+          <p:nvPr/>
+        </p:nvSpPr>
+        <p:spPr>
+          <a:xfrm>
+            <a:off x="-1" y="1880847"/>
+            <a:ext cx="930063" cy="276999"/>
+          </a:xfrm>
+          <a:prstGeom prst="rect">
+            <a:avLst/>
+          </a:prstGeom>
+          <a:noFill/>
+        </p:spPr>
+        <p:txBody>
+          <a:bodyPr wrap="none" rtlCol="0">
+            <a:spAutoFit/>
+          </a:bodyPr>
+          <a:lstStyle/>
+          <a:p>
+            <a:r>
+              <a:rPr lang="en-US" altLang="ko-KR" sz="1200" dirty="0">
+                <a:solidFill>
+                  <a:schemeClr val="accent2"/>
+                </a:solidFill>
+              </a:rPr>
+              <a:t>-760, 1470</a:t>
+            </a:r>
+            <a:endParaRPr lang="ko-KR" altLang="en-US" sz="1200" dirty="0">
+              <a:solidFill>
+                <a:schemeClr val="accent2"/>
+              </a:solidFill>
+            </a:endParaRPr>
+          </a:p>
+        </p:txBody>
+      </p:sp>
+      <p:sp>
+        <p:nvSpPr>
+          <p:cNvPr id="6" name="TextBox 5">
+            <a:extLst>
+              <a:ext uri="{FF2B5EF4-FFF2-40B4-BE49-F238E27FC236}">
+                <a16:creationId xmlns:a16="http://schemas.microsoft.com/office/drawing/2014/main" id="{C5AA02FA-C02D-4F0B-8025-9419F0D785CA}"/>
+              </a:ext>
+            </a:extLst>
+          </p:cNvPr>
+          <p:cNvSpPr txBox="1"/>
+          <p:nvPr/>
+        </p:nvSpPr>
+        <p:spPr>
+          <a:xfrm>
+            <a:off x="1327384" y="48399"/>
+            <a:ext cx="930063" cy="276999"/>
+          </a:xfrm>
+          <a:prstGeom prst="rect">
+            <a:avLst/>
+          </a:prstGeom>
+          <a:noFill/>
+        </p:spPr>
+        <p:txBody>
+          <a:bodyPr wrap="none" rtlCol="0">
+            <a:spAutoFit/>
+          </a:bodyPr>
+          <a:lstStyle/>
+          <a:p>
+            <a:r>
+              <a:rPr lang="en-US" altLang="ko-KR" sz="1200" dirty="0">
+                <a:solidFill>
+                  <a:schemeClr val="accent2"/>
+                </a:solidFill>
+              </a:rPr>
+              <a:t>-390, 2850</a:t>
+            </a:r>
+            <a:endParaRPr lang="ko-KR" altLang="en-US" sz="1200" dirty="0">
+              <a:solidFill>
+                <a:schemeClr val="accent2"/>
+              </a:solidFill>
+            </a:endParaRPr>
+          </a:p>
+        </p:txBody>
+      </p:sp>
+      <p:sp>
+        <p:nvSpPr>
+          <p:cNvPr id="7" name="TextBox 6">
+            <a:extLst>
+              <a:ext uri="{FF2B5EF4-FFF2-40B4-BE49-F238E27FC236}">
+                <a16:creationId xmlns:a16="http://schemas.microsoft.com/office/drawing/2014/main" id="{64B36F70-56CB-45C7-B144-9D7ED2AF6C12}"/>
+              </a:ext>
+            </a:extLst>
+          </p:cNvPr>
+          <p:cNvSpPr txBox="1"/>
+          <p:nvPr/>
+        </p:nvSpPr>
+        <p:spPr>
+          <a:xfrm>
+            <a:off x="1199230" y="1063244"/>
+            <a:ext cx="930063" cy="276999"/>
+          </a:xfrm>
+          <a:prstGeom prst="rect">
+            <a:avLst/>
+          </a:prstGeom>
+          <a:noFill/>
+        </p:spPr>
+        <p:txBody>
+          <a:bodyPr wrap="none" rtlCol="0">
+            <a:spAutoFit/>
+          </a:bodyPr>
+          <a:lstStyle/>
+          <a:p>
+            <a:r>
+              <a:rPr lang="en-US" altLang="ko-KR" sz="1200" dirty="0">
+                <a:solidFill>
+                  <a:schemeClr val="accent2"/>
+                </a:solidFill>
+              </a:rPr>
+              <a:t>-390, 1990</a:t>
+            </a:r>
+            <a:endParaRPr lang="ko-KR" altLang="en-US" sz="1200" dirty="0">
+              <a:solidFill>
+                <a:schemeClr val="accent2"/>
+              </a:solidFill>
+            </a:endParaRPr>
+          </a:p>
+        </p:txBody>
+      </p:sp>
+      <p:sp>
+        <p:nvSpPr>
+          <p:cNvPr id="8" name="TextBox 7">
+            <a:extLst>
+              <a:ext uri="{FF2B5EF4-FFF2-40B4-BE49-F238E27FC236}">
+                <a16:creationId xmlns:a16="http://schemas.microsoft.com/office/drawing/2014/main" id="{E0B44AB8-05C1-4126-9A21-B89F7969C997}"/>
+              </a:ext>
+            </a:extLst>
+          </p:cNvPr>
+          <p:cNvSpPr txBox="1"/>
+          <p:nvPr/>
+        </p:nvSpPr>
+        <p:spPr>
+          <a:xfrm>
+            <a:off x="2346750" y="1063244"/>
+            <a:ext cx="867545" cy="276999"/>
+          </a:xfrm>
+          <a:prstGeom prst="rect">
+            <a:avLst/>
+          </a:prstGeom>
+          <a:noFill/>
+        </p:spPr>
+        <p:txBody>
+          <a:bodyPr wrap="none" rtlCol="0">
+            <a:spAutoFit/>
+          </a:bodyPr>
+          <a:lstStyle/>
+          <a:p>
+            <a:r>
+              <a:rPr lang="en-US" altLang="ko-KR" sz="1200" dirty="0">
+                <a:solidFill>
+                  <a:schemeClr val="accent2"/>
+                </a:solidFill>
+              </a:rPr>
+              <a:t>390, 1990</a:t>
+            </a:r>
+            <a:endParaRPr lang="ko-KR" altLang="en-US" sz="1200" dirty="0">
+              <a:solidFill>
+                <a:schemeClr val="accent2"/>
+              </a:solidFill>
+            </a:endParaRPr>
+          </a:p>
+        </p:txBody>
+      </p:sp>
+      <p:sp>
+        <p:nvSpPr>
+          <p:cNvPr id="9" name="TextBox 8">
+            <a:extLst>
+              <a:ext uri="{FF2B5EF4-FFF2-40B4-BE49-F238E27FC236}">
+                <a16:creationId xmlns:a16="http://schemas.microsoft.com/office/drawing/2014/main" id="{3B65E5D4-A27C-4F5A-AE3B-DBD7F97905A5}"/>
+              </a:ext>
+            </a:extLst>
+          </p:cNvPr>
+          <p:cNvSpPr txBox="1"/>
+          <p:nvPr/>
+        </p:nvSpPr>
+        <p:spPr>
+          <a:xfrm>
+            <a:off x="2346750" y="48398"/>
+            <a:ext cx="867545" cy="276999"/>
+          </a:xfrm>
+          <a:prstGeom prst="rect">
+            <a:avLst/>
+          </a:prstGeom>
+          <a:noFill/>
+        </p:spPr>
+        <p:txBody>
+          <a:bodyPr wrap="none" rtlCol="0">
+            <a:spAutoFit/>
+          </a:bodyPr>
+          <a:lstStyle/>
+          <a:p>
+            <a:r>
+              <a:rPr lang="en-US" altLang="ko-KR" sz="1200" dirty="0">
+                <a:solidFill>
+                  <a:schemeClr val="accent2"/>
+                </a:solidFill>
+              </a:rPr>
+              <a:t>390, 2850</a:t>
+            </a:r>
+            <a:endParaRPr lang="ko-KR" altLang="en-US" sz="1200" dirty="0">
+              <a:solidFill>
+                <a:schemeClr val="accent2"/>
+              </a:solidFill>
+            </a:endParaRPr>
+          </a:p>
+        </p:txBody>
+      </p:sp>
+      <p:sp>
+        <p:nvSpPr>
+          <p:cNvPr id="10" name="TextBox 9">
+            <a:extLst>
+              <a:ext uri="{FF2B5EF4-FFF2-40B4-BE49-F238E27FC236}">
+                <a16:creationId xmlns:a16="http://schemas.microsoft.com/office/drawing/2014/main" id="{54BA0667-A8F6-4DD8-BD61-24EF53B52D15}"/>
+              </a:ext>
+            </a:extLst>
+          </p:cNvPr>
+          <p:cNvSpPr txBox="1"/>
+          <p:nvPr/>
+        </p:nvSpPr>
+        <p:spPr>
+          <a:xfrm>
+            <a:off x="3832405" y="76154"/>
+            <a:ext cx="867545" cy="276999"/>
+          </a:xfrm>
+          <a:prstGeom prst="rect">
+            <a:avLst/>
+          </a:prstGeom>
+          <a:noFill/>
+        </p:spPr>
+        <p:txBody>
+          <a:bodyPr wrap="none" rtlCol="0">
+            <a:spAutoFit/>
+          </a:bodyPr>
+          <a:lstStyle/>
+          <a:p>
+            <a:r>
+              <a:rPr lang="en-US" altLang="ko-KR" sz="1200" dirty="0">
+                <a:solidFill>
+                  <a:schemeClr val="accent2"/>
+                </a:solidFill>
+              </a:rPr>
+              <a:t>760, 2850</a:t>
+            </a:r>
+            <a:endParaRPr lang="ko-KR" altLang="en-US" sz="1200" dirty="0">
+              <a:solidFill>
+                <a:schemeClr val="accent2"/>
+              </a:solidFill>
+            </a:endParaRPr>
+          </a:p>
+        </p:txBody>
+      </p:sp>
+      <p:sp>
+        <p:nvSpPr>
+          <p:cNvPr id="11" name="TextBox 10">
+            <a:extLst>
+              <a:ext uri="{FF2B5EF4-FFF2-40B4-BE49-F238E27FC236}">
+                <a16:creationId xmlns:a16="http://schemas.microsoft.com/office/drawing/2014/main" id="{290D32AB-78AE-47DE-9305-EDA628FBA8C8}"/>
+              </a:ext>
+            </a:extLst>
+          </p:cNvPr>
+          <p:cNvSpPr txBox="1"/>
+          <p:nvPr/>
+        </p:nvSpPr>
+        <p:spPr>
+          <a:xfrm>
+            <a:off x="3568630" y="1842655"/>
+            <a:ext cx="867545" cy="276999"/>
+          </a:xfrm>
+          <a:prstGeom prst="rect">
+            <a:avLst/>
+          </a:prstGeom>
+          <a:noFill/>
+        </p:spPr>
+        <p:txBody>
+          <a:bodyPr wrap="none" rtlCol="0">
+            <a:spAutoFit/>
+          </a:bodyPr>
+          <a:lstStyle/>
+          <a:p>
+            <a:r>
+              <a:rPr lang="en-US" altLang="ko-KR" sz="1200" dirty="0">
+                <a:solidFill>
+                  <a:schemeClr val="accent2"/>
+                </a:solidFill>
+              </a:rPr>
+              <a:t>760, 1470</a:t>
+            </a:r>
+            <a:endParaRPr lang="ko-KR" altLang="en-US" sz="1200" dirty="0">
+              <a:solidFill>
+                <a:schemeClr val="accent2"/>
+              </a:solidFill>
+            </a:endParaRPr>
+          </a:p>
+        </p:txBody>
+      </p:sp>
+      <p:sp>
+        <p:nvSpPr>
+          <p:cNvPr id="12" name="TextBox 11">
+            <a:extLst>
+              <a:ext uri="{FF2B5EF4-FFF2-40B4-BE49-F238E27FC236}">
+                <a16:creationId xmlns:a16="http://schemas.microsoft.com/office/drawing/2014/main" id="{59E5CE9E-FE2D-410A-A7B2-3ECF1EAFFAE4}"/>
+              </a:ext>
+            </a:extLst>
+          </p:cNvPr>
+          <p:cNvSpPr txBox="1"/>
+          <p:nvPr/>
+        </p:nvSpPr>
+        <p:spPr>
+          <a:xfrm>
+            <a:off x="962980" y="1866946"/>
+            <a:ext cx="930063" cy="276999"/>
+          </a:xfrm>
+          <a:prstGeom prst="rect">
+            <a:avLst/>
+          </a:prstGeom>
+          <a:noFill/>
+        </p:spPr>
+        <p:txBody>
+          <a:bodyPr wrap="none" rtlCol="0">
+            <a:spAutoFit/>
+          </a:bodyPr>
+          <a:lstStyle/>
+          <a:p>
+            <a:r>
+              <a:rPr lang="en-US" altLang="ko-KR" sz="1200" dirty="0">
+                <a:solidFill>
+                  <a:schemeClr val="accent2"/>
+                </a:solidFill>
+              </a:rPr>
+              <a:t>-330, 1470</a:t>
+            </a:r>
+            <a:endParaRPr lang="ko-KR" altLang="en-US" sz="1200" dirty="0">
+              <a:solidFill>
+                <a:schemeClr val="accent2"/>
+              </a:solidFill>
+            </a:endParaRPr>
+          </a:p>
+        </p:txBody>
+      </p:sp>
+      <p:sp>
+        <p:nvSpPr>
+          <p:cNvPr id="13" name="TextBox 12">
+            <a:extLst>
+              <a:ext uri="{FF2B5EF4-FFF2-40B4-BE49-F238E27FC236}">
+                <a16:creationId xmlns:a16="http://schemas.microsoft.com/office/drawing/2014/main" id="{1A620C10-8BEF-44B2-A9D1-37346581DCCF}"/>
+              </a:ext>
+            </a:extLst>
+          </p:cNvPr>
+          <p:cNvSpPr txBox="1"/>
+          <p:nvPr/>
+        </p:nvSpPr>
+        <p:spPr>
+          <a:xfrm>
+            <a:off x="2529838" y="1866945"/>
+            <a:ext cx="867545" cy="276999"/>
+          </a:xfrm>
+          <a:prstGeom prst="rect">
+            <a:avLst/>
+          </a:prstGeom>
+          <a:noFill/>
+        </p:spPr>
+        <p:txBody>
+          <a:bodyPr wrap="none" rtlCol="0">
+            <a:spAutoFit/>
+          </a:bodyPr>
+          <a:lstStyle/>
+          <a:p>
+            <a:r>
+              <a:rPr lang="en-US" altLang="ko-KR" sz="1200" dirty="0">
+                <a:solidFill>
+                  <a:schemeClr val="accent2"/>
+                </a:solidFill>
+              </a:rPr>
+              <a:t>330, 1470</a:t>
+            </a:r>
+            <a:endParaRPr lang="ko-KR" altLang="en-US" sz="1200" dirty="0">
+              <a:solidFill>
+                <a:schemeClr val="accent2"/>
+              </a:solidFill>
+            </a:endParaRPr>
+          </a:p>
+        </p:txBody>
+      </p:sp>
+      <p:sp>
+        <p:nvSpPr>
+          <p:cNvPr id="14" name="TextBox 13">
+            <a:extLst>
+              <a:ext uri="{FF2B5EF4-FFF2-40B4-BE49-F238E27FC236}">
+                <a16:creationId xmlns:a16="http://schemas.microsoft.com/office/drawing/2014/main" id="{426CE674-5995-4354-A95F-CE95150F918B}"/>
+              </a:ext>
+            </a:extLst>
+          </p:cNvPr>
+          <p:cNvSpPr txBox="1"/>
+          <p:nvPr/>
+        </p:nvSpPr>
+        <p:spPr>
+          <a:xfrm>
+            <a:off x="3654376" y="6365932"/>
+            <a:ext cx="930063" cy="276999"/>
+          </a:xfrm>
+          <a:prstGeom prst="rect">
+            <a:avLst/>
+          </a:prstGeom>
+          <a:noFill/>
+        </p:spPr>
+        <p:txBody>
+          <a:bodyPr wrap="none" rtlCol="0">
+            <a:spAutoFit/>
+          </a:bodyPr>
+          <a:lstStyle/>
+          <a:p>
+            <a:r>
+              <a:rPr lang="en-US" altLang="ko-KR" sz="1200" dirty="0">
+                <a:solidFill>
+                  <a:schemeClr val="accent2"/>
+                </a:solidFill>
+              </a:rPr>
+              <a:t>760, -2850</a:t>
+            </a:r>
+            <a:endParaRPr lang="ko-KR" altLang="en-US" sz="1200" dirty="0">
+              <a:solidFill>
+                <a:schemeClr val="accent2"/>
+              </a:solidFill>
+            </a:endParaRPr>
+          </a:p>
+        </p:txBody>
+      </p:sp>
+      <p:sp>
+        <p:nvSpPr>
+          <p:cNvPr id="15" name="TextBox 14">
+            <a:extLst>
+              <a:ext uri="{FF2B5EF4-FFF2-40B4-BE49-F238E27FC236}">
+                <a16:creationId xmlns:a16="http://schemas.microsoft.com/office/drawing/2014/main" id="{09768F80-522D-4853-A8C4-BC17E5C4C567}"/>
+              </a:ext>
+            </a:extLst>
+          </p:cNvPr>
+          <p:cNvSpPr txBox="1"/>
+          <p:nvPr/>
+        </p:nvSpPr>
+        <p:spPr>
+          <a:xfrm>
+            <a:off x="2257447" y="6348589"/>
+            <a:ext cx="930063" cy="276999"/>
+          </a:xfrm>
+          <a:prstGeom prst="rect">
+            <a:avLst/>
+          </a:prstGeom>
+          <a:noFill/>
+        </p:spPr>
+        <p:txBody>
+          <a:bodyPr wrap="none" rtlCol="0">
+            <a:spAutoFit/>
+          </a:bodyPr>
+          <a:lstStyle/>
+          <a:p>
+            <a:r>
+              <a:rPr lang="en-US" altLang="ko-KR" sz="1200" dirty="0">
+                <a:solidFill>
+                  <a:schemeClr val="accent2"/>
+                </a:solidFill>
+              </a:rPr>
+              <a:t>390, -2850</a:t>
+            </a:r>
+            <a:endParaRPr lang="ko-KR" altLang="en-US" sz="1200" dirty="0">
+              <a:solidFill>
+                <a:schemeClr val="accent2"/>
+              </a:solidFill>
+            </a:endParaRPr>
+          </a:p>
+        </p:txBody>
+      </p:sp>
+      <p:sp>
+        <p:nvSpPr>
+          <p:cNvPr id="16" name="TextBox 15">
+            <a:extLst>
+              <a:ext uri="{FF2B5EF4-FFF2-40B4-BE49-F238E27FC236}">
+                <a16:creationId xmlns:a16="http://schemas.microsoft.com/office/drawing/2014/main" id="{329FEEF1-D339-4B9F-AB7A-6B4A8C01F77C}"/>
+              </a:ext>
+            </a:extLst>
+          </p:cNvPr>
+          <p:cNvSpPr txBox="1"/>
+          <p:nvPr/>
+        </p:nvSpPr>
+        <p:spPr>
+          <a:xfrm>
+            <a:off x="1157068" y="6348589"/>
+            <a:ext cx="992579" cy="276999"/>
+          </a:xfrm>
+          <a:prstGeom prst="rect">
+            <a:avLst/>
+          </a:prstGeom>
+          <a:noFill/>
+        </p:spPr>
+        <p:txBody>
+          <a:bodyPr wrap="none" rtlCol="0">
+            <a:spAutoFit/>
+          </a:bodyPr>
+          <a:lstStyle/>
+          <a:p>
+            <a:r>
+              <a:rPr lang="en-US" altLang="ko-KR" sz="1200" dirty="0">
+                <a:solidFill>
+                  <a:schemeClr val="accent2"/>
+                </a:solidFill>
+              </a:rPr>
+              <a:t>-390, -2850</a:t>
+            </a:r>
+            <a:endParaRPr lang="ko-KR" altLang="en-US" sz="1200" dirty="0">
+              <a:solidFill>
+                <a:schemeClr val="accent2"/>
+              </a:solidFill>
+            </a:endParaRPr>
+          </a:p>
+        </p:txBody>
+      </p:sp>
+      <p:sp>
+        <p:nvSpPr>
+          <p:cNvPr id="17" name="TextBox 16">
+            <a:extLst>
+              <a:ext uri="{FF2B5EF4-FFF2-40B4-BE49-F238E27FC236}">
+                <a16:creationId xmlns:a16="http://schemas.microsoft.com/office/drawing/2014/main" id="{298445D2-D3B6-4BAB-9E06-D1F8325F20F8}"/>
+              </a:ext>
+            </a:extLst>
+          </p:cNvPr>
+          <p:cNvSpPr txBox="1"/>
+          <p:nvPr/>
+        </p:nvSpPr>
+        <p:spPr>
+          <a:xfrm>
+            <a:off x="-59997" y="6365932"/>
+            <a:ext cx="992579" cy="276999"/>
+          </a:xfrm>
+          <a:prstGeom prst="rect">
+            <a:avLst/>
+          </a:prstGeom>
+          <a:noFill/>
+        </p:spPr>
+        <p:txBody>
+          <a:bodyPr wrap="none" rtlCol="0">
+            <a:spAutoFit/>
+          </a:bodyPr>
+          <a:lstStyle/>
+          <a:p>
+            <a:r>
+              <a:rPr lang="en-US" altLang="ko-KR" sz="1200" dirty="0">
+                <a:solidFill>
+                  <a:schemeClr val="accent2"/>
+                </a:solidFill>
+              </a:rPr>
+              <a:t>-760, -2850</a:t>
+            </a:r>
+            <a:endParaRPr lang="ko-KR" altLang="en-US" sz="1200" dirty="0">
+              <a:solidFill>
+                <a:schemeClr val="accent2"/>
+              </a:solidFill>
+            </a:endParaRPr>
+          </a:p>
+        </p:txBody>
+      </p:sp>
+      <p:sp>
+        <p:nvSpPr>
+          <p:cNvPr id="18" name="TextBox 17">
+            <a:extLst>
+              <a:ext uri="{FF2B5EF4-FFF2-40B4-BE49-F238E27FC236}">
+                <a16:creationId xmlns:a16="http://schemas.microsoft.com/office/drawing/2014/main" id="{65CC71B1-D56C-497A-BB49-A844A60179C1}"/>
+              </a:ext>
+            </a:extLst>
+          </p:cNvPr>
+          <p:cNvSpPr txBox="1"/>
+          <p:nvPr/>
+        </p:nvSpPr>
+        <p:spPr>
+          <a:xfrm>
+            <a:off x="-77912" y="4488641"/>
+            <a:ext cx="992579" cy="276999"/>
+          </a:xfrm>
+          <a:prstGeom prst="rect">
+            <a:avLst/>
+          </a:prstGeom>
+          <a:noFill/>
+        </p:spPr>
+        <p:txBody>
+          <a:bodyPr wrap="none" rtlCol="0">
+            <a:spAutoFit/>
+          </a:bodyPr>
+          <a:lstStyle/>
+          <a:p>
+            <a:r>
+              <a:rPr lang="en-US" altLang="ko-KR" sz="1200" dirty="0">
+                <a:solidFill>
+                  <a:schemeClr val="accent2"/>
+                </a:solidFill>
+              </a:rPr>
+              <a:t>-760, -1470</a:t>
+            </a:r>
+            <a:endParaRPr lang="ko-KR" altLang="en-US" sz="1200" dirty="0">
+              <a:solidFill>
+                <a:schemeClr val="accent2"/>
+              </a:solidFill>
+            </a:endParaRPr>
+          </a:p>
+        </p:txBody>
+      </p:sp>
+      <p:sp>
+        <p:nvSpPr>
+          <p:cNvPr id="19" name="TextBox 18">
+            <a:extLst>
+              <a:ext uri="{FF2B5EF4-FFF2-40B4-BE49-F238E27FC236}">
+                <a16:creationId xmlns:a16="http://schemas.microsoft.com/office/drawing/2014/main" id="{97940D95-A2DA-4245-9A80-EBA057E400AE}"/>
+              </a:ext>
+            </a:extLst>
+          </p:cNvPr>
+          <p:cNvSpPr txBox="1"/>
+          <p:nvPr/>
+        </p:nvSpPr>
+        <p:spPr>
+          <a:xfrm>
+            <a:off x="3613522" y="4460931"/>
+            <a:ext cx="930063" cy="276999"/>
+          </a:xfrm>
+          <a:prstGeom prst="rect">
+            <a:avLst/>
+          </a:prstGeom>
+          <a:noFill/>
+        </p:spPr>
+        <p:txBody>
+          <a:bodyPr wrap="none" rtlCol="0">
+            <a:spAutoFit/>
+          </a:bodyPr>
+          <a:lstStyle/>
+          <a:p>
+            <a:r>
+              <a:rPr lang="en-US" altLang="ko-KR" sz="1200" dirty="0">
+                <a:solidFill>
+                  <a:schemeClr val="accent2"/>
+                </a:solidFill>
+              </a:rPr>
+              <a:t>760, -1470</a:t>
+            </a:r>
+            <a:endParaRPr lang="ko-KR" altLang="en-US" sz="1200" dirty="0">
+              <a:solidFill>
+                <a:schemeClr val="accent2"/>
+              </a:solidFill>
+            </a:endParaRPr>
+          </a:p>
+        </p:txBody>
+      </p:sp>
+      <p:sp>
+        <p:nvSpPr>
+          <p:cNvPr id="20" name="TextBox 19">
+            <a:extLst>
+              <a:ext uri="{FF2B5EF4-FFF2-40B4-BE49-F238E27FC236}">
+                <a16:creationId xmlns:a16="http://schemas.microsoft.com/office/drawing/2014/main" id="{AD42E18F-3309-460E-92CC-AAF0F19DACE5}"/>
+              </a:ext>
+            </a:extLst>
+          </p:cNvPr>
+          <p:cNvSpPr txBox="1"/>
+          <p:nvPr/>
+        </p:nvSpPr>
+        <p:spPr>
+          <a:xfrm>
+            <a:off x="2467467" y="4474542"/>
+            <a:ext cx="930063" cy="276999"/>
+          </a:xfrm>
+          <a:prstGeom prst="rect">
+            <a:avLst/>
+          </a:prstGeom>
+          <a:noFill/>
+        </p:spPr>
+        <p:txBody>
+          <a:bodyPr wrap="none" rtlCol="0">
+            <a:spAutoFit/>
+          </a:bodyPr>
+          <a:lstStyle/>
+          <a:p>
+            <a:r>
+              <a:rPr lang="en-US" altLang="ko-KR" sz="1200" dirty="0">
+                <a:solidFill>
+                  <a:schemeClr val="accent2"/>
+                </a:solidFill>
+              </a:rPr>
+              <a:t>330, -1470</a:t>
+            </a:r>
+            <a:endParaRPr lang="ko-KR" altLang="en-US" sz="1200" dirty="0">
+              <a:solidFill>
+                <a:schemeClr val="accent2"/>
+              </a:solidFill>
+            </a:endParaRPr>
+          </a:p>
+        </p:txBody>
+      </p:sp>
+      <p:sp>
+        <p:nvSpPr>
+          <p:cNvPr id="21" name="TextBox 20">
+            <a:extLst>
+              <a:ext uri="{FF2B5EF4-FFF2-40B4-BE49-F238E27FC236}">
+                <a16:creationId xmlns:a16="http://schemas.microsoft.com/office/drawing/2014/main" id="{AD8C45BD-E845-467A-9A00-9545CED944FC}"/>
+              </a:ext>
+            </a:extLst>
+          </p:cNvPr>
+          <p:cNvSpPr txBox="1"/>
+          <p:nvPr/>
+        </p:nvSpPr>
+        <p:spPr>
+          <a:xfrm>
+            <a:off x="1102528" y="4530042"/>
+            <a:ext cx="992579" cy="276999"/>
+          </a:xfrm>
+          <a:prstGeom prst="rect">
+            <a:avLst/>
+          </a:prstGeom>
+          <a:noFill/>
+        </p:spPr>
+        <p:txBody>
+          <a:bodyPr wrap="none" rtlCol="0">
+            <a:spAutoFit/>
+          </a:bodyPr>
+          <a:lstStyle/>
+          <a:p>
+            <a:r>
+              <a:rPr lang="en-US" altLang="ko-KR" sz="1200" dirty="0">
+                <a:solidFill>
+                  <a:schemeClr val="accent2"/>
+                </a:solidFill>
+              </a:rPr>
+              <a:t>-330, -1470</a:t>
+            </a:r>
+            <a:endParaRPr lang="ko-KR" altLang="en-US" sz="1200" dirty="0">
+              <a:solidFill>
+                <a:schemeClr val="accent2"/>
+              </a:solidFill>
+            </a:endParaRPr>
+          </a:p>
+        </p:txBody>
+      </p:sp>
+      <p:sp>
+        <p:nvSpPr>
+          <p:cNvPr id="22" name="TextBox 21">
+            <a:extLst>
+              <a:ext uri="{FF2B5EF4-FFF2-40B4-BE49-F238E27FC236}">
+                <a16:creationId xmlns:a16="http://schemas.microsoft.com/office/drawing/2014/main" id="{69B8EA22-AB85-4304-99EE-C3437D109639}"/>
+              </a:ext>
+            </a:extLst>
+          </p:cNvPr>
+          <p:cNvSpPr txBox="1"/>
+          <p:nvPr/>
+        </p:nvSpPr>
+        <p:spPr>
+          <a:xfrm>
+            <a:off x="1930750" y="3092945"/>
+            <a:ext cx="442750" cy="276999"/>
+          </a:xfrm>
+          <a:prstGeom prst="rect">
+            <a:avLst/>
+          </a:prstGeom>
+          <a:noFill/>
+        </p:spPr>
+        <p:txBody>
+          <a:bodyPr wrap="none" rtlCol="0">
+            <a:spAutoFit/>
+          </a:bodyPr>
+          <a:lstStyle/>
+          <a:p>
+            <a:r>
+              <a:rPr lang="en-US" altLang="ko-KR" sz="1200" dirty="0">
+                <a:solidFill>
+                  <a:schemeClr val="accent2"/>
+                </a:solidFill>
+              </a:rPr>
+              <a:t>0, 0</a:t>
+            </a:r>
+            <a:endParaRPr lang="ko-KR" altLang="en-US" sz="1200" dirty="0">
+              <a:solidFill>
+                <a:schemeClr val="accent2"/>
+              </a:solidFill>
+            </a:endParaRPr>
+          </a:p>
+        </p:txBody>
+      </p:sp>
+      <p:sp>
+        <p:nvSpPr>
+          <p:cNvPr id="23" name="TextBox 22">
+            <a:extLst>
+              <a:ext uri="{FF2B5EF4-FFF2-40B4-BE49-F238E27FC236}">
+                <a16:creationId xmlns:a16="http://schemas.microsoft.com/office/drawing/2014/main" id="{FE5FFA66-815E-46C9-90C5-49724E0C84CE}"/>
+              </a:ext>
+            </a:extLst>
+          </p:cNvPr>
+          <p:cNvSpPr txBox="1"/>
+          <p:nvPr/>
+        </p:nvSpPr>
+        <p:spPr>
+          <a:xfrm>
+            <a:off x="5279210" y="324580"/>
+            <a:ext cx="1593706" cy="1015663"/>
+          </a:xfrm>
+          <a:prstGeom prst="rect">
+            <a:avLst/>
+          </a:prstGeom>
+          <a:noFill/>
+        </p:spPr>
+        <p:txBody>
+          <a:bodyPr wrap="none" rtlCol="0">
+            <a:spAutoFit/>
+          </a:bodyPr>
+          <a:lstStyle/>
+          <a:p>
+            <a:r>
+              <a:rPr lang="ko-KR" altLang="en-US" sz="1200" dirty="0">
+                <a:solidFill>
+                  <a:schemeClr val="accent2"/>
+                </a:solidFill>
+              </a:rPr>
+              <a:t>경로</a:t>
+            </a:r>
+            <a:r>
+              <a:rPr lang="en-US" altLang="ko-KR" sz="1200" dirty="0">
+                <a:solidFill>
+                  <a:schemeClr val="accent2"/>
+                </a:solidFill>
+              </a:rPr>
+              <a:t>1(</a:t>
+            </a:r>
+            <a:r>
+              <a:rPr lang="ko-KR" altLang="en-US" sz="1200" dirty="0" err="1">
+                <a:solidFill>
+                  <a:schemeClr val="accent2"/>
+                </a:solidFill>
+              </a:rPr>
+              <a:t>왼쪽상단시작</a:t>
+            </a:r>
+            <a:r>
+              <a:rPr lang="en-US" altLang="ko-KR" sz="1200" dirty="0">
+                <a:solidFill>
+                  <a:schemeClr val="accent2"/>
+                </a:solidFill>
+              </a:rPr>
+              <a:t>)</a:t>
+            </a:r>
+          </a:p>
+          <a:p>
+            <a:r>
+              <a:rPr lang="en-US" altLang="ko-KR" sz="1200" dirty="0">
+                <a:solidFill>
+                  <a:schemeClr val="accent2"/>
+                </a:solidFill>
+              </a:rPr>
+              <a:t>1 (-720, 2850)</a:t>
+            </a:r>
+          </a:p>
+          <a:p>
+            <a:r>
+              <a:rPr lang="en-US" altLang="ko-KR" sz="1200" dirty="0">
+                <a:solidFill>
+                  <a:schemeClr val="accent2"/>
+                </a:solidFill>
+              </a:rPr>
+              <a:t>2 (-630, 1720)</a:t>
+            </a:r>
+          </a:p>
+          <a:p>
+            <a:r>
+              <a:rPr lang="en-US" altLang="ko-KR" sz="1200" dirty="0">
+                <a:solidFill>
+                  <a:schemeClr val="accent2"/>
+                </a:solidFill>
+              </a:rPr>
+              <a:t>3 (-220, 1520)</a:t>
+            </a:r>
+          </a:p>
+          <a:p>
+            <a:r>
+              <a:rPr lang="en-US" altLang="ko-KR" sz="1200" dirty="0">
+                <a:solidFill>
+                  <a:schemeClr val="accent2"/>
+                </a:solidFill>
+              </a:rPr>
+              <a:t>4 (0, 0)</a:t>
+            </a:r>
+          </a:p>
+        </p:txBody>
+      </p:sp>
+      <p:sp>
+        <p:nvSpPr>
+          <p:cNvPr id="24" name="TextBox 23">
+            <a:extLst>
+              <a:ext uri="{FF2B5EF4-FFF2-40B4-BE49-F238E27FC236}">
+                <a16:creationId xmlns:a16="http://schemas.microsoft.com/office/drawing/2014/main" id="{AAF21C80-40E5-476A-94FA-BA1691B4CEB1}"/>
+              </a:ext>
+            </a:extLst>
+          </p:cNvPr>
+          <p:cNvSpPr txBox="1"/>
+          <p:nvPr/>
+        </p:nvSpPr>
+        <p:spPr>
+          <a:xfrm>
+            <a:off x="7144399" y="324579"/>
+            <a:ext cx="1593706" cy="1015663"/>
+          </a:xfrm>
+          <a:prstGeom prst="rect">
+            <a:avLst/>
+          </a:prstGeom>
+          <a:noFill/>
+        </p:spPr>
+        <p:txBody>
+          <a:bodyPr wrap="none" rtlCol="0">
+            <a:spAutoFit/>
+          </a:bodyPr>
+          <a:lstStyle/>
+          <a:p>
+            <a:r>
+              <a:rPr lang="ko-KR" altLang="en-US" sz="1200" dirty="0">
+                <a:solidFill>
+                  <a:schemeClr val="accent2"/>
+                </a:solidFill>
+              </a:rPr>
+              <a:t>경로</a:t>
+            </a:r>
+            <a:r>
+              <a:rPr lang="en-US" altLang="ko-KR" sz="1200" dirty="0">
+                <a:solidFill>
+                  <a:schemeClr val="accent2"/>
+                </a:solidFill>
+              </a:rPr>
+              <a:t>2(</a:t>
+            </a:r>
+            <a:r>
+              <a:rPr lang="ko-KR" altLang="en-US" sz="1200" dirty="0" err="1">
+                <a:solidFill>
+                  <a:schemeClr val="accent2"/>
+                </a:solidFill>
+              </a:rPr>
+              <a:t>왼쪽상단시작</a:t>
+            </a:r>
+            <a:r>
+              <a:rPr lang="en-US" altLang="ko-KR" sz="1200" dirty="0">
+                <a:solidFill>
+                  <a:schemeClr val="accent2"/>
+                </a:solidFill>
+              </a:rPr>
+              <a:t>)</a:t>
+            </a:r>
+          </a:p>
+          <a:p>
+            <a:r>
+              <a:rPr lang="en-US" altLang="ko-KR" sz="1200" dirty="0">
+                <a:solidFill>
+                  <a:schemeClr val="accent2"/>
+                </a:solidFill>
+              </a:rPr>
+              <a:t>1 (-570, 2850)</a:t>
+            </a:r>
+          </a:p>
+          <a:p>
+            <a:r>
+              <a:rPr lang="en-US" altLang="ko-KR" sz="1200" dirty="0">
+                <a:solidFill>
+                  <a:schemeClr val="accent2"/>
+                </a:solidFill>
+              </a:rPr>
+              <a:t>2 (-510, 1780)</a:t>
+            </a:r>
+          </a:p>
+          <a:p>
+            <a:r>
+              <a:rPr lang="en-US" altLang="ko-KR" sz="1200" dirty="0">
+                <a:solidFill>
+                  <a:schemeClr val="accent2"/>
+                </a:solidFill>
+              </a:rPr>
+              <a:t>3 (-180, 1580)</a:t>
+            </a:r>
+          </a:p>
+          <a:p>
+            <a:r>
+              <a:rPr lang="en-US" altLang="ko-KR" sz="1200" dirty="0">
+                <a:solidFill>
+                  <a:schemeClr val="accent2"/>
+                </a:solidFill>
+              </a:rPr>
+              <a:t>4 (0, 0)</a:t>
+            </a:r>
+          </a:p>
+        </p:txBody>
+      </p:sp>
+      <p:sp>
+        <p:nvSpPr>
+          <p:cNvPr id="25" name="TextBox 24">
+            <a:extLst>
+              <a:ext uri="{FF2B5EF4-FFF2-40B4-BE49-F238E27FC236}">
+                <a16:creationId xmlns:a16="http://schemas.microsoft.com/office/drawing/2014/main" id="{1945B4A9-B2BC-47E7-A12C-AFCE2FD132EA}"/>
+              </a:ext>
+            </a:extLst>
+          </p:cNvPr>
+          <p:cNvSpPr txBox="1"/>
+          <p:nvPr/>
+        </p:nvSpPr>
+        <p:spPr>
+          <a:xfrm>
+            <a:off x="9048397" y="324394"/>
+            <a:ext cx="1593706" cy="1015663"/>
+          </a:xfrm>
+          <a:prstGeom prst="rect">
+            <a:avLst/>
+          </a:prstGeom>
+          <a:noFill/>
+        </p:spPr>
+        <p:txBody>
+          <a:bodyPr wrap="none" rtlCol="0">
+            <a:spAutoFit/>
+          </a:bodyPr>
+          <a:lstStyle/>
+          <a:p>
+            <a:r>
+              <a:rPr lang="ko-KR" altLang="en-US" sz="1200" dirty="0">
+                <a:solidFill>
+                  <a:schemeClr val="accent2"/>
+                </a:solidFill>
+              </a:rPr>
+              <a:t>경로</a:t>
+            </a:r>
+            <a:r>
+              <a:rPr lang="en-US" altLang="ko-KR" sz="1200" dirty="0">
+                <a:solidFill>
+                  <a:schemeClr val="accent2"/>
+                </a:solidFill>
+              </a:rPr>
+              <a:t>3(</a:t>
+            </a:r>
+            <a:r>
+              <a:rPr lang="ko-KR" altLang="en-US" sz="1200" dirty="0" err="1">
+                <a:solidFill>
+                  <a:schemeClr val="accent2"/>
+                </a:solidFill>
+              </a:rPr>
+              <a:t>왼쪽상단시작</a:t>
+            </a:r>
+            <a:r>
+              <a:rPr lang="en-US" altLang="ko-KR" sz="1200" dirty="0">
+                <a:solidFill>
+                  <a:schemeClr val="accent2"/>
+                </a:solidFill>
+              </a:rPr>
+              <a:t>)</a:t>
+            </a:r>
+          </a:p>
+          <a:p>
+            <a:r>
+              <a:rPr lang="en-US" altLang="ko-KR" sz="1200" dirty="0">
+                <a:solidFill>
+                  <a:schemeClr val="accent2"/>
+                </a:solidFill>
+              </a:rPr>
+              <a:t>1 (-430, 2850)</a:t>
+            </a:r>
+          </a:p>
+          <a:p>
+            <a:r>
+              <a:rPr lang="en-US" altLang="ko-KR" sz="1200" dirty="0">
+                <a:solidFill>
+                  <a:schemeClr val="accent2"/>
+                </a:solidFill>
+              </a:rPr>
+              <a:t>2 (-430, 1870)</a:t>
+            </a:r>
+          </a:p>
+          <a:p>
+            <a:r>
+              <a:rPr lang="en-US" altLang="ko-KR" sz="1200" dirty="0">
+                <a:solidFill>
+                  <a:schemeClr val="accent2"/>
+                </a:solidFill>
+              </a:rPr>
+              <a:t>3 (-70, 1640)</a:t>
+            </a:r>
+          </a:p>
+          <a:p>
+            <a:r>
+              <a:rPr lang="en-US" altLang="ko-KR" sz="1200" dirty="0">
+                <a:solidFill>
+                  <a:schemeClr val="accent2"/>
+                </a:solidFill>
+              </a:rPr>
+              <a:t>4 (0, 0)</a:t>
+            </a:r>
+          </a:p>
+        </p:txBody>
+      </p:sp>
+      <p:sp>
+        <p:nvSpPr>
+          <p:cNvPr id="32" name="TextBox 31">
+            <a:extLst>
+              <a:ext uri="{FF2B5EF4-FFF2-40B4-BE49-F238E27FC236}">
+                <a16:creationId xmlns:a16="http://schemas.microsoft.com/office/drawing/2014/main" id="{14790FCE-8C09-4D9A-B4C9-56220D60291F}"/>
+              </a:ext>
+            </a:extLst>
+          </p:cNvPr>
+          <p:cNvSpPr txBox="1"/>
+          <p:nvPr/>
+        </p:nvSpPr>
+        <p:spPr>
+          <a:xfrm>
+            <a:off x="5279210" y="1474507"/>
+            <a:ext cx="1747594" cy="1015663"/>
+          </a:xfrm>
+          <a:prstGeom prst="rect">
+            <a:avLst/>
+          </a:prstGeom>
+          <a:noFill/>
+        </p:spPr>
+        <p:txBody>
+          <a:bodyPr wrap="none" rtlCol="0">
+            <a:spAutoFit/>
+          </a:bodyPr>
+          <a:lstStyle/>
+          <a:p>
+            <a:r>
+              <a:rPr lang="ko-KR" altLang="en-US" sz="1200" dirty="0">
+                <a:solidFill>
+                  <a:schemeClr val="accent2"/>
+                </a:solidFill>
+              </a:rPr>
+              <a:t>경로</a:t>
+            </a:r>
+            <a:r>
+              <a:rPr lang="en-US" altLang="ko-KR" sz="1200" dirty="0">
+                <a:solidFill>
+                  <a:schemeClr val="accent2"/>
+                </a:solidFill>
+              </a:rPr>
+              <a:t>4(</a:t>
+            </a:r>
+            <a:r>
+              <a:rPr lang="ko-KR" altLang="en-US" sz="1200" dirty="0" err="1">
+                <a:solidFill>
+                  <a:schemeClr val="accent2"/>
+                </a:solidFill>
+              </a:rPr>
+              <a:t>오른쪽상단시작</a:t>
+            </a:r>
+            <a:r>
+              <a:rPr lang="en-US" altLang="ko-KR" sz="1200" dirty="0">
+                <a:solidFill>
+                  <a:schemeClr val="accent2"/>
+                </a:solidFill>
+              </a:rPr>
+              <a:t>)</a:t>
+            </a:r>
+          </a:p>
+          <a:p>
+            <a:r>
+              <a:rPr lang="en-US" altLang="ko-KR" sz="1200" dirty="0">
+                <a:solidFill>
+                  <a:schemeClr val="accent2"/>
+                </a:solidFill>
+              </a:rPr>
+              <a:t>1 (430, 2850)</a:t>
+            </a:r>
+          </a:p>
+          <a:p>
+            <a:r>
+              <a:rPr lang="en-US" altLang="ko-KR" sz="1200" dirty="0">
+                <a:solidFill>
+                  <a:schemeClr val="accent2"/>
+                </a:solidFill>
+              </a:rPr>
+              <a:t>2 (430, 1870)</a:t>
+            </a:r>
+          </a:p>
+          <a:p>
+            <a:r>
+              <a:rPr lang="en-US" altLang="ko-KR" sz="1200" dirty="0">
+                <a:solidFill>
+                  <a:schemeClr val="accent2"/>
+                </a:solidFill>
+              </a:rPr>
+              <a:t>3 (70, 1640)</a:t>
+            </a:r>
+          </a:p>
+          <a:p>
+            <a:r>
+              <a:rPr lang="en-US" altLang="ko-KR" sz="1200" dirty="0">
+                <a:solidFill>
+                  <a:schemeClr val="accent2"/>
+                </a:solidFill>
+              </a:rPr>
+              <a:t>4 (0, 0)</a:t>
+            </a:r>
+          </a:p>
+        </p:txBody>
+      </p:sp>
+      <p:sp>
+        <p:nvSpPr>
+          <p:cNvPr id="33" name="TextBox 32">
+            <a:extLst>
+              <a:ext uri="{FF2B5EF4-FFF2-40B4-BE49-F238E27FC236}">
+                <a16:creationId xmlns:a16="http://schemas.microsoft.com/office/drawing/2014/main" id="{7C9391B8-2107-4C21-B8BC-56EB06E94446}"/>
+              </a:ext>
+            </a:extLst>
+          </p:cNvPr>
+          <p:cNvSpPr txBox="1"/>
+          <p:nvPr/>
+        </p:nvSpPr>
+        <p:spPr>
+          <a:xfrm>
+            <a:off x="7144399" y="1474506"/>
+            <a:ext cx="1747594" cy="1015663"/>
+          </a:xfrm>
+          <a:prstGeom prst="rect">
+            <a:avLst/>
+          </a:prstGeom>
+          <a:noFill/>
+        </p:spPr>
+        <p:txBody>
+          <a:bodyPr wrap="none" rtlCol="0">
+            <a:spAutoFit/>
+          </a:bodyPr>
+          <a:lstStyle/>
+          <a:p>
+            <a:r>
+              <a:rPr lang="ko-KR" altLang="en-US" sz="1200" dirty="0">
+                <a:solidFill>
+                  <a:schemeClr val="accent2"/>
+                </a:solidFill>
+              </a:rPr>
+              <a:t>경로</a:t>
+            </a:r>
+            <a:r>
+              <a:rPr lang="en-US" altLang="ko-KR" sz="1200" dirty="0">
+                <a:solidFill>
+                  <a:schemeClr val="accent2"/>
+                </a:solidFill>
+              </a:rPr>
+              <a:t>5(</a:t>
+            </a:r>
+            <a:r>
+              <a:rPr lang="ko-KR" altLang="en-US" sz="1200" dirty="0" err="1">
+                <a:solidFill>
+                  <a:schemeClr val="accent2"/>
+                </a:solidFill>
+              </a:rPr>
+              <a:t>오른쪽상단시작</a:t>
+            </a:r>
+            <a:r>
+              <a:rPr lang="en-US" altLang="ko-KR" sz="1200" dirty="0">
+                <a:solidFill>
+                  <a:schemeClr val="accent2"/>
+                </a:solidFill>
+              </a:rPr>
+              <a:t>)</a:t>
+            </a:r>
+          </a:p>
+          <a:p>
+            <a:r>
+              <a:rPr lang="en-US" altLang="ko-KR" sz="1200" dirty="0">
+                <a:solidFill>
+                  <a:schemeClr val="accent2"/>
+                </a:solidFill>
+              </a:rPr>
+              <a:t>1 (570, 2850)</a:t>
+            </a:r>
+          </a:p>
+          <a:p>
+            <a:r>
+              <a:rPr lang="en-US" altLang="ko-KR" sz="1200" dirty="0">
+                <a:solidFill>
+                  <a:schemeClr val="accent2"/>
+                </a:solidFill>
+              </a:rPr>
+              <a:t>2 (510, 1780)</a:t>
+            </a:r>
+          </a:p>
+          <a:p>
+            <a:r>
+              <a:rPr lang="en-US" altLang="ko-KR" sz="1200" dirty="0">
+                <a:solidFill>
+                  <a:schemeClr val="accent2"/>
+                </a:solidFill>
+              </a:rPr>
+              <a:t>3 (180, 1580)</a:t>
+            </a:r>
+          </a:p>
+          <a:p>
+            <a:r>
+              <a:rPr lang="en-US" altLang="ko-KR" sz="1200" dirty="0">
+                <a:solidFill>
+                  <a:schemeClr val="accent2"/>
+                </a:solidFill>
+              </a:rPr>
+              <a:t>4 (0, 0)</a:t>
+            </a:r>
+          </a:p>
+        </p:txBody>
+      </p:sp>
+      <p:sp>
+        <p:nvSpPr>
+          <p:cNvPr id="34" name="TextBox 33">
+            <a:extLst>
+              <a:ext uri="{FF2B5EF4-FFF2-40B4-BE49-F238E27FC236}">
+                <a16:creationId xmlns:a16="http://schemas.microsoft.com/office/drawing/2014/main" id="{47BDA5A0-3A5A-49D8-BBE0-92B05FBA9425}"/>
+              </a:ext>
+            </a:extLst>
+          </p:cNvPr>
+          <p:cNvSpPr txBox="1"/>
+          <p:nvPr/>
+        </p:nvSpPr>
+        <p:spPr>
+          <a:xfrm>
+            <a:off x="9048397" y="1474321"/>
+            <a:ext cx="1747594" cy="1015663"/>
+          </a:xfrm>
+          <a:prstGeom prst="rect">
+            <a:avLst/>
+          </a:prstGeom>
+          <a:noFill/>
+        </p:spPr>
+        <p:txBody>
+          <a:bodyPr wrap="none" rtlCol="0">
+            <a:spAutoFit/>
+          </a:bodyPr>
+          <a:lstStyle/>
+          <a:p>
+            <a:r>
+              <a:rPr lang="ko-KR" altLang="en-US" sz="1200" dirty="0">
+                <a:solidFill>
+                  <a:schemeClr val="accent2"/>
+                </a:solidFill>
+              </a:rPr>
+              <a:t>경로</a:t>
+            </a:r>
+            <a:r>
+              <a:rPr lang="en-US" altLang="ko-KR" sz="1200" dirty="0">
+                <a:solidFill>
+                  <a:schemeClr val="accent2"/>
+                </a:solidFill>
+              </a:rPr>
+              <a:t>6(</a:t>
+            </a:r>
+            <a:r>
+              <a:rPr lang="ko-KR" altLang="en-US" sz="1200" dirty="0" err="1">
+                <a:solidFill>
+                  <a:schemeClr val="accent2"/>
+                </a:solidFill>
+              </a:rPr>
+              <a:t>오른쪽상단시작</a:t>
+            </a:r>
+            <a:r>
+              <a:rPr lang="en-US" altLang="ko-KR" sz="1200" dirty="0">
+                <a:solidFill>
+                  <a:schemeClr val="accent2"/>
+                </a:solidFill>
+              </a:rPr>
+              <a:t>)</a:t>
+            </a:r>
+          </a:p>
+          <a:p>
+            <a:r>
+              <a:rPr lang="en-US" altLang="ko-KR" sz="1200" dirty="0">
+                <a:solidFill>
+                  <a:schemeClr val="accent2"/>
+                </a:solidFill>
+              </a:rPr>
+              <a:t>1 (720, 2850)</a:t>
+            </a:r>
+          </a:p>
+          <a:p>
+            <a:r>
+              <a:rPr lang="en-US" altLang="ko-KR" sz="1200" dirty="0">
+                <a:solidFill>
+                  <a:schemeClr val="accent2"/>
+                </a:solidFill>
+              </a:rPr>
+              <a:t>2 (630, 1720)</a:t>
+            </a:r>
+          </a:p>
+          <a:p>
+            <a:r>
+              <a:rPr lang="en-US" altLang="ko-KR" sz="1200" dirty="0">
+                <a:solidFill>
+                  <a:schemeClr val="accent2"/>
+                </a:solidFill>
+              </a:rPr>
+              <a:t>3 (220, 1520)</a:t>
+            </a:r>
+          </a:p>
+          <a:p>
+            <a:r>
+              <a:rPr lang="en-US" altLang="ko-KR" sz="1200" dirty="0">
+                <a:solidFill>
+                  <a:schemeClr val="accent2"/>
+                </a:solidFill>
+              </a:rPr>
+              <a:t>4 (0, 0)</a:t>
+            </a:r>
+          </a:p>
+        </p:txBody>
+      </p:sp>
+      <p:sp>
+        <p:nvSpPr>
+          <p:cNvPr id="35" name="TextBox 34">
+            <a:extLst>
+              <a:ext uri="{FF2B5EF4-FFF2-40B4-BE49-F238E27FC236}">
+                <a16:creationId xmlns:a16="http://schemas.microsoft.com/office/drawing/2014/main" id="{F7FBA937-1C8B-4530-BFB9-6A22D69DBB96}"/>
+              </a:ext>
+            </a:extLst>
+          </p:cNvPr>
+          <p:cNvSpPr txBox="1"/>
+          <p:nvPr/>
+        </p:nvSpPr>
+        <p:spPr>
+          <a:xfrm>
+            <a:off x="5279210" y="3092945"/>
+            <a:ext cx="1593706" cy="1015663"/>
+          </a:xfrm>
+          <a:prstGeom prst="rect">
+            <a:avLst/>
+          </a:prstGeom>
+          <a:noFill/>
+        </p:spPr>
+        <p:txBody>
+          <a:bodyPr wrap="none" rtlCol="0">
+            <a:spAutoFit/>
+          </a:bodyPr>
+          <a:lstStyle/>
+          <a:p>
+            <a:r>
+              <a:rPr lang="ko-KR" altLang="en-US" sz="1200" dirty="0">
+                <a:solidFill>
+                  <a:schemeClr val="accent2"/>
+                </a:solidFill>
+              </a:rPr>
+              <a:t>경로</a:t>
+            </a:r>
+            <a:r>
+              <a:rPr lang="en-US" altLang="ko-KR" sz="1200" dirty="0">
+                <a:solidFill>
+                  <a:schemeClr val="accent2"/>
+                </a:solidFill>
+              </a:rPr>
+              <a:t>7(</a:t>
+            </a:r>
+            <a:r>
+              <a:rPr lang="ko-KR" altLang="en-US" sz="1200" dirty="0">
+                <a:solidFill>
+                  <a:schemeClr val="accent2"/>
+                </a:solidFill>
+              </a:rPr>
+              <a:t>왼쪽하단시작</a:t>
+            </a:r>
+            <a:r>
+              <a:rPr lang="en-US" altLang="ko-KR" sz="1200" dirty="0">
+                <a:solidFill>
+                  <a:schemeClr val="accent2"/>
+                </a:solidFill>
+              </a:rPr>
+              <a:t>)</a:t>
+            </a:r>
+          </a:p>
+          <a:p>
+            <a:r>
+              <a:rPr lang="en-US" altLang="ko-KR" sz="1200" dirty="0">
+                <a:solidFill>
+                  <a:schemeClr val="accent2"/>
+                </a:solidFill>
+              </a:rPr>
+              <a:t>1 (-720, -2850)</a:t>
+            </a:r>
+          </a:p>
+          <a:p>
+            <a:r>
+              <a:rPr lang="en-US" altLang="ko-KR" sz="1200" dirty="0">
+                <a:solidFill>
+                  <a:schemeClr val="accent2"/>
+                </a:solidFill>
+              </a:rPr>
+              <a:t>2 (-630, -1720)</a:t>
+            </a:r>
+          </a:p>
+          <a:p>
+            <a:r>
+              <a:rPr lang="en-US" altLang="ko-KR" sz="1200" dirty="0">
+                <a:solidFill>
+                  <a:schemeClr val="accent2"/>
+                </a:solidFill>
+              </a:rPr>
+              <a:t>3 (-220, -1520)</a:t>
+            </a:r>
+          </a:p>
+          <a:p>
+            <a:r>
+              <a:rPr lang="en-US" altLang="ko-KR" sz="1200" dirty="0">
+                <a:solidFill>
+                  <a:schemeClr val="accent2"/>
+                </a:solidFill>
+              </a:rPr>
+              <a:t>4 (0, 0)</a:t>
+            </a:r>
+          </a:p>
+        </p:txBody>
+      </p:sp>
+      <p:sp>
+        <p:nvSpPr>
+          <p:cNvPr id="36" name="TextBox 35">
+            <a:extLst>
+              <a:ext uri="{FF2B5EF4-FFF2-40B4-BE49-F238E27FC236}">
+                <a16:creationId xmlns:a16="http://schemas.microsoft.com/office/drawing/2014/main" id="{29A66071-58B1-4FA9-82FA-238155C559A2}"/>
+              </a:ext>
+            </a:extLst>
+          </p:cNvPr>
+          <p:cNvSpPr txBox="1"/>
+          <p:nvPr/>
+        </p:nvSpPr>
+        <p:spPr>
+          <a:xfrm>
+            <a:off x="7144399" y="3092944"/>
+            <a:ext cx="1593706" cy="1015663"/>
+          </a:xfrm>
+          <a:prstGeom prst="rect">
+            <a:avLst/>
+          </a:prstGeom>
+          <a:noFill/>
+        </p:spPr>
+        <p:txBody>
+          <a:bodyPr wrap="none" rtlCol="0">
+            <a:spAutoFit/>
+          </a:bodyPr>
+          <a:lstStyle/>
+          <a:p>
+            <a:r>
+              <a:rPr lang="ko-KR" altLang="en-US" sz="1200" dirty="0">
+                <a:solidFill>
+                  <a:schemeClr val="accent2"/>
+                </a:solidFill>
+              </a:rPr>
+              <a:t>경로</a:t>
+            </a:r>
+            <a:r>
+              <a:rPr lang="en-US" altLang="ko-KR" sz="1200" dirty="0">
+                <a:solidFill>
+                  <a:schemeClr val="accent2"/>
+                </a:solidFill>
+              </a:rPr>
+              <a:t>8(</a:t>
+            </a:r>
+            <a:r>
+              <a:rPr lang="ko-KR" altLang="en-US" sz="1200" dirty="0">
+                <a:solidFill>
+                  <a:schemeClr val="accent2"/>
+                </a:solidFill>
+              </a:rPr>
+              <a:t>왼쪽하단시작</a:t>
+            </a:r>
+            <a:r>
+              <a:rPr lang="en-US" altLang="ko-KR" sz="1200" dirty="0">
+                <a:solidFill>
+                  <a:schemeClr val="accent2"/>
+                </a:solidFill>
+              </a:rPr>
+              <a:t>)</a:t>
+            </a:r>
+          </a:p>
+          <a:p>
+            <a:r>
+              <a:rPr lang="en-US" altLang="ko-KR" sz="1200" dirty="0">
+                <a:solidFill>
+                  <a:schemeClr val="accent2"/>
+                </a:solidFill>
+              </a:rPr>
+              <a:t>1 (-570, -2850)</a:t>
+            </a:r>
+          </a:p>
+          <a:p>
+            <a:r>
+              <a:rPr lang="en-US" altLang="ko-KR" sz="1200" dirty="0">
+                <a:solidFill>
+                  <a:schemeClr val="accent2"/>
+                </a:solidFill>
+              </a:rPr>
+              <a:t>2 (-510, -1780)</a:t>
+            </a:r>
+          </a:p>
+          <a:p>
+            <a:r>
+              <a:rPr lang="en-US" altLang="ko-KR" sz="1200" dirty="0">
+                <a:solidFill>
+                  <a:schemeClr val="accent2"/>
+                </a:solidFill>
+              </a:rPr>
+              <a:t>3 (-180, -1580)</a:t>
+            </a:r>
+          </a:p>
+          <a:p>
+            <a:r>
+              <a:rPr lang="en-US" altLang="ko-KR" sz="1200" dirty="0">
+                <a:solidFill>
+                  <a:schemeClr val="accent2"/>
+                </a:solidFill>
+              </a:rPr>
+              <a:t>4 (0, 0)</a:t>
+            </a:r>
+          </a:p>
+        </p:txBody>
+      </p:sp>
+      <p:sp>
+        <p:nvSpPr>
+          <p:cNvPr id="37" name="TextBox 36">
+            <a:extLst>
+              <a:ext uri="{FF2B5EF4-FFF2-40B4-BE49-F238E27FC236}">
+                <a16:creationId xmlns:a16="http://schemas.microsoft.com/office/drawing/2014/main" id="{C03BF1B2-0683-421A-BC60-6B092239D80C}"/>
+              </a:ext>
+            </a:extLst>
+          </p:cNvPr>
+          <p:cNvSpPr txBox="1"/>
+          <p:nvPr/>
+        </p:nvSpPr>
+        <p:spPr>
+          <a:xfrm>
+            <a:off x="9048397" y="3092759"/>
+            <a:ext cx="1593706" cy="1015663"/>
+          </a:xfrm>
+          <a:prstGeom prst="rect">
+            <a:avLst/>
+          </a:prstGeom>
+          <a:noFill/>
+        </p:spPr>
+        <p:txBody>
+          <a:bodyPr wrap="none" rtlCol="0">
+            <a:spAutoFit/>
+          </a:bodyPr>
+          <a:lstStyle/>
+          <a:p>
+            <a:r>
+              <a:rPr lang="ko-KR" altLang="en-US" sz="1200" dirty="0">
+                <a:solidFill>
+                  <a:schemeClr val="accent2"/>
+                </a:solidFill>
+              </a:rPr>
+              <a:t>경로</a:t>
+            </a:r>
+            <a:r>
+              <a:rPr lang="en-US" altLang="ko-KR" sz="1200" dirty="0">
+                <a:solidFill>
+                  <a:schemeClr val="accent2"/>
+                </a:solidFill>
+              </a:rPr>
+              <a:t>9(</a:t>
+            </a:r>
+            <a:r>
+              <a:rPr lang="ko-KR" altLang="en-US" sz="1200" dirty="0">
+                <a:solidFill>
+                  <a:schemeClr val="accent2"/>
+                </a:solidFill>
+              </a:rPr>
+              <a:t>왼쪽하단시작</a:t>
+            </a:r>
+            <a:r>
+              <a:rPr lang="en-US" altLang="ko-KR" sz="1200" dirty="0">
+                <a:solidFill>
+                  <a:schemeClr val="accent2"/>
+                </a:solidFill>
+              </a:rPr>
+              <a:t>)</a:t>
+            </a:r>
+          </a:p>
+          <a:p>
+            <a:r>
+              <a:rPr lang="en-US" altLang="ko-KR" sz="1200" dirty="0">
+                <a:solidFill>
+                  <a:schemeClr val="accent2"/>
+                </a:solidFill>
+              </a:rPr>
+              <a:t>1 (-430, -2850)</a:t>
+            </a:r>
+          </a:p>
+          <a:p>
+            <a:r>
+              <a:rPr lang="en-US" altLang="ko-KR" sz="1200" dirty="0">
+                <a:solidFill>
+                  <a:schemeClr val="accent2"/>
+                </a:solidFill>
+              </a:rPr>
+              <a:t>2 (-430, -1870)</a:t>
+            </a:r>
+          </a:p>
+          <a:p>
+            <a:r>
+              <a:rPr lang="en-US" altLang="ko-KR" sz="1200" dirty="0">
+                <a:solidFill>
+                  <a:schemeClr val="accent2"/>
+                </a:solidFill>
+              </a:rPr>
+              <a:t>3 (-70, -1640)</a:t>
+            </a:r>
+          </a:p>
+          <a:p>
+            <a:r>
+              <a:rPr lang="en-US" altLang="ko-KR" sz="1200" dirty="0">
+                <a:solidFill>
+                  <a:schemeClr val="accent2"/>
+                </a:solidFill>
+              </a:rPr>
+              <a:t>4 (0, 0)</a:t>
+            </a:r>
+          </a:p>
+        </p:txBody>
+      </p:sp>
+      <p:sp>
+        <p:nvSpPr>
+          <p:cNvPr id="38" name="TextBox 37">
+            <a:extLst>
+              <a:ext uri="{FF2B5EF4-FFF2-40B4-BE49-F238E27FC236}">
+                <a16:creationId xmlns:a16="http://schemas.microsoft.com/office/drawing/2014/main" id="{F3C20453-A6DA-4561-85EF-BDB7E56ADC71}"/>
+              </a:ext>
+            </a:extLst>
+          </p:cNvPr>
+          <p:cNvSpPr txBox="1"/>
+          <p:nvPr/>
+        </p:nvSpPr>
+        <p:spPr>
+          <a:xfrm>
+            <a:off x="5304517" y="4711197"/>
+            <a:ext cx="1747594" cy="1015663"/>
+          </a:xfrm>
+          <a:prstGeom prst="rect">
+            <a:avLst/>
+          </a:prstGeom>
+          <a:noFill/>
+        </p:spPr>
+        <p:txBody>
+          <a:bodyPr wrap="none" rtlCol="0">
+            <a:spAutoFit/>
+          </a:bodyPr>
+          <a:lstStyle/>
+          <a:p>
+            <a:r>
+              <a:rPr lang="ko-KR" altLang="en-US" sz="1200" dirty="0">
+                <a:solidFill>
+                  <a:schemeClr val="accent2"/>
+                </a:solidFill>
+              </a:rPr>
+              <a:t>경로</a:t>
+            </a:r>
+            <a:r>
+              <a:rPr lang="en-US" altLang="ko-KR" sz="1200" dirty="0">
+                <a:solidFill>
+                  <a:schemeClr val="accent2"/>
+                </a:solidFill>
+              </a:rPr>
+              <a:t>4(</a:t>
+            </a:r>
+            <a:r>
+              <a:rPr lang="ko-KR" altLang="en-US" sz="1200" dirty="0">
+                <a:solidFill>
+                  <a:schemeClr val="accent2"/>
+                </a:solidFill>
+              </a:rPr>
+              <a:t>오른쪽하단시작</a:t>
+            </a:r>
+            <a:r>
+              <a:rPr lang="en-US" altLang="ko-KR" sz="1200" dirty="0">
+                <a:solidFill>
+                  <a:schemeClr val="accent2"/>
+                </a:solidFill>
+              </a:rPr>
+              <a:t>)</a:t>
+            </a:r>
+          </a:p>
+          <a:p>
+            <a:r>
+              <a:rPr lang="en-US" altLang="ko-KR" sz="1200" dirty="0">
+                <a:solidFill>
+                  <a:schemeClr val="accent2"/>
+                </a:solidFill>
+              </a:rPr>
+              <a:t>1 (430, -2850)</a:t>
+            </a:r>
+          </a:p>
+          <a:p>
+            <a:r>
+              <a:rPr lang="en-US" altLang="ko-KR" sz="1200" dirty="0">
+                <a:solidFill>
+                  <a:schemeClr val="accent2"/>
+                </a:solidFill>
+              </a:rPr>
+              <a:t>2 (430, -1870)</a:t>
+            </a:r>
+          </a:p>
+          <a:p>
+            <a:r>
+              <a:rPr lang="en-US" altLang="ko-KR" sz="1200" dirty="0">
+                <a:solidFill>
+                  <a:schemeClr val="accent2"/>
+                </a:solidFill>
+              </a:rPr>
+              <a:t>3 (70, -1640)</a:t>
+            </a:r>
+          </a:p>
+          <a:p>
+            <a:r>
+              <a:rPr lang="en-US" altLang="ko-KR" sz="1200" dirty="0">
+                <a:solidFill>
+                  <a:schemeClr val="accent2"/>
+                </a:solidFill>
+              </a:rPr>
+              <a:t>4 (0, 0)</a:t>
+            </a:r>
+          </a:p>
+        </p:txBody>
+      </p:sp>
+      <p:sp>
+        <p:nvSpPr>
+          <p:cNvPr id="39" name="TextBox 38">
+            <a:extLst>
+              <a:ext uri="{FF2B5EF4-FFF2-40B4-BE49-F238E27FC236}">
+                <a16:creationId xmlns:a16="http://schemas.microsoft.com/office/drawing/2014/main" id="{47C3BA1E-E0F6-4233-A0DC-634558905E09}"/>
+              </a:ext>
+            </a:extLst>
+          </p:cNvPr>
+          <p:cNvSpPr txBox="1"/>
+          <p:nvPr/>
+        </p:nvSpPr>
+        <p:spPr>
+          <a:xfrm>
+            <a:off x="7169706" y="4711196"/>
+            <a:ext cx="1747594" cy="1015663"/>
+          </a:xfrm>
+          <a:prstGeom prst="rect">
+            <a:avLst/>
+          </a:prstGeom>
+          <a:noFill/>
+        </p:spPr>
+        <p:txBody>
+          <a:bodyPr wrap="none" rtlCol="0">
+            <a:spAutoFit/>
+          </a:bodyPr>
+          <a:lstStyle/>
+          <a:p>
+            <a:r>
+              <a:rPr lang="ko-KR" altLang="en-US" sz="1200" dirty="0">
+                <a:solidFill>
+                  <a:schemeClr val="accent2"/>
+                </a:solidFill>
+              </a:rPr>
+              <a:t>경로</a:t>
+            </a:r>
+            <a:r>
+              <a:rPr lang="en-US" altLang="ko-KR" sz="1200" dirty="0">
+                <a:solidFill>
+                  <a:schemeClr val="accent2"/>
+                </a:solidFill>
+              </a:rPr>
+              <a:t>5(</a:t>
+            </a:r>
+            <a:r>
+              <a:rPr lang="ko-KR" altLang="en-US" sz="1200" dirty="0">
+                <a:solidFill>
+                  <a:schemeClr val="accent2"/>
+                </a:solidFill>
+              </a:rPr>
+              <a:t>오른쪽하단시작</a:t>
+            </a:r>
+            <a:r>
+              <a:rPr lang="en-US" altLang="ko-KR" sz="1200" dirty="0">
+                <a:solidFill>
+                  <a:schemeClr val="accent2"/>
+                </a:solidFill>
+              </a:rPr>
+              <a:t>)</a:t>
+            </a:r>
+          </a:p>
+          <a:p>
+            <a:r>
+              <a:rPr lang="en-US" altLang="ko-KR" sz="1200" dirty="0">
+                <a:solidFill>
+                  <a:schemeClr val="accent2"/>
+                </a:solidFill>
+              </a:rPr>
+              <a:t>1 (570, -2850)</a:t>
+            </a:r>
+          </a:p>
+          <a:p>
+            <a:r>
+              <a:rPr lang="en-US" altLang="ko-KR" sz="1200" dirty="0">
+                <a:solidFill>
+                  <a:schemeClr val="accent2"/>
+                </a:solidFill>
+              </a:rPr>
+              <a:t>2 (510, -1780)</a:t>
+            </a:r>
+          </a:p>
+          <a:p>
+            <a:r>
+              <a:rPr lang="en-US" altLang="ko-KR" sz="1200" dirty="0">
+                <a:solidFill>
+                  <a:schemeClr val="accent2"/>
+                </a:solidFill>
+              </a:rPr>
+              <a:t>3 (180, -1580)</a:t>
+            </a:r>
+          </a:p>
+          <a:p>
+            <a:r>
+              <a:rPr lang="en-US" altLang="ko-KR" sz="1200" dirty="0">
+                <a:solidFill>
+                  <a:schemeClr val="accent2"/>
+                </a:solidFill>
+              </a:rPr>
+              <a:t>4 (0, 0)</a:t>
+            </a:r>
+          </a:p>
+        </p:txBody>
+      </p:sp>
+      <p:sp>
+        <p:nvSpPr>
+          <p:cNvPr id="40" name="TextBox 39">
+            <a:extLst>
+              <a:ext uri="{FF2B5EF4-FFF2-40B4-BE49-F238E27FC236}">
+                <a16:creationId xmlns:a16="http://schemas.microsoft.com/office/drawing/2014/main" id="{31C22682-4F7C-4135-9224-0B86AA4F26DF}"/>
+              </a:ext>
+            </a:extLst>
+          </p:cNvPr>
+          <p:cNvSpPr txBox="1"/>
+          <p:nvPr/>
+        </p:nvSpPr>
+        <p:spPr>
+          <a:xfrm>
+            <a:off x="9073704" y="4711011"/>
+            <a:ext cx="1747594" cy="1015663"/>
+          </a:xfrm>
+          <a:prstGeom prst="rect">
+            <a:avLst/>
+          </a:prstGeom>
+          <a:noFill/>
+        </p:spPr>
+        <p:txBody>
+          <a:bodyPr wrap="none" rtlCol="0">
+            <a:spAutoFit/>
+          </a:bodyPr>
+          <a:lstStyle/>
+          <a:p>
+            <a:r>
+              <a:rPr lang="ko-KR" altLang="en-US" sz="1200" dirty="0">
+                <a:solidFill>
+                  <a:schemeClr val="accent2"/>
+                </a:solidFill>
+              </a:rPr>
+              <a:t>경로</a:t>
+            </a:r>
+            <a:r>
+              <a:rPr lang="en-US" altLang="ko-KR" sz="1200" dirty="0">
+                <a:solidFill>
+                  <a:schemeClr val="accent2"/>
+                </a:solidFill>
+              </a:rPr>
+              <a:t>6(</a:t>
+            </a:r>
+            <a:r>
+              <a:rPr lang="ko-KR" altLang="en-US" sz="1200" dirty="0">
+                <a:solidFill>
+                  <a:schemeClr val="accent2"/>
+                </a:solidFill>
+              </a:rPr>
+              <a:t>오른쪽하단시작</a:t>
+            </a:r>
+            <a:r>
+              <a:rPr lang="en-US" altLang="ko-KR" sz="1200" dirty="0">
+                <a:solidFill>
+                  <a:schemeClr val="accent2"/>
+                </a:solidFill>
+              </a:rPr>
+              <a:t>)</a:t>
+            </a:r>
+          </a:p>
+          <a:p>
+            <a:r>
+              <a:rPr lang="en-US" altLang="ko-KR" sz="1200" dirty="0">
+                <a:solidFill>
+                  <a:schemeClr val="accent2"/>
+                </a:solidFill>
+              </a:rPr>
+              <a:t>1 (720, -2850)</a:t>
+            </a:r>
+          </a:p>
+          <a:p>
+            <a:r>
+              <a:rPr lang="en-US" altLang="ko-KR" sz="1200" dirty="0">
+                <a:solidFill>
+                  <a:schemeClr val="accent2"/>
+                </a:solidFill>
+              </a:rPr>
+              <a:t>2 (630, -1720)</a:t>
+            </a:r>
+          </a:p>
+          <a:p>
+            <a:r>
+              <a:rPr lang="en-US" altLang="ko-KR" sz="1200" dirty="0">
+                <a:solidFill>
+                  <a:schemeClr val="accent2"/>
+                </a:solidFill>
+              </a:rPr>
+              <a:t>3 (220, -1520)</a:t>
+            </a:r>
+          </a:p>
+          <a:p>
+            <a:r>
+              <a:rPr lang="en-US" altLang="ko-KR" sz="1200" dirty="0">
+                <a:solidFill>
+                  <a:schemeClr val="accent2"/>
+                </a:solidFill>
+              </a:rPr>
+              <a:t>4 (0, 0)</a:t>
+            </a:r>
+          </a:p>
+        </p:txBody>
+      </p:sp>
+    </p:spTree>
+    <p:extLst>
+      <p:ext uri="{BB962C8B-B14F-4D97-AF65-F5344CB8AC3E}">
+        <p14:creationId xmlns:p14="http://schemas.microsoft.com/office/powerpoint/2010/main" val="3072842035"/>
+      </p:ext>
+    </p:extLst>
+  </p:cSld>
+  <p:clrMapOvr>
+    <a:masterClrMapping/>
+  </p:clrMapOvr>
+</p:sld>
+</file>
+
+<file path=ppt/slides/slide3.xml><?xml version="1.0" encoding="utf-8"?>
 <p:sld xmlns:a="http://schemas.openxmlformats.org/drawingml/2006/main" xmlns:r="http://schemas.openxmlformats.org/officeDocument/2006/relationships" xmlns:p="http://schemas.openxmlformats.org/presentationml/2006/main">
   <p:cSld>
     <p:spTree>

--- a/res/스테이지 경로/스테이지1.pptx
+++ b/res/스테이지 경로/스테이지1.pptx
@@ -10,7 +10,7 @@
   <p:sldIdLst>
     <p:sldId id="258" r:id="rId2"/>
     <p:sldId id="259" r:id="rId3"/>
-    <p:sldId id="257" r:id="rId4"/>
+    <p:sldId id="260" r:id="rId4"/>
   </p:sldIdLst>
   <p:sldSz cx="12192000" cy="6858000"/>
   <p:notesSz cx="6858000" cy="9144000"/>
@@ -199,7 +199,7 @@
           <a:p>
             <a:fld id="{44C7CAA8-DF81-4AA8-8C64-A8E48E59C46F}" type="datetimeFigureOut">
               <a:rPr lang="ko-KR" altLang="en-US" smtClean="0"/>
-              <a:t>2020-07-21</a:t>
+              <a:t>2020-07-22</a:t>
             </a:fld>
             <a:endParaRPr lang="ko-KR" altLang="en-US"/>
           </a:p>
@@ -613,7 +613,7 @@
           <a:p>
             <a:fld id="{B98EBF65-4B1A-44E0-9E25-9A044B733A4D}" type="datetimeFigureOut">
               <a:rPr lang="ko-KR" altLang="en-US" smtClean="0"/>
-              <a:t>2020-07-21</a:t>
+              <a:t>2020-07-22</a:t>
             </a:fld>
             <a:endParaRPr lang="ko-KR" altLang="en-US"/>
           </a:p>
@@ -811,7 +811,7 @@
           <a:p>
             <a:fld id="{B98EBF65-4B1A-44E0-9E25-9A044B733A4D}" type="datetimeFigureOut">
               <a:rPr lang="ko-KR" altLang="en-US" smtClean="0"/>
-              <a:t>2020-07-21</a:t>
+              <a:t>2020-07-22</a:t>
             </a:fld>
             <a:endParaRPr lang="ko-KR" altLang="en-US"/>
           </a:p>
@@ -1019,7 +1019,7 @@
           <a:p>
             <a:fld id="{B98EBF65-4B1A-44E0-9E25-9A044B733A4D}" type="datetimeFigureOut">
               <a:rPr lang="ko-KR" altLang="en-US" smtClean="0"/>
-              <a:t>2020-07-21</a:t>
+              <a:t>2020-07-22</a:t>
             </a:fld>
             <a:endParaRPr lang="ko-KR" altLang="en-US"/>
           </a:p>
@@ -1217,7 +1217,7 @@
           <a:p>
             <a:fld id="{B98EBF65-4B1A-44E0-9E25-9A044B733A4D}" type="datetimeFigureOut">
               <a:rPr lang="ko-KR" altLang="en-US" smtClean="0"/>
-              <a:t>2020-07-21</a:t>
+              <a:t>2020-07-22</a:t>
             </a:fld>
             <a:endParaRPr lang="ko-KR" altLang="en-US"/>
           </a:p>
@@ -1492,7 +1492,7 @@
           <a:p>
             <a:fld id="{B98EBF65-4B1A-44E0-9E25-9A044B733A4D}" type="datetimeFigureOut">
               <a:rPr lang="ko-KR" altLang="en-US" smtClean="0"/>
-              <a:t>2020-07-21</a:t>
+              <a:t>2020-07-22</a:t>
             </a:fld>
             <a:endParaRPr lang="ko-KR" altLang="en-US"/>
           </a:p>
@@ -1757,7 +1757,7 @@
           <a:p>
             <a:fld id="{B98EBF65-4B1A-44E0-9E25-9A044B733A4D}" type="datetimeFigureOut">
               <a:rPr lang="ko-KR" altLang="en-US" smtClean="0"/>
-              <a:t>2020-07-21</a:t>
+              <a:t>2020-07-22</a:t>
             </a:fld>
             <a:endParaRPr lang="ko-KR" altLang="en-US"/>
           </a:p>
@@ -2169,7 +2169,7 @@
           <a:p>
             <a:fld id="{B98EBF65-4B1A-44E0-9E25-9A044B733A4D}" type="datetimeFigureOut">
               <a:rPr lang="ko-KR" altLang="en-US" smtClean="0"/>
-              <a:t>2020-07-21</a:t>
+              <a:t>2020-07-22</a:t>
             </a:fld>
             <a:endParaRPr lang="ko-KR" altLang="en-US"/>
           </a:p>
@@ -2310,7 +2310,7 @@
           <a:p>
             <a:fld id="{B98EBF65-4B1A-44E0-9E25-9A044B733A4D}" type="datetimeFigureOut">
               <a:rPr lang="ko-KR" altLang="en-US" smtClean="0"/>
-              <a:t>2020-07-21</a:t>
+              <a:t>2020-07-22</a:t>
             </a:fld>
             <a:endParaRPr lang="ko-KR" altLang="en-US"/>
           </a:p>
@@ -2423,7 +2423,7 @@
           <a:p>
             <a:fld id="{B98EBF65-4B1A-44E0-9E25-9A044B733A4D}" type="datetimeFigureOut">
               <a:rPr lang="ko-KR" altLang="en-US" smtClean="0"/>
-              <a:t>2020-07-21</a:t>
+              <a:t>2020-07-22</a:t>
             </a:fld>
             <a:endParaRPr lang="ko-KR" altLang="en-US"/>
           </a:p>
@@ -2734,7 +2734,7 @@
           <a:p>
             <a:fld id="{B98EBF65-4B1A-44E0-9E25-9A044B733A4D}" type="datetimeFigureOut">
               <a:rPr lang="ko-KR" altLang="en-US" smtClean="0"/>
-              <a:t>2020-07-21</a:t>
+              <a:t>2020-07-22</a:t>
             </a:fld>
             <a:endParaRPr lang="ko-KR" altLang="en-US"/>
           </a:p>
@@ -3022,7 +3022,7 @@
           <a:p>
             <a:fld id="{B98EBF65-4B1A-44E0-9E25-9A044B733A4D}" type="datetimeFigureOut">
               <a:rPr lang="ko-KR" altLang="en-US" smtClean="0"/>
-              <a:t>2020-07-21</a:t>
+              <a:t>2020-07-22</a:t>
             </a:fld>
             <a:endParaRPr lang="ko-KR" altLang="en-US"/>
           </a:p>
@@ -3263,7 +3263,7 @@
           <a:p>
             <a:fld id="{B98EBF65-4B1A-44E0-9E25-9A044B733A4D}" type="datetimeFigureOut">
               <a:rPr lang="ko-KR" altLang="en-US" smtClean="0"/>
-              <a:t>2020-07-21</a:t>
+              <a:t>2020-07-22</a:t>
             </a:fld>
             <a:endParaRPr lang="ko-KR" altLang="en-US"/>
           </a:p>
@@ -5864,7 +5864,7 @@
         </p:nvSpPr>
         <p:spPr>
           <a:xfrm>
-            <a:off x="-59997" y="6365932"/>
+            <a:off x="80432" y="6354417"/>
             <a:ext cx="992579" cy="276999"/>
           </a:xfrm>
           <a:prstGeom prst="rect">
@@ -7347,6 +7347,168 @@
               </a:rPr>
               <a:t>4 (0, 0)</a:t>
             </a:r>
+          </a:p>
+        </p:txBody>
+      </p:sp>
+      <p:cxnSp>
+        <p:nvCxnSpPr>
+          <p:cNvPr id="45" name="직선 화살표 연결선 44">
+            <a:extLst>
+              <a:ext uri="{FF2B5EF4-FFF2-40B4-BE49-F238E27FC236}">
+                <a16:creationId xmlns:a16="http://schemas.microsoft.com/office/drawing/2014/main" id="{D720487A-9C86-4716-9C64-7618AD7D8149}"/>
+              </a:ext>
+            </a:extLst>
+          </p:cNvPr>
+          <p:cNvCxnSpPr/>
+          <p:nvPr/>
+        </p:nvCxnSpPr>
+        <p:spPr>
+          <a:xfrm flipV="1">
+            <a:off x="185356" y="5187455"/>
+            <a:ext cx="0" cy="1455476"/>
+          </a:xfrm>
+          <a:prstGeom prst="straightConnector1">
+            <a:avLst/>
+          </a:prstGeom>
+          <a:ln>
+            <a:tailEnd type="triangle"/>
+          </a:ln>
+        </p:spPr>
+        <p:style>
+          <a:lnRef idx="1">
+            <a:schemeClr val="accent1"/>
+          </a:lnRef>
+          <a:fillRef idx="0">
+            <a:schemeClr val="accent1"/>
+          </a:fillRef>
+          <a:effectRef idx="0">
+            <a:schemeClr val="accent1"/>
+          </a:effectRef>
+          <a:fontRef idx="minor">
+            <a:schemeClr val="tx1"/>
+          </a:fontRef>
+        </p:style>
+      </p:cxnSp>
+      <p:cxnSp>
+        <p:nvCxnSpPr>
+          <p:cNvPr id="46" name="직선 화살표 연결선 45">
+            <a:extLst>
+              <a:ext uri="{FF2B5EF4-FFF2-40B4-BE49-F238E27FC236}">
+                <a16:creationId xmlns:a16="http://schemas.microsoft.com/office/drawing/2014/main" id="{1EA9E346-BC95-4026-BCF1-0903B10C512D}"/>
+              </a:ext>
+            </a:extLst>
+          </p:cNvPr>
+          <p:cNvCxnSpPr>
+            <a:cxnSpLocks/>
+          </p:cNvCxnSpPr>
+          <p:nvPr/>
+        </p:nvCxnSpPr>
+        <p:spPr>
+          <a:xfrm>
+            <a:off x="299293" y="6671396"/>
+            <a:ext cx="1628726" cy="0"/>
+          </a:xfrm>
+          <a:prstGeom prst="straightConnector1">
+            <a:avLst/>
+          </a:prstGeom>
+          <a:ln>
+            <a:tailEnd type="triangle"/>
+          </a:ln>
+        </p:spPr>
+        <p:style>
+          <a:lnRef idx="1">
+            <a:schemeClr val="accent1"/>
+          </a:lnRef>
+          <a:fillRef idx="0">
+            <a:schemeClr val="accent1"/>
+          </a:fillRef>
+          <a:effectRef idx="0">
+            <a:schemeClr val="accent1"/>
+          </a:effectRef>
+          <a:fontRef idx="minor">
+            <a:schemeClr val="tx1"/>
+          </a:fontRef>
+        </p:style>
+      </p:cxnSp>
+      <p:sp>
+        <p:nvSpPr>
+          <p:cNvPr id="47" name="직사각형 46">
+            <a:extLst>
+              <a:ext uri="{FF2B5EF4-FFF2-40B4-BE49-F238E27FC236}">
+                <a16:creationId xmlns:a16="http://schemas.microsoft.com/office/drawing/2014/main" id="{85B9C00C-8919-4A87-B354-A08BF9D3CC32}"/>
+              </a:ext>
+            </a:extLst>
+          </p:cNvPr>
+          <p:cNvSpPr/>
+          <p:nvPr/>
+        </p:nvSpPr>
+        <p:spPr>
+          <a:xfrm>
+            <a:off x="-67234" y="6409378"/>
+            <a:ext cx="250390" cy="261610"/>
+          </a:xfrm>
+          <a:prstGeom prst="rect">
+            <a:avLst/>
+          </a:prstGeom>
+        </p:spPr>
+        <p:txBody>
+          <a:bodyPr wrap="none">
+            <a:spAutoFit/>
+          </a:bodyPr>
+          <a:lstStyle/>
+          <a:p>
+            <a:r>
+              <a:rPr lang="en-US" altLang="ko-KR" sz="1100" dirty="0">
+                <a:solidFill>
+                  <a:schemeClr val="accent2"/>
+                </a:solidFill>
+              </a:rPr>
+              <a:t>z</a:t>
+            </a:r>
+            <a:endParaRPr lang="ko-KR" altLang="en-US" sz="1100" dirty="0"/>
+          </a:p>
+        </p:txBody>
+      </p:sp>
+      <p:sp>
+        <p:nvSpPr>
+          <p:cNvPr id="48" name="직사각형 47">
+            <a:extLst>
+              <a:ext uri="{FF2B5EF4-FFF2-40B4-BE49-F238E27FC236}">
+                <a16:creationId xmlns:a16="http://schemas.microsoft.com/office/drawing/2014/main" id="{4BE2F457-E374-47AE-B6EB-EAC5A2F00D6F}"/>
+              </a:ext>
+            </a:extLst>
+          </p:cNvPr>
+          <p:cNvSpPr/>
+          <p:nvPr/>
+        </p:nvSpPr>
+        <p:spPr>
+          <a:xfrm>
+            <a:off x="294892" y="6642931"/>
+            <a:ext cx="250390" cy="261610"/>
+          </a:xfrm>
+          <a:prstGeom prst="rect">
+            <a:avLst/>
+          </a:prstGeom>
+        </p:spPr>
+        <p:txBody>
+          <a:bodyPr wrap="none">
+            <a:spAutoFit/>
+          </a:bodyPr>
+          <a:lstStyle/>
+          <a:p>
+            <a:r>
+              <a:rPr lang="en-US" altLang="ko-KR" sz="1100" dirty="0">
+                <a:solidFill>
+                  <a:schemeClr val="accent2"/>
+                </a:solidFill>
+              </a:rPr>
+              <a:t>x</a:t>
+            </a:r>
+            <a:endParaRPr lang="ko-KR" altLang="en-US" sz="1100" dirty="0">
+              <a:solidFill>
+                <a:schemeClr val="accent2"/>
+              </a:solidFill>
+            </a:endParaRPr>
           </a:p>
         </p:txBody>
       </p:sp>
@@ -7402,7 +7564,7 @@
         </p:blipFill>
         <p:spPr>
           <a:xfrm>
-            <a:off x="397164" y="0"/>
+            <a:off x="384115" y="-69511"/>
             <a:ext cx="7721600" cy="6456523"/>
           </a:xfrm>
           <a:prstGeom prst="rect">
@@ -7424,7 +7586,7 @@
         </p:nvSpPr>
         <p:spPr>
           <a:xfrm>
-            <a:off x="3493176" y="2858566"/>
+            <a:off x="4011518" y="2897141"/>
             <a:ext cx="466794" cy="261610"/>
           </a:xfrm>
           <a:prstGeom prst="rect">
@@ -7433,7 +7595,7 @@
           <a:noFill/>
         </p:spPr>
         <p:txBody>
-          <a:bodyPr wrap="none" rtlCol="0">
+          <a:bodyPr wrap="square" rtlCol="0">
             <a:spAutoFit/>
           </a:bodyPr>
           <a:lstStyle/>
@@ -7464,7 +7626,7 @@
         <p:spPr>
           <a:xfrm>
             <a:off x="1918376" y="4978311"/>
-            <a:ext cx="928459" cy="246221"/>
+            <a:ext cx="857927" cy="246221"/>
           </a:xfrm>
           <a:prstGeom prst="rect">
             <a:avLst/>
@@ -7472,7 +7634,7 @@
           <a:noFill/>
         </p:spPr>
         <p:txBody>
-          <a:bodyPr wrap="none" rtlCol="0">
+          <a:bodyPr wrap="square" rtlCol="0">
             <a:spAutoFit/>
           </a:bodyPr>
           <a:lstStyle/>
@@ -7483,7 +7645,7 @@
                   <a:schemeClr val="accent2"/>
                 </a:solidFill>
               </a:rPr>
-              <a:t>-1500, -1500</a:t>
+              <a:t>-620, -1530</a:t>
             </a:r>
             <a:endParaRPr lang="ko-KR" altLang="en-US" sz="1000" dirty="0">
               <a:solidFill>
@@ -7508,7 +7670,7 @@
         <p:spPr>
           <a:xfrm>
             <a:off x="1918376" y="5717417"/>
-            <a:ext cx="928459" cy="246221"/>
+            <a:ext cx="857927" cy="246221"/>
           </a:xfrm>
           <a:prstGeom prst="rect">
             <a:avLst/>
@@ -7516,7 +7678,7 @@
           <a:noFill/>
         </p:spPr>
         <p:txBody>
-          <a:bodyPr wrap="none" rtlCol="0">
+          <a:bodyPr wrap="square" rtlCol="0">
             <a:spAutoFit/>
           </a:bodyPr>
           <a:lstStyle/>
@@ -7527,7 +7689,7 @@
                   <a:schemeClr val="accent2"/>
                 </a:solidFill>
               </a:rPr>
-              <a:t>-1500, -2100</a:t>
+              <a:t>-620, -1900</a:t>
             </a:r>
             <a:endParaRPr lang="ko-KR" altLang="en-US" sz="1000" dirty="0">
               <a:solidFill>
@@ -7560,7 +7722,7 @@
           <a:noFill/>
         </p:spPr>
         <p:txBody>
-          <a:bodyPr wrap="none" rtlCol="0">
+          <a:bodyPr wrap="square" rtlCol="0">
             <a:spAutoFit/>
           </a:bodyPr>
           <a:lstStyle/>
@@ -7571,7 +7733,7 @@
                   <a:schemeClr val="accent2"/>
                 </a:solidFill>
               </a:rPr>
-              <a:t>730, -1470</a:t>
+              <a:t>810, -1530</a:t>
             </a:r>
             <a:endParaRPr lang="ko-KR" altLang="en-US" sz="1000" dirty="0">
               <a:solidFill>
@@ -7604,7 +7766,7 @@
           <a:noFill/>
         </p:spPr>
         <p:txBody>
-          <a:bodyPr wrap="none" rtlCol="0">
+          <a:bodyPr wrap="square" rtlCol="0">
             <a:spAutoFit/>
           </a:bodyPr>
           <a:lstStyle/>
@@ -7615,7 +7777,7 @@
                   <a:schemeClr val="accent2"/>
                 </a:solidFill>
               </a:rPr>
-              <a:t>1470, -1470</a:t>
+              <a:t>1330, -1530</a:t>
             </a:r>
             <a:endParaRPr lang="ko-KR" altLang="en-US" sz="1000" dirty="0">
               <a:solidFill>
@@ -7648,7 +7810,7 @@
           <a:noFill/>
         </p:spPr>
         <p:txBody>
-          <a:bodyPr wrap="none" rtlCol="0">
+          <a:bodyPr wrap="square" rtlCol="0">
             <a:spAutoFit/>
           </a:bodyPr>
           <a:lstStyle/>
@@ -7659,7 +7821,7 @@
                   <a:schemeClr val="accent2"/>
                 </a:solidFill>
               </a:rPr>
-              <a:t>2600, -1530</a:t>
+              <a:t>1900, -1530</a:t>
             </a:r>
             <a:endParaRPr lang="ko-KR" altLang="en-US" sz="1000" dirty="0">
               <a:solidFill>
@@ -7692,7 +7854,7 @@
           <a:noFill/>
         </p:spPr>
         <p:txBody>
-          <a:bodyPr wrap="none" rtlCol="0">
+          <a:bodyPr wrap="square" rtlCol="0">
             <a:spAutoFit/>
           </a:bodyPr>
           <a:lstStyle/>
@@ -7703,7 +7865,7 @@
                   <a:schemeClr val="accent2"/>
                 </a:solidFill>
               </a:rPr>
-              <a:t>2600, -2150</a:t>
+              <a:t>1900, -1900</a:t>
             </a:r>
             <a:endParaRPr lang="ko-KR" altLang="en-US" sz="1000" dirty="0">
               <a:solidFill>
@@ -7736,7 +7898,7 @@
           <a:noFill/>
         </p:spPr>
         <p:txBody>
-          <a:bodyPr wrap="none" rtlCol="0">
+          <a:bodyPr wrap="square" rtlCol="0">
             <a:spAutoFit/>
           </a:bodyPr>
           <a:lstStyle/>
@@ -7747,7 +7909,7 @@
                   <a:schemeClr val="accent2"/>
                 </a:solidFill>
               </a:rPr>
-              <a:t>1430, 1050</a:t>
+              <a:t>1330, 1040</a:t>
             </a:r>
             <a:endParaRPr lang="ko-KR" altLang="en-US" sz="1000" dirty="0">
               <a:solidFill>
@@ -7780,7 +7942,7 @@
           <a:noFill/>
         </p:spPr>
         <p:txBody>
-          <a:bodyPr wrap="none" rtlCol="0">
+          <a:bodyPr wrap="square" rtlCol="0">
             <a:spAutoFit/>
           </a:bodyPr>
           <a:lstStyle/>
@@ -7791,7 +7953,7 @@
                   <a:schemeClr val="accent2"/>
                 </a:solidFill>
               </a:rPr>
-              <a:t>760, 690</a:t>
+              <a:t>810, 670</a:t>
             </a:r>
             <a:endParaRPr lang="ko-KR" altLang="en-US" sz="1000" dirty="0">
               <a:solidFill>
@@ -7824,7 +7986,7 @@
           <a:noFill/>
         </p:spPr>
         <p:txBody>
-          <a:bodyPr wrap="none" rtlCol="0">
+          <a:bodyPr wrap="square" rtlCol="0">
             <a:spAutoFit/>
           </a:bodyPr>
           <a:lstStyle/>
@@ -7835,7 +7997,7 @@
                   <a:schemeClr val="accent2"/>
                 </a:solidFill>
               </a:rPr>
-              <a:t>-320, 1050</a:t>
+              <a:t>-320, 1040</a:t>
             </a:r>
             <a:endParaRPr lang="ko-KR" altLang="en-US" sz="1000" dirty="0">
               <a:solidFill>
@@ -7859,8 +8021,8 @@
         </p:nvSpPr>
         <p:spPr>
           <a:xfrm>
-            <a:off x="3324058" y="3066306"/>
-            <a:ext cx="734496" cy="246221"/>
+            <a:off x="4045181" y="3079296"/>
+            <a:ext cx="399468" cy="246221"/>
           </a:xfrm>
           <a:prstGeom prst="rect">
             <a:avLst/>
@@ -7868,7 +8030,7 @@
           <a:noFill/>
         </p:spPr>
         <p:txBody>
-          <a:bodyPr wrap="none" rtlCol="0">
+          <a:bodyPr wrap="square" rtlCol="0">
             <a:spAutoFit/>
           </a:bodyPr>
           <a:lstStyle/>
@@ -7879,7 +8041,7 @@
                   <a:schemeClr val="accent2"/>
                 </a:solidFill>
               </a:rPr>
-              <a:t>-360, 200</a:t>
+              <a:t>0, 0</a:t>
             </a:r>
             <a:endParaRPr lang="ko-KR" altLang="en-US" sz="1000" dirty="0">
               <a:solidFill>
@@ -7912,7 +8074,7 @@
           <a:noFill/>
         </p:spPr>
         <p:txBody>
-          <a:bodyPr wrap="none" rtlCol="0">
+          <a:bodyPr wrap="square" rtlCol="0">
             <a:spAutoFit/>
           </a:bodyPr>
           <a:lstStyle/>
@@ -7923,7 +8085,7 @@
                   <a:schemeClr val="accent2"/>
                 </a:solidFill>
               </a:rPr>
-              <a:t>320, 690</a:t>
+              <a:t>330, 670</a:t>
             </a:r>
             <a:endParaRPr lang="ko-KR" altLang="en-US" sz="1000" dirty="0">
               <a:solidFill>
@@ -7947,8 +8109,8 @@
         </p:nvSpPr>
         <p:spPr>
           <a:xfrm>
-            <a:off x="4414033" y="4510171"/>
-            <a:ext cx="734496" cy="246221"/>
+            <a:off x="4334754" y="4474598"/>
+            <a:ext cx="805029" cy="246221"/>
           </a:xfrm>
           <a:prstGeom prst="rect">
             <a:avLst/>
@@ -7956,7 +8118,7 @@
           <a:noFill/>
         </p:spPr>
         <p:txBody>
-          <a:bodyPr wrap="none" rtlCol="0">
+          <a:bodyPr wrap="square" rtlCol="0">
             <a:spAutoFit/>
           </a:bodyPr>
           <a:lstStyle/>
@@ -7967,7 +8129,7 @@
                   <a:schemeClr val="accent2"/>
                 </a:solidFill>
               </a:rPr>
-              <a:t>250, -970</a:t>
+              <a:t>320, -1040</a:t>
             </a:r>
             <a:endParaRPr lang="ko-KR" altLang="en-US" sz="1000" dirty="0">
               <a:solidFill>
@@ -8000,7 +8162,7 @@
           <a:noFill/>
         </p:spPr>
         <p:txBody>
-          <a:bodyPr wrap="none" rtlCol="0">
+          <a:bodyPr wrap="square" rtlCol="0">
             <a:spAutoFit/>
           </a:bodyPr>
           <a:lstStyle/>
@@ -8011,7 +8173,7 @@
                   <a:schemeClr val="accent2"/>
                 </a:solidFill>
               </a:rPr>
-              <a:t>-360, -630</a:t>
+              <a:t>-330, -670</a:t>
             </a:r>
             <a:endParaRPr lang="ko-KR" altLang="en-US" sz="1000" dirty="0">
               <a:solidFill>
@@ -8044,7 +8206,7 @@
           <a:noFill/>
         </p:spPr>
         <p:txBody>
-          <a:bodyPr wrap="none" rtlCol="0">
+          <a:bodyPr wrap="square" rtlCol="0">
             <a:spAutoFit/>
           </a:bodyPr>
           <a:lstStyle/>
@@ -8055,7 +8217,7 @@
                   <a:schemeClr val="accent2"/>
                 </a:solidFill>
               </a:rPr>
-              <a:t>-820, -630</a:t>
+              <a:t>-810, -670</a:t>
             </a:r>
             <a:endParaRPr lang="ko-KR" altLang="en-US" sz="1000" dirty="0">
               <a:solidFill>
@@ -8088,7 +8250,7 @@
           <a:noFill/>
         </p:spPr>
         <p:txBody>
-          <a:bodyPr wrap="none" rtlCol="0">
+          <a:bodyPr wrap="square" rtlCol="0">
             <a:spAutoFit/>
           </a:bodyPr>
           <a:lstStyle/>
@@ -8099,7 +8261,7 @@
                   <a:schemeClr val="accent2"/>
                 </a:solidFill>
               </a:rPr>
-              <a:t>-1510, 1570</a:t>
+              <a:t>-1330, 1530</a:t>
             </a:r>
             <a:endParaRPr lang="ko-KR" altLang="en-US" sz="1000" dirty="0">
               <a:solidFill>
@@ -8123,8 +8285,8 @@
         </p:nvSpPr>
         <p:spPr>
           <a:xfrm>
-            <a:off x="2158940" y="4498115"/>
-            <a:ext cx="857927" cy="246221"/>
+            <a:off x="1690991" y="4485647"/>
+            <a:ext cx="928459" cy="246221"/>
           </a:xfrm>
           <a:prstGeom prst="rect">
             <a:avLst/>
@@ -8132,7 +8294,7 @@
           <a:noFill/>
         </p:spPr>
         <p:txBody>
-          <a:bodyPr wrap="none" rtlCol="0">
+          <a:bodyPr wrap="square" rtlCol="0">
             <a:spAutoFit/>
           </a:bodyPr>
           <a:lstStyle/>
@@ -8143,7 +8305,7 @@
                   <a:schemeClr val="accent2"/>
                 </a:solidFill>
               </a:rPr>
-              <a:t>-1480, -980</a:t>
+              <a:t>-1330, -1040</a:t>
             </a:r>
             <a:endParaRPr lang="ko-KR" altLang="en-US" sz="1000" dirty="0">
               <a:solidFill>
@@ -8167,7 +8329,7 @@
         </p:nvSpPr>
         <p:spPr>
           <a:xfrm>
-            <a:off x="621085" y="1330339"/>
+            <a:off x="535327" y="1495634"/>
             <a:ext cx="875561" cy="246221"/>
           </a:xfrm>
           <a:prstGeom prst="rect">
@@ -8176,7 +8338,7 @@
           <a:noFill/>
         </p:spPr>
         <p:txBody>
-          <a:bodyPr wrap="none" rtlCol="0">
+          <a:bodyPr wrap="square" rtlCol="0">
             <a:spAutoFit/>
           </a:bodyPr>
           <a:lstStyle/>
@@ -8187,7 +8349,7 @@
                   <a:schemeClr val="accent2"/>
                 </a:solidFill>
               </a:rPr>
-              <a:t>-2630, 1600</a:t>
+              <a:t>-1900, 1530</a:t>
             </a:r>
             <a:endParaRPr lang="ko-KR" altLang="en-US" sz="1000" dirty="0">
               <a:solidFill>
@@ -8220,7 +8382,7 @@
           <a:noFill/>
         </p:spPr>
         <p:txBody>
-          <a:bodyPr wrap="none" rtlCol="0">
+          <a:bodyPr wrap="square" rtlCol="0">
             <a:spAutoFit/>
           </a:bodyPr>
           <a:lstStyle/>
@@ -8231,7 +8393,7 @@
                   <a:schemeClr val="accent2"/>
                 </a:solidFill>
               </a:rPr>
-              <a:t>-2630, 2200</a:t>
+              <a:t>-1900, 1900</a:t>
             </a:r>
             <a:endParaRPr lang="ko-KR" altLang="en-US" sz="1000" dirty="0">
               <a:solidFill>
@@ -8264,7 +8426,7 @@
           <a:noFill/>
         </p:spPr>
         <p:txBody>
-          <a:bodyPr wrap="none" rtlCol="0">
+          <a:bodyPr wrap="square" rtlCol="0">
             <a:spAutoFit/>
           </a:bodyPr>
           <a:lstStyle/>
@@ -8275,7 +8437,7 @@
                   <a:schemeClr val="accent2"/>
                 </a:solidFill>
               </a:rPr>
-              <a:t>-790, 1545</a:t>
+              <a:t>-810, 1530</a:t>
             </a:r>
             <a:endParaRPr lang="ko-KR" altLang="en-US" sz="1000" dirty="0">
               <a:solidFill>
@@ -8299,8 +8461,8 @@
         </p:nvSpPr>
         <p:spPr>
           <a:xfrm>
-            <a:off x="5702665" y="1264136"/>
-            <a:ext cx="822661" cy="246221"/>
+            <a:off x="5668824" y="1280434"/>
+            <a:ext cx="752129" cy="246221"/>
           </a:xfrm>
           <a:prstGeom prst="rect">
             <a:avLst/>
@@ -8308,7 +8470,7 @@
           <a:noFill/>
         </p:spPr>
         <p:txBody>
-          <a:bodyPr wrap="none" rtlCol="0">
+          <a:bodyPr wrap="square" rtlCol="0">
             <a:spAutoFit/>
           </a:bodyPr>
           <a:lstStyle/>
@@ -8319,7 +8481,7 @@
                   <a:schemeClr val="accent2"/>
                 </a:solidFill>
               </a:rPr>
-              <a:t>1400, 1600</a:t>
+              <a:t>620, 1530</a:t>
             </a:r>
             <a:endParaRPr lang="ko-KR" altLang="en-US" sz="1000" dirty="0">
               <a:solidFill>
@@ -8343,8 +8505,8 @@
         </p:nvSpPr>
         <p:spPr>
           <a:xfrm>
-            <a:off x="5684669" y="429828"/>
-            <a:ext cx="822661" cy="246221"/>
+            <a:off x="5668824" y="278366"/>
+            <a:ext cx="752129" cy="246221"/>
           </a:xfrm>
           <a:prstGeom prst="rect">
             <a:avLst/>
@@ -8352,7 +8514,7 @@
           <a:noFill/>
         </p:spPr>
         <p:txBody>
-          <a:bodyPr wrap="none" rtlCol="0">
+          <a:bodyPr wrap="square" rtlCol="0">
             <a:spAutoFit/>
           </a:bodyPr>
           <a:lstStyle/>
@@ -8363,7 +8525,7 @@
                   <a:schemeClr val="accent2"/>
                 </a:solidFill>
               </a:rPr>
-              <a:t>1400, 2200</a:t>
+              <a:t>620, 1900</a:t>
             </a:r>
             <a:endParaRPr lang="ko-KR" altLang="en-US" sz="1000" dirty="0">
               <a:solidFill>
@@ -8382,7 +8544,9 @@
               </a:ext>
             </a:extLst>
           </p:cNvPr>
-          <p:cNvCxnSpPr/>
+          <p:cNvCxnSpPr>
+            <a:cxnSpLocks/>
+          </p:cNvCxnSpPr>
           <p:nvPr/>
         </p:nvCxnSpPr>
         <p:spPr>
@@ -8475,7 +8639,7 @@
           </a:prstGeom>
         </p:spPr>
         <p:txBody>
-          <a:bodyPr wrap="none">
+          <a:bodyPr wrap="square">
             <a:spAutoFit/>
           </a:bodyPr>
           <a:lstStyle/>
@@ -8514,7 +8678,7 @@
           </a:prstGeom>
         </p:spPr>
         <p:txBody>
-          <a:bodyPr wrap="none">
+          <a:bodyPr wrap="square">
             <a:spAutoFit/>
           </a:bodyPr>
           <a:lstStyle/>
@@ -8537,10 +8701,10 @@
       </p:sp>
       <p:sp>
         <p:nvSpPr>
-          <p:cNvPr id="39" name="TextBox 38">
-            <a:extLst>
-              <a:ext uri="{FF2B5EF4-FFF2-40B4-BE49-F238E27FC236}">
-                <a16:creationId xmlns:a16="http://schemas.microsoft.com/office/drawing/2014/main" id="{AFD25079-831C-483F-9145-D828840B5766}"/>
+          <p:cNvPr id="40" name="TextBox 39">
+            <a:extLst>
+              <a:ext uri="{FF2B5EF4-FFF2-40B4-BE49-F238E27FC236}">
+                <a16:creationId xmlns:a16="http://schemas.microsoft.com/office/drawing/2014/main" id="{055F6C3B-13CE-4FC2-BD4F-3E1640F0727B}"/>
               </a:ext>
             </a:extLst>
           </p:cNvPr>
@@ -8549,8 +8713,8 @@
         </p:nvSpPr>
         <p:spPr>
           <a:xfrm>
-            <a:off x="712236" y="809629"/>
-            <a:ext cx="875561" cy="246221"/>
+            <a:off x="8270403" y="233655"/>
+            <a:ext cx="1247457" cy="1200329"/>
           </a:xfrm>
           <a:prstGeom prst="rect">
             <a:avLst/>
@@ -8564,13 +8728,713 @@
           <a:lstStyle/>
           <a:p>
             <a:r>
+              <a:rPr lang="ko-KR" altLang="en-US" sz="1200" dirty="0">
+                <a:solidFill>
+                  <a:schemeClr val="accent2"/>
+                </a:solidFill>
+              </a:rPr>
+              <a:t>경로</a:t>
+            </a:r>
+            <a:r>
+              <a:rPr lang="en-US" altLang="ko-KR" sz="1200" dirty="0">
+                <a:solidFill>
+                  <a:schemeClr val="accent2"/>
+                </a:solidFill>
+              </a:rPr>
+              <a:t>1(</a:t>
+            </a:r>
+            <a:r>
+              <a:rPr lang="ko-KR" altLang="en-US" sz="1200" dirty="0">
+                <a:solidFill>
+                  <a:schemeClr val="accent2"/>
+                </a:solidFill>
+              </a:rPr>
+              <a:t>좌 상단</a:t>
+            </a:r>
+            <a:r>
+              <a:rPr lang="en-US" altLang="ko-KR" sz="1200" dirty="0">
+                <a:solidFill>
+                  <a:schemeClr val="accent2"/>
+                </a:solidFill>
+              </a:rPr>
+              <a:t>)</a:t>
+            </a:r>
+          </a:p>
+          <a:p>
+            <a:r>
+              <a:rPr lang="en-US" altLang="ko-KR" sz="1200" dirty="0">
+                <a:solidFill>
+                  <a:schemeClr val="accent2"/>
+                </a:solidFill>
+              </a:rPr>
+              <a:t>1 (-1900, 1570)</a:t>
+            </a:r>
+          </a:p>
+          <a:p>
+            <a:r>
+              <a:rPr lang="en-US" altLang="ko-KR" sz="1200" dirty="0">
+                <a:solidFill>
+                  <a:schemeClr val="accent2"/>
+                </a:solidFill>
+              </a:rPr>
+              <a:t>2 (-1260, 1570)</a:t>
+            </a:r>
+          </a:p>
+          <a:p>
+            <a:r>
+              <a:rPr lang="en-US" altLang="ko-KR" sz="1200" dirty="0">
+                <a:solidFill>
+                  <a:schemeClr val="accent2"/>
+                </a:solidFill>
+              </a:rPr>
+              <a:t>3 (-1070, -880)</a:t>
+            </a:r>
+          </a:p>
+          <a:p>
+            <a:r>
+              <a:rPr lang="en-US" altLang="ko-KR" sz="1200" dirty="0">
+                <a:solidFill>
+                  <a:schemeClr val="accent2"/>
+                </a:solidFill>
+              </a:rPr>
+              <a:t>4 (0, -900)</a:t>
+            </a:r>
+          </a:p>
+          <a:p>
+            <a:r>
+              <a:rPr lang="en-US" altLang="ko-KR" sz="1200" dirty="0">
+                <a:solidFill>
+                  <a:schemeClr val="accent2"/>
+                </a:solidFill>
+              </a:rPr>
+              <a:t>5 (0, 0)</a:t>
+            </a:r>
+          </a:p>
+        </p:txBody>
+      </p:sp>
+      <p:sp>
+        <p:nvSpPr>
+          <p:cNvPr id="42" name="TextBox 41">
+            <a:extLst>
+              <a:ext uri="{FF2B5EF4-FFF2-40B4-BE49-F238E27FC236}">
+                <a16:creationId xmlns:a16="http://schemas.microsoft.com/office/drawing/2014/main" id="{56CDE179-1695-4299-A6AF-C8C4709DB2F6}"/>
+              </a:ext>
+            </a:extLst>
+          </p:cNvPr>
+          <p:cNvSpPr txBox="1"/>
+          <p:nvPr/>
+        </p:nvSpPr>
+        <p:spPr>
+          <a:xfrm>
+            <a:off x="9514765" y="233655"/>
+            <a:ext cx="1247457" cy="1200329"/>
+          </a:xfrm>
+          <a:prstGeom prst="rect">
+            <a:avLst/>
+          </a:prstGeom>
+          <a:noFill/>
+        </p:spPr>
+        <p:txBody>
+          <a:bodyPr wrap="none" rtlCol="0">
+            <a:spAutoFit/>
+          </a:bodyPr>
+          <a:lstStyle/>
+          <a:p>
+            <a:r>
+              <a:rPr lang="ko-KR" altLang="en-US" sz="1200" dirty="0">
+                <a:solidFill>
+                  <a:schemeClr val="accent2"/>
+                </a:solidFill>
+              </a:rPr>
+              <a:t>경로</a:t>
+            </a:r>
+            <a:r>
+              <a:rPr lang="en-US" altLang="ko-KR" sz="1200" dirty="0">
+                <a:solidFill>
+                  <a:schemeClr val="accent2"/>
+                </a:solidFill>
+              </a:rPr>
+              <a:t>2(</a:t>
+            </a:r>
+            <a:r>
+              <a:rPr lang="ko-KR" altLang="en-US" sz="1200" dirty="0">
+                <a:solidFill>
+                  <a:schemeClr val="accent2"/>
+                </a:solidFill>
+              </a:rPr>
+              <a:t>좌 상단</a:t>
+            </a:r>
+            <a:r>
+              <a:rPr lang="en-US" altLang="ko-KR" sz="1200" dirty="0">
+                <a:solidFill>
+                  <a:schemeClr val="accent2"/>
+                </a:solidFill>
+              </a:rPr>
+              <a:t>)</a:t>
+            </a:r>
+          </a:p>
+          <a:p>
+            <a:r>
+              <a:rPr lang="en-US" altLang="ko-KR" sz="1200" dirty="0">
+                <a:solidFill>
+                  <a:schemeClr val="accent2"/>
+                </a:solidFill>
+              </a:rPr>
+              <a:t>1 (-1900, 1710)</a:t>
+            </a:r>
+          </a:p>
+          <a:p>
+            <a:r>
+              <a:rPr lang="en-US" altLang="ko-KR" sz="1200" dirty="0">
+                <a:solidFill>
+                  <a:schemeClr val="accent2"/>
+                </a:solidFill>
+              </a:rPr>
+              <a:t>2 (-1210, 1660)</a:t>
+            </a:r>
+          </a:p>
+          <a:p>
+            <a:r>
+              <a:rPr lang="en-US" altLang="ko-KR" sz="1200" dirty="0">
+                <a:solidFill>
+                  <a:schemeClr val="accent2"/>
+                </a:solidFill>
+              </a:rPr>
+              <a:t>3 (-990, -820)</a:t>
+            </a:r>
+          </a:p>
+          <a:p>
+            <a:r>
+              <a:rPr lang="en-US" altLang="ko-KR" sz="1200" dirty="0">
+                <a:solidFill>
+                  <a:schemeClr val="accent2"/>
+                </a:solidFill>
+              </a:rPr>
+              <a:t>4 (-90, -800)</a:t>
+            </a:r>
+          </a:p>
+          <a:p>
+            <a:r>
+              <a:rPr lang="en-US" altLang="ko-KR" sz="1200" dirty="0">
+                <a:solidFill>
+                  <a:schemeClr val="accent2"/>
+                </a:solidFill>
+              </a:rPr>
+              <a:t>5 (0, 0)</a:t>
+            </a:r>
+          </a:p>
+        </p:txBody>
+      </p:sp>
+      <p:sp>
+        <p:nvSpPr>
+          <p:cNvPr id="44" name="TextBox 43">
+            <a:extLst>
+              <a:ext uri="{FF2B5EF4-FFF2-40B4-BE49-F238E27FC236}">
+                <a16:creationId xmlns:a16="http://schemas.microsoft.com/office/drawing/2014/main" id="{E69173DD-2CE4-41E9-99AA-5FB79AA3F489}"/>
+              </a:ext>
+            </a:extLst>
+          </p:cNvPr>
+          <p:cNvSpPr txBox="1"/>
+          <p:nvPr/>
+        </p:nvSpPr>
+        <p:spPr>
+          <a:xfrm>
+            <a:off x="10730963" y="220443"/>
+            <a:ext cx="1247457" cy="1200329"/>
+          </a:xfrm>
+          <a:prstGeom prst="rect">
+            <a:avLst/>
+          </a:prstGeom>
+          <a:noFill/>
+        </p:spPr>
+        <p:txBody>
+          <a:bodyPr wrap="none" rtlCol="0">
+            <a:spAutoFit/>
+          </a:bodyPr>
+          <a:lstStyle/>
+          <a:p>
+            <a:r>
+              <a:rPr lang="ko-KR" altLang="en-US" sz="1200" dirty="0">
+                <a:solidFill>
+                  <a:schemeClr val="accent2"/>
+                </a:solidFill>
+              </a:rPr>
+              <a:t>경로</a:t>
+            </a:r>
+            <a:r>
+              <a:rPr lang="en-US" altLang="ko-KR" sz="1200" dirty="0">
+                <a:solidFill>
+                  <a:schemeClr val="accent2"/>
+                </a:solidFill>
+              </a:rPr>
+              <a:t>3(</a:t>
+            </a:r>
+            <a:r>
+              <a:rPr lang="ko-KR" altLang="en-US" sz="1200" dirty="0">
+                <a:solidFill>
+                  <a:schemeClr val="accent2"/>
+                </a:solidFill>
+              </a:rPr>
+              <a:t>좌 상단</a:t>
+            </a:r>
+            <a:r>
+              <a:rPr lang="en-US" altLang="ko-KR" sz="1200" dirty="0">
+                <a:solidFill>
+                  <a:schemeClr val="accent2"/>
+                </a:solidFill>
+              </a:rPr>
+              <a:t>)</a:t>
+            </a:r>
+          </a:p>
+          <a:p>
+            <a:r>
+              <a:rPr lang="en-US" altLang="ko-KR" sz="1200" dirty="0">
+                <a:solidFill>
+                  <a:schemeClr val="accent2"/>
+                </a:solidFill>
+              </a:rPr>
+              <a:t>1 (-1900, 1860)</a:t>
+            </a:r>
+          </a:p>
+          <a:p>
+            <a:r>
+              <a:rPr lang="en-US" altLang="ko-KR" sz="1200" dirty="0">
+                <a:solidFill>
+                  <a:schemeClr val="accent2"/>
+                </a:solidFill>
+              </a:rPr>
+              <a:t>2 (-1110, 1720)</a:t>
+            </a:r>
+          </a:p>
+          <a:p>
+            <a:r>
+              <a:rPr lang="en-US" altLang="ko-KR" sz="1200" dirty="0">
+                <a:solidFill>
+                  <a:schemeClr val="accent2"/>
+                </a:solidFill>
+              </a:rPr>
+              <a:t>3 (-870, -740)</a:t>
+            </a:r>
+          </a:p>
+          <a:p>
+            <a:r>
+              <a:rPr lang="en-US" altLang="ko-KR" sz="1200" dirty="0">
+                <a:solidFill>
+                  <a:schemeClr val="accent2"/>
+                </a:solidFill>
+              </a:rPr>
+              <a:t>4 (-220, -740)</a:t>
+            </a:r>
+          </a:p>
+          <a:p>
+            <a:r>
+              <a:rPr lang="en-US" altLang="ko-KR" sz="1200" dirty="0">
+                <a:solidFill>
+                  <a:schemeClr val="accent2"/>
+                </a:solidFill>
+              </a:rPr>
+              <a:t>5 (0, 0)</a:t>
+            </a:r>
+          </a:p>
+        </p:txBody>
+      </p:sp>
+      <p:sp>
+        <p:nvSpPr>
+          <p:cNvPr id="38" name="TextBox 37">
+            <a:extLst>
+              <a:ext uri="{FF2B5EF4-FFF2-40B4-BE49-F238E27FC236}">
+                <a16:creationId xmlns:a16="http://schemas.microsoft.com/office/drawing/2014/main" id="{6724F52C-A40C-429F-99F9-10424CD9FC0B}"/>
+              </a:ext>
+            </a:extLst>
+          </p:cNvPr>
+          <p:cNvSpPr txBox="1"/>
+          <p:nvPr/>
+        </p:nvSpPr>
+        <p:spPr>
+          <a:xfrm>
+            <a:off x="8239144" y="1696812"/>
+            <a:ext cx="1186543" cy="1200329"/>
+          </a:xfrm>
+          <a:prstGeom prst="rect">
+            <a:avLst/>
+          </a:prstGeom>
+          <a:noFill/>
+        </p:spPr>
+        <p:txBody>
+          <a:bodyPr wrap="none" rtlCol="0">
+            <a:spAutoFit/>
+          </a:bodyPr>
+          <a:lstStyle/>
+          <a:p>
+            <a:r>
+              <a:rPr lang="ko-KR" altLang="en-US" sz="1200" dirty="0">
+                <a:solidFill>
+                  <a:schemeClr val="accent2"/>
+                </a:solidFill>
+              </a:rPr>
+              <a:t>경로</a:t>
+            </a:r>
+            <a:r>
+              <a:rPr lang="en-US" altLang="ko-KR" sz="1200" dirty="0">
+                <a:solidFill>
+                  <a:schemeClr val="accent2"/>
+                </a:solidFill>
+              </a:rPr>
+              <a:t>4(</a:t>
+            </a:r>
+            <a:r>
+              <a:rPr lang="ko-KR" altLang="en-US" sz="1200" dirty="0">
+                <a:solidFill>
+                  <a:schemeClr val="accent2"/>
+                </a:solidFill>
+              </a:rPr>
+              <a:t>우 상단</a:t>
+            </a:r>
+            <a:r>
+              <a:rPr lang="en-US" altLang="ko-KR" sz="1200" dirty="0">
+                <a:solidFill>
+                  <a:schemeClr val="accent2"/>
+                </a:solidFill>
+              </a:rPr>
+              <a:t>)</a:t>
+            </a:r>
+          </a:p>
+          <a:p>
+            <a:r>
+              <a:rPr lang="en-US" altLang="ko-KR" sz="1200" dirty="0">
+                <a:solidFill>
+                  <a:schemeClr val="accent2"/>
+                </a:solidFill>
+              </a:rPr>
+              <a:t>1 (620, 1570)</a:t>
+            </a:r>
+          </a:p>
+          <a:p>
+            <a:r>
+              <a:rPr lang="en-US" altLang="ko-KR" sz="1200" dirty="0">
+                <a:solidFill>
+                  <a:schemeClr val="accent2"/>
+                </a:solidFill>
+              </a:rPr>
+              <a:t>2 (-900, 1570)</a:t>
+            </a:r>
+          </a:p>
+          <a:p>
+            <a:r>
+              <a:rPr lang="en-US" altLang="ko-KR" sz="1200" dirty="0">
+                <a:solidFill>
+                  <a:schemeClr val="accent2"/>
+                </a:solidFill>
+              </a:rPr>
+              <a:t>3 (-860, -720)</a:t>
+            </a:r>
+          </a:p>
+          <a:p>
+            <a:r>
+              <a:rPr lang="en-US" altLang="ko-KR" sz="1200" dirty="0">
+                <a:solidFill>
+                  <a:schemeClr val="accent2"/>
+                </a:solidFill>
+              </a:rPr>
+              <a:t>4 (-240, -730)</a:t>
+            </a:r>
+          </a:p>
+          <a:p>
+            <a:r>
+              <a:rPr lang="en-US" altLang="ko-KR" sz="1200" dirty="0">
+                <a:solidFill>
+                  <a:schemeClr val="accent2"/>
+                </a:solidFill>
+              </a:rPr>
+              <a:t>5 (0, 0)</a:t>
+            </a:r>
+          </a:p>
+        </p:txBody>
+      </p:sp>
+      <p:sp>
+        <p:nvSpPr>
+          <p:cNvPr id="45" name="TextBox 44">
+            <a:extLst>
+              <a:ext uri="{FF2B5EF4-FFF2-40B4-BE49-F238E27FC236}">
+                <a16:creationId xmlns:a16="http://schemas.microsoft.com/office/drawing/2014/main" id="{CECC78F5-4B08-44CC-B957-DC0F90EC1D3F}"/>
+              </a:ext>
+            </a:extLst>
+          </p:cNvPr>
+          <p:cNvSpPr txBox="1"/>
+          <p:nvPr/>
+        </p:nvSpPr>
+        <p:spPr>
+          <a:xfrm>
+            <a:off x="9483506" y="1696812"/>
+            <a:ext cx="1186543" cy="1200329"/>
+          </a:xfrm>
+          <a:prstGeom prst="rect">
+            <a:avLst/>
+          </a:prstGeom>
+          <a:noFill/>
+        </p:spPr>
+        <p:txBody>
+          <a:bodyPr wrap="none" rtlCol="0">
+            <a:spAutoFit/>
+          </a:bodyPr>
+          <a:lstStyle/>
+          <a:p>
+            <a:r>
+              <a:rPr lang="ko-KR" altLang="en-US" sz="1200" dirty="0">
+                <a:solidFill>
+                  <a:schemeClr val="accent2"/>
+                </a:solidFill>
+              </a:rPr>
+              <a:t>경로</a:t>
+            </a:r>
+            <a:r>
+              <a:rPr lang="en-US" altLang="ko-KR" sz="1200" dirty="0">
+                <a:solidFill>
+                  <a:schemeClr val="accent2"/>
+                </a:solidFill>
+              </a:rPr>
+              <a:t>5(</a:t>
+            </a:r>
+            <a:r>
+              <a:rPr lang="ko-KR" altLang="en-US" sz="1200" dirty="0">
+                <a:solidFill>
+                  <a:schemeClr val="accent2"/>
+                </a:solidFill>
+              </a:rPr>
+              <a:t>우 상단</a:t>
+            </a:r>
+            <a:r>
+              <a:rPr lang="en-US" altLang="ko-KR" sz="1200" dirty="0">
+                <a:solidFill>
+                  <a:schemeClr val="accent2"/>
+                </a:solidFill>
+              </a:rPr>
+              <a:t>)</a:t>
+            </a:r>
+          </a:p>
+          <a:p>
+            <a:r>
+              <a:rPr lang="en-US" altLang="ko-KR" sz="1200" dirty="0">
+                <a:solidFill>
+                  <a:schemeClr val="accent2"/>
+                </a:solidFill>
+              </a:rPr>
+              <a:t>1 (620, 1710)</a:t>
+            </a:r>
+          </a:p>
+          <a:p>
+            <a:r>
+              <a:rPr lang="en-US" altLang="ko-KR" sz="1200" dirty="0">
+                <a:solidFill>
+                  <a:schemeClr val="accent2"/>
+                </a:solidFill>
+              </a:rPr>
+              <a:t>2 (-990, 1650)</a:t>
+            </a:r>
+          </a:p>
+          <a:p>
+            <a:r>
+              <a:rPr lang="en-US" altLang="ko-KR" sz="1200" dirty="0">
+                <a:solidFill>
+                  <a:schemeClr val="accent2"/>
+                </a:solidFill>
+              </a:rPr>
+              <a:t>3 (-970, -830)</a:t>
+            </a:r>
+          </a:p>
+          <a:p>
+            <a:r>
+              <a:rPr lang="en-US" altLang="ko-KR" sz="1200" dirty="0">
+                <a:solidFill>
+                  <a:schemeClr val="accent2"/>
+                </a:solidFill>
+              </a:rPr>
+              <a:t>4 (-130, -780)</a:t>
+            </a:r>
+          </a:p>
+          <a:p>
+            <a:r>
+              <a:rPr lang="en-US" altLang="ko-KR" sz="1200" dirty="0">
+                <a:solidFill>
+                  <a:schemeClr val="accent2"/>
+                </a:solidFill>
+              </a:rPr>
+              <a:t>5 (0, 0)</a:t>
+            </a:r>
+          </a:p>
+        </p:txBody>
+      </p:sp>
+      <p:sp>
+        <p:nvSpPr>
+          <p:cNvPr id="46" name="TextBox 45">
+            <a:extLst>
+              <a:ext uri="{FF2B5EF4-FFF2-40B4-BE49-F238E27FC236}">
+                <a16:creationId xmlns:a16="http://schemas.microsoft.com/office/drawing/2014/main" id="{6C6C6DBC-552B-4E92-BD44-9AABF90F7172}"/>
+              </a:ext>
+            </a:extLst>
+          </p:cNvPr>
+          <p:cNvSpPr txBox="1"/>
+          <p:nvPr/>
+        </p:nvSpPr>
+        <p:spPr>
+          <a:xfrm>
+            <a:off x="10699704" y="1683600"/>
+            <a:ext cx="1247457" cy="1200329"/>
+          </a:xfrm>
+          <a:prstGeom prst="rect">
+            <a:avLst/>
+          </a:prstGeom>
+          <a:noFill/>
+        </p:spPr>
+        <p:txBody>
+          <a:bodyPr wrap="none" rtlCol="0">
+            <a:spAutoFit/>
+          </a:bodyPr>
+          <a:lstStyle/>
+          <a:p>
+            <a:r>
+              <a:rPr lang="ko-KR" altLang="en-US" sz="1200" dirty="0">
+                <a:solidFill>
+                  <a:schemeClr val="accent2"/>
+                </a:solidFill>
+              </a:rPr>
+              <a:t>경로</a:t>
+            </a:r>
+            <a:r>
+              <a:rPr lang="en-US" altLang="ko-KR" sz="1200" dirty="0">
+                <a:solidFill>
+                  <a:schemeClr val="accent2"/>
+                </a:solidFill>
+              </a:rPr>
+              <a:t>6(</a:t>
+            </a:r>
+            <a:r>
+              <a:rPr lang="ko-KR" altLang="en-US" sz="1200" dirty="0">
+                <a:solidFill>
+                  <a:schemeClr val="accent2"/>
+                </a:solidFill>
+              </a:rPr>
+              <a:t>우 상단</a:t>
+            </a:r>
+            <a:r>
+              <a:rPr lang="en-US" altLang="ko-KR" sz="1200" dirty="0">
+                <a:solidFill>
+                  <a:schemeClr val="accent2"/>
+                </a:solidFill>
+              </a:rPr>
+              <a:t>)</a:t>
+            </a:r>
+          </a:p>
+          <a:p>
+            <a:r>
+              <a:rPr lang="en-US" altLang="ko-KR" sz="1200" dirty="0">
+                <a:solidFill>
+                  <a:schemeClr val="accent2"/>
+                </a:solidFill>
+              </a:rPr>
+              <a:t>1 (620, 1860)</a:t>
+            </a:r>
+          </a:p>
+          <a:p>
+            <a:r>
+              <a:rPr lang="en-US" altLang="ko-KR" sz="1200" dirty="0">
+                <a:solidFill>
+                  <a:schemeClr val="accent2"/>
+                </a:solidFill>
+              </a:rPr>
+              <a:t>2 (-1030, 1750)</a:t>
+            </a:r>
+          </a:p>
+          <a:p>
+            <a:r>
+              <a:rPr lang="en-US" altLang="ko-KR" sz="1200" dirty="0">
+                <a:solidFill>
+                  <a:schemeClr val="accent2"/>
+                </a:solidFill>
+              </a:rPr>
+              <a:t>3 (-990, -880)</a:t>
+            </a:r>
+          </a:p>
+          <a:p>
+            <a:r>
+              <a:rPr lang="en-US" altLang="ko-KR" sz="1200" dirty="0">
+                <a:solidFill>
+                  <a:schemeClr val="accent2"/>
+                </a:solidFill>
+              </a:rPr>
+              <a:t>4 (-10, -850)</a:t>
+            </a:r>
+          </a:p>
+          <a:p>
+            <a:r>
+              <a:rPr lang="en-US" altLang="ko-KR" sz="1200" dirty="0">
+                <a:solidFill>
+                  <a:schemeClr val="accent2"/>
+                </a:solidFill>
+              </a:rPr>
+              <a:t>5 (0, 0)</a:t>
+            </a:r>
+          </a:p>
+        </p:txBody>
+      </p:sp>
+      <p:sp>
+        <p:nvSpPr>
+          <p:cNvPr id="47" name="TextBox 46">
+            <a:extLst>
+              <a:ext uri="{FF2B5EF4-FFF2-40B4-BE49-F238E27FC236}">
+                <a16:creationId xmlns:a16="http://schemas.microsoft.com/office/drawing/2014/main" id="{0AAA26AE-8C88-4BEB-BE5D-74810BDF4784}"/>
+              </a:ext>
+            </a:extLst>
+          </p:cNvPr>
+          <p:cNvSpPr txBox="1"/>
+          <p:nvPr/>
+        </p:nvSpPr>
+        <p:spPr>
+          <a:xfrm>
+            <a:off x="1051342" y="709993"/>
+            <a:ext cx="317088" cy="707886"/>
+          </a:xfrm>
+          <a:prstGeom prst="rect">
+            <a:avLst/>
+          </a:prstGeom>
+          <a:noFill/>
+        </p:spPr>
+        <p:txBody>
+          <a:bodyPr wrap="square" rtlCol="0">
+            <a:spAutoFit/>
+          </a:bodyPr>
+          <a:lstStyle/>
+          <a:p>
+            <a:r>
               <a:rPr lang="en-US" altLang="ko-KR" sz="1000" dirty="0">
                 <a:solidFill>
                   <a:schemeClr val="accent2"/>
                 </a:solidFill>
               </a:rPr>
-              <a:t>-2630, 1850</a:t>
-            </a:r>
+              <a:t>3</a:t>
+            </a:r>
+          </a:p>
+          <a:p>
+            <a:r>
+              <a:rPr lang="en-US" altLang="ko-KR" sz="1000" dirty="0">
+                <a:solidFill>
+                  <a:schemeClr val="accent2"/>
+                </a:solidFill>
+              </a:rPr>
+              <a:t>2</a:t>
+            </a:r>
+          </a:p>
+          <a:p>
+            <a:r>
+              <a:rPr lang="en-US" altLang="ko-KR" sz="1000" dirty="0">
+                <a:solidFill>
+                  <a:schemeClr val="accent2"/>
+                </a:solidFill>
+              </a:rPr>
+              <a:t>1</a:t>
+            </a:r>
+          </a:p>
+          <a:p>
             <a:endParaRPr lang="ko-KR" altLang="en-US" sz="1000" dirty="0">
               <a:solidFill>
                 <a:schemeClr val="accent2"/>
@@ -8581,10 +9445,10 @@
       </p:sp>
       <p:sp>
         <p:nvSpPr>
-          <p:cNvPr id="40" name="TextBox 39">
-            <a:extLst>
-              <a:ext uri="{FF2B5EF4-FFF2-40B4-BE49-F238E27FC236}">
-                <a16:creationId xmlns:a16="http://schemas.microsoft.com/office/drawing/2014/main" id="{055F6C3B-13CE-4FC2-BD4F-3E1640F0727B}"/>
+          <p:cNvPr id="48" name="TextBox 47">
+            <a:extLst>
+              <a:ext uri="{FF2B5EF4-FFF2-40B4-BE49-F238E27FC236}">
+                <a16:creationId xmlns:a16="http://schemas.microsoft.com/office/drawing/2014/main" id="{A5B5CC07-1EFC-4904-9FDB-B2543CE0BB24}"/>
               </a:ext>
             </a:extLst>
           </p:cNvPr>
@@ -8593,8 +9457,8 @@
         </p:nvSpPr>
         <p:spPr>
           <a:xfrm>
-            <a:off x="8363976" y="233655"/>
-            <a:ext cx="1247457" cy="1200329"/>
+            <a:off x="5911005" y="635636"/>
+            <a:ext cx="317088" cy="707886"/>
           </a:xfrm>
           <a:prstGeom prst="rect">
             <a:avLst/>
@@ -8602,132 +9466,41 @@
           <a:noFill/>
         </p:spPr>
         <p:txBody>
-          <a:bodyPr wrap="none" rtlCol="0">
+          <a:bodyPr wrap="square" rtlCol="0">
             <a:spAutoFit/>
           </a:bodyPr>
           <a:lstStyle/>
           <a:p>
             <a:r>
-              <a:rPr lang="ko-KR" altLang="en-US" sz="1200" dirty="0">
-                <a:solidFill>
-                  <a:schemeClr val="accent2"/>
-                </a:solidFill>
-              </a:rPr>
-              <a:t>경로</a:t>
-            </a:r>
-            <a:r>
-              <a:rPr lang="en-US" altLang="ko-KR" sz="1200" dirty="0">
-                <a:solidFill>
-                  <a:schemeClr val="accent2"/>
-                </a:solidFill>
-              </a:rPr>
-              <a:t>1(</a:t>
-            </a:r>
-            <a:r>
-              <a:rPr lang="ko-KR" altLang="en-US" sz="1200" dirty="0">
-                <a:solidFill>
-                  <a:schemeClr val="accent2"/>
-                </a:solidFill>
-              </a:rPr>
-              <a:t>좌 상단</a:t>
-            </a:r>
-            <a:r>
-              <a:rPr lang="en-US" altLang="ko-KR" sz="1200" dirty="0">
-                <a:solidFill>
-                  <a:schemeClr val="accent2"/>
-                </a:solidFill>
-              </a:rPr>
-              <a:t>)</a:t>
-            </a:r>
-          </a:p>
-          <a:p>
-            <a:r>
-              <a:rPr lang="en-US" altLang="ko-KR" sz="1200" dirty="0">
-                <a:solidFill>
-                  <a:schemeClr val="accent2"/>
-                </a:solidFill>
-              </a:rPr>
-              <a:t>1 (-2630, 1850)</a:t>
-            </a:r>
-          </a:p>
-          <a:p>
-            <a:r>
-              <a:rPr lang="en-US" altLang="ko-KR" sz="1200" dirty="0">
-                <a:solidFill>
-                  <a:schemeClr val="accent2"/>
-                </a:solidFill>
-              </a:rPr>
-              <a:t>2 (-1340, 1800)</a:t>
-            </a:r>
-          </a:p>
-          <a:p>
-            <a:r>
-              <a:rPr lang="en-US" altLang="ko-KR" sz="1200" dirty="0">
-                <a:solidFill>
-                  <a:schemeClr val="accent2"/>
-                </a:solidFill>
-              </a:rPr>
-              <a:t>3 (-1030, -770)</a:t>
-            </a:r>
-          </a:p>
-          <a:p>
-            <a:r>
-              <a:rPr lang="en-US" altLang="ko-KR" sz="1200" dirty="0">
-                <a:solidFill>
-                  <a:schemeClr val="accent2"/>
-                </a:solidFill>
-              </a:rPr>
-              <a:t>4 (-180, -720)</a:t>
-            </a:r>
-          </a:p>
-          <a:p>
-            <a:r>
-              <a:rPr lang="en-US" altLang="ko-KR" sz="1200" dirty="0">
-                <a:solidFill>
-                  <a:schemeClr val="accent2"/>
-                </a:solidFill>
-              </a:rPr>
-              <a:t>5 (-360, 200)</a:t>
-            </a:r>
-          </a:p>
-        </p:txBody>
-      </p:sp>
-      <p:sp>
-        <p:nvSpPr>
-          <p:cNvPr id="41" name="TextBox 40">
-            <a:extLst>
-              <a:ext uri="{FF2B5EF4-FFF2-40B4-BE49-F238E27FC236}">
-                <a16:creationId xmlns:a16="http://schemas.microsoft.com/office/drawing/2014/main" id="{483690DE-1477-4F18-860D-72B4A47CA5AD}"/>
-              </a:ext>
-            </a:extLst>
-          </p:cNvPr>
-          <p:cNvSpPr txBox="1"/>
-          <p:nvPr/>
-        </p:nvSpPr>
-        <p:spPr>
-          <a:xfrm>
-            <a:off x="5522124" y="816735"/>
-            <a:ext cx="822661" cy="246221"/>
-          </a:xfrm>
-          <a:prstGeom prst="rect">
-            <a:avLst/>
-          </a:prstGeom>
-          <a:noFill/>
-        </p:spPr>
-        <p:txBody>
-          <a:bodyPr wrap="none" rtlCol="0">
-            <a:spAutoFit/>
-          </a:bodyPr>
-          <a:lstStyle/>
-          <a:p>
-            <a:r>
               <a:rPr lang="en-US" altLang="ko-KR" sz="1000" dirty="0">
                 <a:solidFill>
                   <a:schemeClr val="accent2"/>
                 </a:solidFill>
               </a:rPr>
-              <a:t>1500, 1900</a:t>
-            </a:r>
+              <a:t>6</a:t>
+            </a:r>
+          </a:p>
+          <a:p>
+            <a:r>
+              <a:rPr lang="en-US" altLang="ko-KR" sz="1000" dirty="0">
+                <a:solidFill>
+                  <a:schemeClr val="accent2"/>
+                </a:solidFill>
+              </a:rPr>
+              <a:t>5</a:t>
+            </a:r>
+          </a:p>
+          <a:p>
+            <a:r>
+              <a:rPr lang="en-US" altLang="ko-KR" sz="1000" dirty="0">
+                <a:solidFill>
+                  <a:schemeClr val="accent2"/>
+                </a:solidFill>
+              </a:rPr>
+              <a:t>4</a:t>
+            </a:r>
+          </a:p>
+          <a:p>
             <a:endParaRPr lang="ko-KR" altLang="en-US" sz="1000" dirty="0">
               <a:solidFill>
                 <a:schemeClr val="accent2"/>
@@ -8738,10 +9511,10 @@
       </p:sp>
       <p:sp>
         <p:nvSpPr>
-          <p:cNvPr id="42" name="TextBox 41">
-            <a:extLst>
-              <a:ext uri="{FF2B5EF4-FFF2-40B4-BE49-F238E27FC236}">
-                <a16:creationId xmlns:a16="http://schemas.microsoft.com/office/drawing/2014/main" id="{56CDE179-1695-4299-A6AF-C8C4709DB2F6}"/>
+          <p:cNvPr id="49" name="TextBox 48">
+            <a:extLst>
+              <a:ext uri="{FF2B5EF4-FFF2-40B4-BE49-F238E27FC236}">
+                <a16:creationId xmlns:a16="http://schemas.microsoft.com/office/drawing/2014/main" id="{5C772258-47E7-445F-9586-CCA5D91FE7B8}"/>
               </a:ext>
             </a:extLst>
           </p:cNvPr>
@@ -8750,7 +9523,7 @@
         </p:nvSpPr>
         <p:spPr>
           <a:xfrm>
-            <a:off x="9983879" y="233655"/>
+            <a:off x="8304410" y="3300152"/>
             <a:ext cx="1247457" cy="1200329"/>
           </a:xfrm>
           <a:prstGeom prst="rect">
@@ -8778,7 +9551,7 @@
                   <a:schemeClr val="accent2"/>
                 </a:solidFill>
               </a:rPr>
-              <a:t>2(</a:t>
+              <a:t>7(</a:t>
             </a:r>
             <a:r>
               <a:rPr lang="ko-KR" altLang="en-US" sz="1200" dirty="0">
@@ -8786,7 +9559,7 @@
                   <a:schemeClr val="accent2"/>
                 </a:solidFill>
               </a:rPr>
-              <a:t>우 상단</a:t>
+              <a:t>우 하단</a:t>
             </a:r>
             <a:r>
               <a:rPr lang="en-US" altLang="ko-KR" sz="1200" dirty="0">
@@ -8804,57 +9577,57 @@
                   <a:schemeClr val="accent2"/>
                 </a:solidFill>
               </a:rPr>
-              <a:t>1 (1500, 1900)</a:t>
-            </a:r>
-          </a:p>
-          <a:p>
-            <a:r>
-              <a:rPr lang="en-US" altLang="ko-KR" sz="1200" dirty="0">
-                <a:solidFill>
-                  <a:schemeClr val="accent2"/>
-                </a:solidFill>
-              </a:rPr>
-              <a:t>2 (-1000, 1630)</a:t>
-            </a:r>
-          </a:p>
-          <a:p>
-            <a:r>
-              <a:rPr lang="en-US" altLang="ko-KR" sz="1200" dirty="0">
-                <a:solidFill>
-                  <a:schemeClr val="accent2"/>
-                </a:solidFill>
-              </a:rPr>
-              <a:t>3 (-1030, -770)</a:t>
-            </a:r>
-          </a:p>
-          <a:p>
-            <a:r>
-              <a:rPr lang="en-US" altLang="ko-KR" sz="1200" dirty="0">
-                <a:solidFill>
-                  <a:schemeClr val="accent2"/>
-                </a:solidFill>
-              </a:rPr>
-              <a:t>4 (-180, -720)</a:t>
-            </a:r>
-          </a:p>
-          <a:p>
-            <a:r>
-              <a:rPr lang="en-US" altLang="ko-KR" sz="1200" dirty="0">
-                <a:solidFill>
-                  <a:schemeClr val="accent2"/>
-                </a:solidFill>
-              </a:rPr>
-              <a:t>5 (-360, 200)</a:t>
-            </a:r>
-          </a:p>
-        </p:txBody>
-      </p:sp>
-      <p:sp>
-        <p:nvSpPr>
-          <p:cNvPr id="43" name="TextBox 42">
-            <a:extLst>
-              <a:ext uri="{FF2B5EF4-FFF2-40B4-BE49-F238E27FC236}">
-                <a16:creationId xmlns:a16="http://schemas.microsoft.com/office/drawing/2014/main" id="{FF164117-0907-40AE-9B62-E9B15143495E}"/>
+              <a:t>1 (1900, -1570)</a:t>
+            </a:r>
+          </a:p>
+          <a:p>
+            <a:r>
+              <a:rPr lang="en-US" altLang="ko-KR" sz="1200" dirty="0">
+                <a:solidFill>
+                  <a:schemeClr val="accent2"/>
+                </a:solidFill>
+              </a:rPr>
+              <a:t>2 (1260, -1570)</a:t>
+            </a:r>
+          </a:p>
+          <a:p>
+            <a:r>
+              <a:rPr lang="en-US" altLang="ko-KR" sz="1200" dirty="0">
+                <a:solidFill>
+                  <a:schemeClr val="accent2"/>
+                </a:solidFill>
+              </a:rPr>
+              <a:t>3 (1070, 880)</a:t>
+            </a:r>
+          </a:p>
+          <a:p>
+            <a:r>
+              <a:rPr lang="en-US" altLang="ko-KR" sz="1200" dirty="0">
+                <a:solidFill>
+                  <a:schemeClr val="accent2"/>
+                </a:solidFill>
+              </a:rPr>
+              <a:t>4 (0, 900)</a:t>
+            </a:r>
+          </a:p>
+          <a:p>
+            <a:r>
+              <a:rPr lang="en-US" altLang="ko-KR" sz="1200" dirty="0">
+                <a:solidFill>
+                  <a:schemeClr val="accent2"/>
+                </a:solidFill>
+              </a:rPr>
+              <a:t>5 (0, 0)</a:t>
+            </a:r>
+          </a:p>
+        </p:txBody>
+      </p:sp>
+      <p:sp>
+        <p:nvSpPr>
+          <p:cNvPr id="50" name="TextBox 49">
+            <a:extLst>
+              <a:ext uri="{FF2B5EF4-FFF2-40B4-BE49-F238E27FC236}">
+                <a16:creationId xmlns:a16="http://schemas.microsoft.com/office/drawing/2014/main" id="{403A81EF-4D78-4C62-9A60-49E74DE541B3}"/>
               </a:ext>
             </a:extLst>
           </p:cNvPr>
@@ -8863,7 +9636,7 @@
         </p:nvSpPr>
         <p:spPr>
           <a:xfrm>
-            <a:off x="9983879" y="1658236"/>
+            <a:off x="9548772" y="3300152"/>
             <a:ext cx="1247457" cy="1200329"/>
           </a:xfrm>
           <a:prstGeom prst="rect">
@@ -8891,7 +9664,7 @@
                   <a:schemeClr val="accent2"/>
                 </a:solidFill>
               </a:rPr>
-              <a:t>4(</a:t>
+              <a:t>8(</a:t>
             </a:r>
             <a:r>
               <a:rPr lang="ko-KR" altLang="en-US" sz="1200" dirty="0">
@@ -8917,57 +9690,57 @@
                   <a:schemeClr val="accent2"/>
                 </a:solidFill>
               </a:rPr>
-              <a:t>1 (2630, -1820)</a:t>
-            </a:r>
-          </a:p>
-          <a:p>
-            <a:r>
-              <a:rPr lang="en-US" altLang="ko-KR" sz="1200" dirty="0">
-                <a:solidFill>
-                  <a:schemeClr val="accent2"/>
-                </a:solidFill>
-              </a:rPr>
-              <a:t>2 (1300, -1630)</a:t>
-            </a:r>
-          </a:p>
-          <a:p>
-            <a:r>
-              <a:rPr lang="en-US" altLang="ko-KR" sz="1200" dirty="0">
-                <a:solidFill>
-                  <a:schemeClr val="accent2"/>
-                </a:solidFill>
-              </a:rPr>
-              <a:t>3 (950, 820)</a:t>
-            </a:r>
-          </a:p>
-          <a:p>
-            <a:r>
-              <a:rPr lang="en-US" altLang="ko-KR" sz="1200" dirty="0">
-                <a:solidFill>
-                  <a:schemeClr val="accent2"/>
-                </a:solidFill>
-              </a:rPr>
-              <a:t>4 (270, 810)</a:t>
-            </a:r>
-          </a:p>
-          <a:p>
-            <a:r>
-              <a:rPr lang="en-US" altLang="ko-KR" sz="1200" dirty="0">
-                <a:solidFill>
-                  <a:schemeClr val="accent2"/>
-                </a:solidFill>
-              </a:rPr>
-              <a:t>5 (-360, 200)</a:t>
-            </a:r>
-          </a:p>
-        </p:txBody>
-      </p:sp>
-      <p:sp>
-        <p:nvSpPr>
-          <p:cNvPr id="44" name="TextBox 43">
-            <a:extLst>
-              <a:ext uri="{FF2B5EF4-FFF2-40B4-BE49-F238E27FC236}">
-                <a16:creationId xmlns:a16="http://schemas.microsoft.com/office/drawing/2014/main" id="{E69173DD-2CE4-41E9-99AA-5FB79AA3F489}"/>
+              <a:t>1 (1900, -1710)</a:t>
+            </a:r>
+          </a:p>
+          <a:p>
+            <a:r>
+              <a:rPr lang="en-US" altLang="ko-KR" sz="1200" dirty="0">
+                <a:solidFill>
+                  <a:schemeClr val="accent2"/>
+                </a:solidFill>
+              </a:rPr>
+              <a:t>2 (1210, -1660)</a:t>
+            </a:r>
+          </a:p>
+          <a:p>
+            <a:r>
+              <a:rPr lang="en-US" altLang="ko-KR" sz="1200" dirty="0">
+                <a:solidFill>
+                  <a:schemeClr val="accent2"/>
+                </a:solidFill>
+              </a:rPr>
+              <a:t>3 (990, 820)</a:t>
+            </a:r>
+          </a:p>
+          <a:p>
+            <a:r>
+              <a:rPr lang="en-US" altLang="ko-KR" sz="1200" dirty="0">
+                <a:solidFill>
+                  <a:schemeClr val="accent2"/>
+                </a:solidFill>
+              </a:rPr>
+              <a:t>4 (90, 800)</a:t>
+            </a:r>
+          </a:p>
+          <a:p>
+            <a:r>
+              <a:rPr lang="en-US" altLang="ko-KR" sz="1200" dirty="0">
+                <a:solidFill>
+                  <a:schemeClr val="accent2"/>
+                </a:solidFill>
+              </a:rPr>
+              <a:t>5 (0, 0)</a:t>
+            </a:r>
+          </a:p>
+        </p:txBody>
+      </p:sp>
+      <p:sp>
+        <p:nvSpPr>
+          <p:cNvPr id="51" name="TextBox 50">
+            <a:extLst>
+              <a:ext uri="{FF2B5EF4-FFF2-40B4-BE49-F238E27FC236}">
+                <a16:creationId xmlns:a16="http://schemas.microsoft.com/office/drawing/2014/main" id="{B2B918D9-E516-4B03-B590-2B947E71DAB9}"/>
               </a:ext>
             </a:extLst>
           </p:cNvPr>
@@ -8976,8 +9749,8 @@
         </p:nvSpPr>
         <p:spPr>
           <a:xfrm>
-            <a:off x="8363976" y="1658237"/>
-            <a:ext cx="1309974" cy="1200329"/>
+            <a:off x="10764970" y="3286940"/>
+            <a:ext cx="1247457" cy="1200329"/>
           </a:xfrm>
           <a:prstGeom prst="rect">
             <a:avLst/>
@@ -9004,7 +9777,7 @@
                   <a:schemeClr val="accent2"/>
                 </a:solidFill>
               </a:rPr>
-              <a:t>3(</a:t>
+              <a:t>9(</a:t>
             </a:r>
             <a:r>
               <a:rPr lang="ko-KR" altLang="en-US" sz="1200" dirty="0">
@@ -9012,7 +9785,7 @@
                   <a:schemeClr val="accent2"/>
                 </a:solidFill>
               </a:rPr>
-              <a:t>좌 상단</a:t>
+              <a:t>우 하단</a:t>
             </a:r>
             <a:r>
               <a:rPr lang="en-US" altLang="ko-KR" sz="1200" dirty="0">
@@ -9030,55 +9803,742 @@
                   <a:schemeClr val="accent2"/>
                 </a:solidFill>
               </a:rPr>
-              <a:t>1 (-1500, -1850)</a:t>
-            </a:r>
-          </a:p>
-          <a:p>
-            <a:r>
-              <a:rPr lang="en-US" altLang="ko-KR" sz="1200" dirty="0">
-                <a:solidFill>
-                  <a:schemeClr val="accent2"/>
-                </a:solidFill>
-              </a:rPr>
-              <a:t>2 (900, -1590)</a:t>
-            </a:r>
-          </a:p>
-          <a:p>
-            <a:r>
-              <a:rPr lang="en-US" altLang="ko-KR" sz="1200" dirty="0">
-                <a:solidFill>
-                  <a:schemeClr val="accent2"/>
-                </a:solidFill>
-              </a:rPr>
-              <a:t>3 (950, 820)</a:t>
-            </a:r>
-          </a:p>
-          <a:p>
-            <a:r>
-              <a:rPr lang="en-US" altLang="ko-KR" sz="1200" dirty="0">
-                <a:solidFill>
-                  <a:schemeClr val="accent2"/>
-                </a:solidFill>
-              </a:rPr>
-              <a:t>4 (270, 810)</a:t>
-            </a:r>
-          </a:p>
-          <a:p>
-            <a:r>
-              <a:rPr lang="en-US" altLang="ko-KR" sz="1200" dirty="0">
-                <a:solidFill>
-                  <a:schemeClr val="accent2"/>
-                </a:solidFill>
-              </a:rPr>
-              <a:t>5 (-360, 200)</a:t>
-            </a:r>
+              <a:t>1 (1900, -1860)</a:t>
+            </a:r>
+          </a:p>
+          <a:p>
+            <a:r>
+              <a:rPr lang="en-US" altLang="ko-KR" sz="1200" dirty="0">
+                <a:solidFill>
+                  <a:schemeClr val="accent2"/>
+                </a:solidFill>
+              </a:rPr>
+              <a:t>2 (1110, -1720)</a:t>
+            </a:r>
+          </a:p>
+          <a:p>
+            <a:r>
+              <a:rPr lang="en-US" altLang="ko-KR" sz="1200" dirty="0">
+                <a:solidFill>
+                  <a:schemeClr val="accent2"/>
+                </a:solidFill>
+              </a:rPr>
+              <a:t>3 (870, 740)</a:t>
+            </a:r>
+          </a:p>
+          <a:p>
+            <a:r>
+              <a:rPr lang="en-US" altLang="ko-KR" sz="1200" dirty="0">
+                <a:solidFill>
+                  <a:schemeClr val="accent2"/>
+                </a:solidFill>
+              </a:rPr>
+              <a:t>4 (220, 740)</a:t>
+            </a:r>
+          </a:p>
+          <a:p>
+            <a:r>
+              <a:rPr lang="en-US" altLang="ko-KR" sz="1200" dirty="0">
+                <a:solidFill>
+                  <a:schemeClr val="accent2"/>
+                </a:solidFill>
+              </a:rPr>
+              <a:t>5 (0, 0)</a:t>
+            </a:r>
+          </a:p>
+        </p:txBody>
+      </p:sp>
+      <p:sp>
+        <p:nvSpPr>
+          <p:cNvPr id="52" name="TextBox 51">
+            <a:extLst>
+              <a:ext uri="{FF2B5EF4-FFF2-40B4-BE49-F238E27FC236}">
+                <a16:creationId xmlns:a16="http://schemas.microsoft.com/office/drawing/2014/main" id="{FBD154BA-D990-47D9-9885-CB7B1EE552D6}"/>
+              </a:ext>
+            </a:extLst>
+          </p:cNvPr>
+          <p:cNvSpPr txBox="1"/>
+          <p:nvPr/>
+        </p:nvSpPr>
+        <p:spPr>
+          <a:xfrm>
+            <a:off x="8273151" y="4763309"/>
+            <a:ext cx="1271502" cy="1200329"/>
+          </a:xfrm>
+          <a:prstGeom prst="rect">
+            <a:avLst/>
+          </a:prstGeom>
+          <a:noFill/>
+        </p:spPr>
+        <p:txBody>
+          <a:bodyPr wrap="none" rtlCol="0">
+            <a:spAutoFit/>
+          </a:bodyPr>
+          <a:lstStyle/>
+          <a:p>
+            <a:r>
+              <a:rPr lang="ko-KR" altLang="en-US" sz="1200" dirty="0">
+                <a:solidFill>
+                  <a:schemeClr val="accent2"/>
+                </a:solidFill>
+              </a:rPr>
+              <a:t>경로</a:t>
+            </a:r>
+            <a:r>
+              <a:rPr lang="en-US" altLang="ko-KR" sz="1200" dirty="0">
+                <a:solidFill>
+                  <a:schemeClr val="accent2"/>
+                </a:solidFill>
+              </a:rPr>
+              <a:t>10(</a:t>
+            </a:r>
+            <a:r>
+              <a:rPr lang="ko-KR" altLang="en-US" sz="1200" dirty="0">
+                <a:solidFill>
+                  <a:schemeClr val="accent2"/>
+                </a:solidFill>
+              </a:rPr>
+              <a:t>좌 하단</a:t>
+            </a:r>
+            <a:r>
+              <a:rPr lang="en-US" altLang="ko-KR" sz="1200" dirty="0">
+                <a:solidFill>
+                  <a:schemeClr val="accent2"/>
+                </a:solidFill>
+              </a:rPr>
+              <a:t>)</a:t>
+            </a:r>
+          </a:p>
+          <a:p>
+            <a:r>
+              <a:rPr lang="en-US" altLang="ko-KR" sz="1200" dirty="0">
+                <a:solidFill>
+                  <a:schemeClr val="accent2"/>
+                </a:solidFill>
+              </a:rPr>
+              <a:t>1 (-620, -1570)</a:t>
+            </a:r>
+          </a:p>
+          <a:p>
+            <a:r>
+              <a:rPr lang="en-US" altLang="ko-KR" sz="1200" dirty="0">
+                <a:solidFill>
+                  <a:schemeClr val="accent2"/>
+                </a:solidFill>
+              </a:rPr>
+              <a:t>2 (900, -1570)</a:t>
+            </a:r>
+          </a:p>
+          <a:p>
+            <a:r>
+              <a:rPr lang="en-US" altLang="ko-KR" sz="1200" dirty="0">
+                <a:solidFill>
+                  <a:schemeClr val="accent2"/>
+                </a:solidFill>
+              </a:rPr>
+              <a:t>3 (860, 720)</a:t>
+            </a:r>
+          </a:p>
+          <a:p>
+            <a:r>
+              <a:rPr lang="en-US" altLang="ko-KR" sz="1200" dirty="0">
+                <a:solidFill>
+                  <a:schemeClr val="accent2"/>
+                </a:solidFill>
+              </a:rPr>
+              <a:t>4 (240, 730)</a:t>
+            </a:r>
+          </a:p>
+          <a:p>
+            <a:r>
+              <a:rPr lang="en-US" altLang="ko-KR" sz="1200" dirty="0">
+                <a:solidFill>
+                  <a:schemeClr val="accent2"/>
+                </a:solidFill>
+              </a:rPr>
+              <a:t>5 (0, 0)</a:t>
+            </a:r>
+          </a:p>
+        </p:txBody>
+      </p:sp>
+      <p:sp>
+        <p:nvSpPr>
+          <p:cNvPr id="53" name="TextBox 52">
+            <a:extLst>
+              <a:ext uri="{FF2B5EF4-FFF2-40B4-BE49-F238E27FC236}">
+                <a16:creationId xmlns:a16="http://schemas.microsoft.com/office/drawing/2014/main" id="{DB17B7AE-3875-4071-AF3A-EFE6759BC873}"/>
+              </a:ext>
+            </a:extLst>
+          </p:cNvPr>
+          <p:cNvSpPr txBox="1"/>
+          <p:nvPr/>
+        </p:nvSpPr>
+        <p:spPr>
+          <a:xfrm>
+            <a:off x="9517513" y="4763309"/>
+            <a:ext cx="1271502" cy="1200329"/>
+          </a:xfrm>
+          <a:prstGeom prst="rect">
+            <a:avLst/>
+          </a:prstGeom>
+          <a:noFill/>
+        </p:spPr>
+        <p:txBody>
+          <a:bodyPr wrap="none" rtlCol="0">
+            <a:spAutoFit/>
+          </a:bodyPr>
+          <a:lstStyle/>
+          <a:p>
+            <a:r>
+              <a:rPr lang="ko-KR" altLang="en-US" sz="1200" dirty="0">
+                <a:solidFill>
+                  <a:schemeClr val="accent2"/>
+                </a:solidFill>
+              </a:rPr>
+              <a:t>경로</a:t>
+            </a:r>
+            <a:r>
+              <a:rPr lang="en-US" altLang="ko-KR" sz="1200" dirty="0">
+                <a:solidFill>
+                  <a:schemeClr val="accent2"/>
+                </a:solidFill>
+              </a:rPr>
+              <a:t>11(</a:t>
+            </a:r>
+            <a:r>
+              <a:rPr lang="ko-KR" altLang="en-US" sz="1200" dirty="0">
+                <a:solidFill>
+                  <a:schemeClr val="accent2"/>
+                </a:solidFill>
+              </a:rPr>
+              <a:t>좌 하단</a:t>
+            </a:r>
+            <a:r>
+              <a:rPr lang="en-US" altLang="ko-KR" sz="1200" dirty="0">
+                <a:solidFill>
+                  <a:schemeClr val="accent2"/>
+                </a:solidFill>
+              </a:rPr>
+              <a:t>)</a:t>
+            </a:r>
+          </a:p>
+          <a:p>
+            <a:r>
+              <a:rPr lang="en-US" altLang="ko-KR" sz="1200" dirty="0">
+                <a:solidFill>
+                  <a:schemeClr val="accent2"/>
+                </a:solidFill>
+              </a:rPr>
+              <a:t>1 (-620, -1710)</a:t>
+            </a:r>
+          </a:p>
+          <a:p>
+            <a:r>
+              <a:rPr lang="en-US" altLang="ko-KR" sz="1200" dirty="0">
+                <a:solidFill>
+                  <a:schemeClr val="accent2"/>
+                </a:solidFill>
+              </a:rPr>
+              <a:t>2 (990, -1650)</a:t>
+            </a:r>
+          </a:p>
+          <a:p>
+            <a:r>
+              <a:rPr lang="en-US" altLang="ko-KR" sz="1200" dirty="0">
+                <a:solidFill>
+                  <a:schemeClr val="accent2"/>
+                </a:solidFill>
+              </a:rPr>
+              <a:t>3 (970, 830)</a:t>
+            </a:r>
+          </a:p>
+          <a:p>
+            <a:r>
+              <a:rPr lang="en-US" altLang="ko-KR" sz="1200" dirty="0">
+                <a:solidFill>
+                  <a:schemeClr val="accent2"/>
+                </a:solidFill>
+              </a:rPr>
+              <a:t>4 (130, 780)</a:t>
+            </a:r>
+          </a:p>
+          <a:p>
+            <a:r>
+              <a:rPr lang="en-US" altLang="ko-KR" sz="1200" dirty="0">
+                <a:solidFill>
+                  <a:schemeClr val="accent2"/>
+                </a:solidFill>
+              </a:rPr>
+              <a:t>5 (0, 0)</a:t>
+            </a:r>
+          </a:p>
+        </p:txBody>
+      </p:sp>
+      <p:sp>
+        <p:nvSpPr>
+          <p:cNvPr id="54" name="TextBox 53">
+            <a:extLst>
+              <a:ext uri="{FF2B5EF4-FFF2-40B4-BE49-F238E27FC236}">
+                <a16:creationId xmlns:a16="http://schemas.microsoft.com/office/drawing/2014/main" id="{2D5F743F-0D65-48B9-8701-A1B4E71D4EBA}"/>
+              </a:ext>
+            </a:extLst>
+          </p:cNvPr>
+          <p:cNvSpPr txBox="1"/>
+          <p:nvPr/>
+        </p:nvSpPr>
+        <p:spPr>
+          <a:xfrm>
+            <a:off x="10733711" y="4750097"/>
+            <a:ext cx="1309974" cy="1200329"/>
+          </a:xfrm>
+          <a:prstGeom prst="rect">
+            <a:avLst/>
+          </a:prstGeom>
+          <a:noFill/>
+        </p:spPr>
+        <p:txBody>
+          <a:bodyPr wrap="none" rtlCol="0">
+            <a:spAutoFit/>
+          </a:bodyPr>
+          <a:lstStyle/>
+          <a:p>
+            <a:r>
+              <a:rPr lang="ko-KR" altLang="en-US" sz="1200" dirty="0">
+                <a:solidFill>
+                  <a:schemeClr val="accent2"/>
+                </a:solidFill>
+              </a:rPr>
+              <a:t>경로</a:t>
+            </a:r>
+            <a:r>
+              <a:rPr lang="en-US" altLang="ko-KR" sz="1200" dirty="0">
+                <a:solidFill>
+                  <a:schemeClr val="accent2"/>
+                </a:solidFill>
+              </a:rPr>
+              <a:t>12(</a:t>
+            </a:r>
+            <a:r>
+              <a:rPr lang="ko-KR" altLang="en-US" sz="1200" dirty="0">
+                <a:solidFill>
+                  <a:schemeClr val="accent2"/>
+                </a:solidFill>
+              </a:rPr>
+              <a:t>좌 하단</a:t>
+            </a:r>
+            <a:r>
+              <a:rPr lang="en-US" altLang="ko-KR" sz="1200" dirty="0">
+                <a:solidFill>
+                  <a:schemeClr val="accent2"/>
+                </a:solidFill>
+              </a:rPr>
+              <a:t>)</a:t>
+            </a:r>
+          </a:p>
+          <a:p>
+            <a:r>
+              <a:rPr lang="en-US" altLang="ko-KR" sz="1200" dirty="0">
+                <a:solidFill>
+                  <a:schemeClr val="accent2"/>
+                </a:solidFill>
+              </a:rPr>
+              <a:t>1 (-620, -1860)</a:t>
+            </a:r>
+          </a:p>
+          <a:p>
+            <a:r>
+              <a:rPr lang="en-US" altLang="ko-KR" sz="1200" dirty="0">
+                <a:solidFill>
+                  <a:schemeClr val="accent2"/>
+                </a:solidFill>
+              </a:rPr>
+              <a:t>2 (1030, -1750)</a:t>
+            </a:r>
+          </a:p>
+          <a:p>
+            <a:r>
+              <a:rPr lang="en-US" altLang="ko-KR" sz="1200" dirty="0">
+                <a:solidFill>
+                  <a:schemeClr val="accent2"/>
+                </a:solidFill>
+              </a:rPr>
+              <a:t>3 (990, 880)</a:t>
+            </a:r>
+          </a:p>
+          <a:p>
+            <a:r>
+              <a:rPr lang="en-US" altLang="ko-KR" sz="1200" dirty="0">
+                <a:solidFill>
+                  <a:schemeClr val="accent2"/>
+                </a:solidFill>
+              </a:rPr>
+              <a:t>4 (10, 850)</a:t>
+            </a:r>
+          </a:p>
+          <a:p>
+            <a:r>
+              <a:rPr lang="en-US" altLang="ko-KR" sz="1200" dirty="0">
+                <a:solidFill>
+                  <a:schemeClr val="accent2"/>
+                </a:solidFill>
+              </a:rPr>
+              <a:t>5 (0, 0)</a:t>
+            </a:r>
+          </a:p>
+        </p:txBody>
+      </p:sp>
+      <p:sp>
+        <p:nvSpPr>
+          <p:cNvPr id="55" name="TextBox 54">
+            <a:extLst>
+              <a:ext uri="{FF2B5EF4-FFF2-40B4-BE49-F238E27FC236}">
+                <a16:creationId xmlns:a16="http://schemas.microsoft.com/office/drawing/2014/main" id="{3DB33A80-4253-437A-A687-FD6C95E7CAD4}"/>
+              </a:ext>
+            </a:extLst>
+          </p:cNvPr>
+          <p:cNvSpPr txBox="1"/>
+          <p:nvPr/>
+        </p:nvSpPr>
+        <p:spPr>
+          <a:xfrm>
+            <a:off x="7333882" y="5224530"/>
+            <a:ext cx="317088" cy="707886"/>
+          </a:xfrm>
+          <a:prstGeom prst="rect">
+            <a:avLst/>
+          </a:prstGeom>
+          <a:noFill/>
+        </p:spPr>
+        <p:txBody>
+          <a:bodyPr wrap="square" rtlCol="0">
+            <a:spAutoFit/>
+          </a:bodyPr>
+          <a:lstStyle/>
+          <a:p>
+            <a:r>
+              <a:rPr lang="en-US" altLang="ko-KR" sz="1000" dirty="0">
+                <a:solidFill>
+                  <a:schemeClr val="accent2"/>
+                </a:solidFill>
+              </a:rPr>
+              <a:t>7</a:t>
+            </a:r>
+          </a:p>
+          <a:p>
+            <a:r>
+              <a:rPr lang="en-US" altLang="ko-KR" sz="1000" dirty="0">
+                <a:solidFill>
+                  <a:schemeClr val="accent2"/>
+                </a:solidFill>
+              </a:rPr>
+              <a:t>8</a:t>
+            </a:r>
+          </a:p>
+          <a:p>
+            <a:r>
+              <a:rPr lang="en-US" altLang="ko-KR" sz="1000" dirty="0">
+                <a:solidFill>
+                  <a:schemeClr val="accent2"/>
+                </a:solidFill>
+              </a:rPr>
+              <a:t>9</a:t>
+            </a:r>
+          </a:p>
+          <a:p>
+            <a:endParaRPr lang="ko-KR" altLang="en-US" sz="1000" dirty="0">
+              <a:solidFill>
+                <a:schemeClr val="accent2"/>
+              </a:solidFill>
+            </a:endParaRPr>
+          </a:p>
+        </p:txBody>
+      </p:sp>
+      <p:cxnSp>
+        <p:nvCxnSpPr>
+          <p:cNvPr id="28" name="직선 연결선 27">
+            <a:extLst>
+              <a:ext uri="{FF2B5EF4-FFF2-40B4-BE49-F238E27FC236}">
+                <a16:creationId xmlns:a16="http://schemas.microsoft.com/office/drawing/2014/main" id="{4D5AB020-47EE-4D48-8205-5FF64EAF9D68}"/>
+              </a:ext>
+            </a:extLst>
+          </p:cNvPr>
+          <p:cNvCxnSpPr>
+            <a:cxnSpLocks/>
+          </p:cNvCxnSpPr>
+          <p:nvPr/>
+        </p:nvCxnSpPr>
+        <p:spPr>
+          <a:xfrm>
+            <a:off x="1332817" y="878853"/>
+            <a:ext cx="1442241" cy="147261"/>
+          </a:xfrm>
+          <a:prstGeom prst="line">
+            <a:avLst/>
+          </a:prstGeom>
+          <a:ln>
+            <a:solidFill>
+              <a:schemeClr val="bg1"/>
+            </a:solidFill>
+          </a:ln>
+        </p:spPr>
+        <p:style>
+          <a:lnRef idx="1">
+            <a:schemeClr val="accent1"/>
+          </a:lnRef>
+          <a:fillRef idx="0">
+            <a:schemeClr val="accent1"/>
+          </a:fillRef>
+          <a:effectRef idx="0">
+            <a:schemeClr val="accent1"/>
+          </a:effectRef>
+          <a:fontRef idx="minor">
+            <a:schemeClr val="tx1"/>
+          </a:fontRef>
+        </p:style>
+      </p:cxnSp>
+      <p:cxnSp>
+        <p:nvCxnSpPr>
+          <p:cNvPr id="56" name="직선 연결선 55">
+            <a:extLst>
+              <a:ext uri="{FF2B5EF4-FFF2-40B4-BE49-F238E27FC236}">
+                <a16:creationId xmlns:a16="http://schemas.microsoft.com/office/drawing/2014/main" id="{0AE1492A-476C-42D2-B945-9A93363D9E04}"/>
+              </a:ext>
+            </a:extLst>
+          </p:cNvPr>
+          <p:cNvCxnSpPr>
+            <a:cxnSpLocks/>
+          </p:cNvCxnSpPr>
+          <p:nvPr/>
+        </p:nvCxnSpPr>
+        <p:spPr>
+          <a:xfrm flipH="1" flipV="1">
+            <a:off x="2758463" y="1042012"/>
+            <a:ext cx="68867" cy="3191813"/>
+          </a:xfrm>
+          <a:prstGeom prst="line">
+            <a:avLst/>
+          </a:prstGeom>
+          <a:ln>
+            <a:solidFill>
+              <a:schemeClr val="bg1"/>
+            </a:solidFill>
+          </a:ln>
+        </p:spPr>
+        <p:style>
+          <a:lnRef idx="1">
+            <a:schemeClr val="accent1"/>
+          </a:lnRef>
+          <a:fillRef idx="0">
+            <a:schemeClr val="accent1"/>
+          </a:fillRef>
+          <a:effectRef idx="0">
+            <a:schemeClr val="accent1"/>
+          </a:effectRef>
+          <a:fontRef idx="minor">
+            <a:schemeClr val="tx1"/>
+          </a:fontRef>
+        </p:style>
+      </p:cxnSp>
+      <p:cxnSp>
+        <p:nvCxnSpPr>
+          <p:cNvPr id="57" name="직선 연결선 56">
+            <a:extLst>
+              <a:ext uri="{FF2B5EF4-FFF2-40B4-BE49-F238E27FC236}">
+                <a16:creationId xmlns:a16="http://schemas.microsoft.com/office/drawing/2014/main" id="{500DB85D-DB62-488C-B649-B344AE78C388}"/>
+              </a:ext>
+            </a:extLst>
+          </p:cNvPr>
+          <p:cNvCxnSpPr>
+            <a:cxnSpLocks/>
+          </p:cNvCxnSpPr>
+          <p:nvPr/>
+        </p:nvCxnSpPr>
+        <p:spPr>
+          <a:xfrm>
+            <a:off x="2816302" y="4233825"/>
+            <a:ext cx="1489217" cy="0"/>
+          </a:xfrm>
+          <a:prstGeom prst="line">
+            <a:avLst/>
+          </a:prstGeom>
+          <a:ln>
+            <a:solidFill>
+              <a:schemeClr val="bg1"/>
+            </a:solidFill>
+          </a:ln>
+        </p:spPr>
+        <p:style>
+          <a:lnRef idx="1">
+            <a:schemeClr val="accent1"/>
+          </a:lnRef>
+          <a:fillRef idx="0">
+            <a:schemeClr val="accent1"/>
+          </a:fillRef>
+          <a:effectRef idx="0">
+            <a:schemeClr val="accent1"/>
+          </a:effectRef>
+          <a:fontRef idx="minor">
+            <a:schemeClr val="tx1"/>
+          </a:fontRef>
+        </p:style>
+      </p:cxnSp>
+      <p:cxnSp>
+        <p:nvCxnSpPr>
+          <p:cNvPr id="59" name="직선 연결선 58">
+            <a:extLst>
+              <a:ext uri="{FF2B5EF4-FFF2-40B4-BE49-F238E27FC236}">
+                <a16:creationId xmlns:a16="http://schemas.microsoft.com/office/drawing/2014/main" id="{E258EF0E-417D-4DE1-9C5F-57E7B2D25E27}"/>
+              </a:ext>
+            </a:extLst>
+          </p:cNvPr>
+          <p:cNvCxnSpPr>
+            <a:cxnSpLocks/>
+            <a:stCxn id="16" idx="2"/>
+          </p:cNvCxnSpPr>
+          <p:nvPr/>
+        </p:nvCxnSpPr>
+        <p:spPr>
+          <a:xfrm>
+            <a:off x="4244915" y="3325517"/>
+            <a:ext cx="60604" cy="908308"/>
+          </a:xfrm>
+          <a:prstGeom prst="line">
+            <a:avLst/>
+          </a:prstGeom>
+          <a:ln>
+            <a:solidFill>
+              <a:schemeClr val="bg1"/>
+            </a:solidFill>
+          </a:ln>
+        </p:spPr>
+        <p:style>
+          <a:lnRef idx="1">
+            <a:schemeClr val="accent1"/>
+          </a:lnRef>
+          <a:fillRef idx="0">
+            <a:schemeClr val="accent1"/>
+          </a:fillRef>
+          <a:effectRef idx="0">
+            <a:schemeClr val="accent1"/>
+          </a:effectRef>
+          <a:fontRef idx="minor">
+            <a:schemeClr val="tx1"/>
+          </a:fontRef>
+        </p:style>
+      </p:cxnSp>
+      <p:cxnSp>
+        <p:nvCxnSpPr>
+          <p:cNvPr id="62" name="직선 연결선 61">
+            <a:extLst>
+              <a:ext uri="{FF2B5EF4-FFF2-40B4-BE49-F238E27FC236}">
+                <a16:creationId xmlns:a16="http://schemas.microsoft.com/office/drawing/2014/main" id="{51C451B0-3016-4DA3-95B5-BB998BEF7883}"/>
+              </a:ext>
+            </a:extLst>
+          </p:cNvPr>
+          <p:cNvCxnSpPr>
+            <a:cxnSpLocks/>
+          </p:cNvCxnSpPr>
+          <p:nvPr/>
+        </p:nvCxnSpPr>
+        <p:spPr>
+          <a:xfrm flipV="1">
+            <a:off x="2846835" y="902510"/>
+            <a:ext cx="3158596" cy="172126"/>
+          </a:xfrm>
+          <a:prstGeom prst="line">
+            <a:avLst/>
+          </a:prstGeom>
+          <a:ln>
+            <a:solidFill>
+              <a:schemeClr val="bg1"/>
+            </a:solidFill>
+          </a:ln>
+        </p:spPr>
+        <p:style>
+          <a:lnRef idx="1">
+            <a:schemeClr val="accent1"/>
+          </a:lnRef>
+          <a:fillRef idx="0">
+            <a:schemeClr val="accent1"/>
+          </a:fillRef>
+          <a:effectRef idx="0">
+            <a:schemeClr val="accent1"/>
+          </a:effectRef>
+          <a:fontRef idx="minor">
+            <a:schemeClr val="tx1"/>
+          </a:fontRef>
+        </p:style>
+      </p:cxnSp>
+      <p:sp>
+        <p:nvSpPr>
+          <p:cNvPr id="64" name="TextBox 63">
+            <a:extLst>
+              <a:ext uri="{FF2B5EF4-FFF2-40B4-BE49-F238E27FC236}">
+                <a16:creationId xmlns:a16="http://schemas.microsoft.com/office/drawing/2014/main" id="{8BD58D49-BAF0-491B-A6B6-A349CC02BD5A}"/>
+              </a:ext>
+            </a:extLst>
+          </p:cNvPr>
+          <p:cNvSpPr txBox="1"/>
+          <p:nvPr/>
+        </p:nvSpPr>
+        <p:spPr>
+          <a:xfrm>
+            <a:off x="2381753" y="5184416"/>
+            <a:ext cx="407970" cy="707886"/>
+          </a:xfrm>
+          <a:prstGeom prst="rect">
+            <a:avLst/>
+          </a:prstGeom>
+          <a:noFill/>
+        </p:spPr>
+        <p:txBody>
+          <a:bodyPr wrap="square" rtlCol="0">
+            <a:spAutoFit/>
+          </a:bodyPr>
+          <a:lstStyle/>
+          <a:p>
+            <a:r>
+              <a:rPr lang="en-US" altLang="ko-KR" sz="1000" dirty="0">
+                <a:solidFill>
+                  <a:schemeClr val="accent2"/>
+                </a:solidFill>
+              </a:rPr>
+              <a:t>10</a:t>
+            </a:r>
+          </a:p>
+          <a:p>
+            <a:r>
+              <a:rPr lang="en-US" altLang="ko-KR" sz="1000" dirty="0">
+                <a:solidFill>
+                  <a:schemeClr val="accent2"/>
+                </a:solidFill>
+              </a:rPr>
+              <a:t>11</a:t>
+            </a:r>
+          </a:p>
+          <a:p>
+            <a:r>
+              <a:rPr lang="en-US" altLang="ko-KR" sz="1000" dirty="0">
+                <a:solidFill>
+                  <a:schemeClr val="accent2"/>
+                </a:solidFill>
+              </a:rPr>
+              <a:t>12</a:t>
+            </a:r>
+          </a:p>
+          <a:p>
+            <a:endParaRPr lang="ko-KR" altLang="en-US" sz="1000" dirty="0">
+              <a:solidFill>
+                <a:schemeClr val="accent2"/>
+              </a:solidFill>
+            </a:endParaRPr>
           </a:p>
         </p:txBody>
       </p:sp>
     </p:spTree>
     <p:extLst>
       <p:ext uri="{BB962C8B-B14F-4D97-AF65-F5344CB8AC3E}">
-        <p14:creationId xmlns:p14="http://schemas.microsoft.com/office/powerpoint/2010/main" val="1797082117"/>
+        <p14:creationId xmlns:p14="http://schemas.microsoft.com/office/powerpoint/2010/main" val="3835439759"/>
       </p:ext>
     </p:extLst>
   </p:cSld>

--- a/res/스테이지 경로/스테이지1.pptx
+++ b/res/스테이지 경로/스테이지1.pptx
@@ -199,7 +199,7 @@
           <a:p>
             <a:fld id="{44C7CAA8-DF81-4AA8-8C64-A8E48E59C46F}" type="datetimeFigureOut">
               <a:rPr lang="ko-KR" altLang="en-US" smtClean="0"/>
-              <a:t>2020-07-22</a:t>
+              <a:t>2020-08-05</a:t>
             </a:fld>
             <a:endParaRPr lang="ko-KR" altLang="en-US"/>
           </a:p>
@@ -613,7 +613,7 @@
           <a:p>
             <a:fld id="{B98EBF65-4B1A-44E0-9E25-9A044B733A4D}" type="datetimeFigureOut">
               <a:rPr lang="ko-KR" altLang="en-US" smtClean="0"/>
-              <a:t>2020-07-22</a:t>
+              <a:t>2020-08-05</a:t>
             </a:fld>
             <a:endParaRPr lang="ko-KR" altLang="en-US"/>
           </a:p>
@@ -811,7 +811,7 @@
           <a:p>
             <a:fld id="{B98EBF65-4B1A-44E0-9E25-9A044B733A4D}" type="datetimeFigureOut">
               <a:rPr lang="ko-KR" altLang="en-US" smtClean="0"/>
-              <a:t>2020-07-22</a:t>
+              <a:t>2020-08-05</a:t>
             </a:fld>
             <a:endParaRPr lang="ko-KR" altLang="en-US"/>
           </a:p>
@@ -1019,7 +1019,7 @@
           <a:p>
             <a:fld id="{B98EBF65-4B1A-44E0-9E25-9A044B733A4D}" type="datetimeFigureOut">
               <a:rPr lang="ko-KR" altLang="en-US" smtClean="0"/>
-              <a:t>2020-07-22</a:t>
+              <a:t>2020-08-05</a:t>
             </a:fld>
             <a:endParaRPr lang="ko-KR" altLang="en-US"/>
           </a:p>
@@ -1217,7 +1217,7 @@
           <a:p>
             <a:fld id="{B98EBF65-4B1A-44E0-9E25-9A044B733A4D}" type="datetimeFigureOut">
               <a:rPr lang="ko-KR" altLang="en-US" smtClean="0"/>
-              <a:t>2020-07-22</a:t>
+              <a:t>2020-08-05</a:t>
             </a:fld>
             <a:endParaRPr lang="ko-KR" altLang="en-US"/>
           </a:p>
@@ -1492,7 +1492,7 @@
           <a:p>
             <a:fld id="{B98EBF65-4B1A-44E0-9E25-9A044B733A4D}" type="datetimeFigureOut">
               <a:rPr lang="ko-KR" altLang="en-US" smtClean="0"/>
-              <a:t>2020-07-22</a:t>
+              <a:t>2020-08-05</a:t>
             </a:fld>
             <a:endParaRPr lang="ko-KR" altLang="en-US"/>
           </a:p>
@@ -1757,7 +1757,7 @@
           <a:p>
             <a:fld id="{B98EBF65-4B1A-44E0-9E25-9A044B733A4D}" type="datetimeFigureOut">
               <a:rPr lang="ko-KR" altLang="en-US" smtClean="0"/>
-              <a:t>2020-07-22</a:t>
+              <a:t>2020-08-05</a:t>
             </a:fld>
             <a:endParaRPr lang="ko-KR" altLang="en-US"/>
           </a:p>
@@ -2169,7 +2169,7 @@
           <a:p>
             <a:fld id="{B98EBF65-4B1A-44E0-9E25-9A044B733A4D}" type="datetimeFigureOut">
               <a:rPr lang="ko-KR" altLang="en-US" smtClean="0"/>
-              <a:t>2020-07-22</a:t>
+              <a:t>2020-08-05</a:t>
             </a:fld>
             <a:endParaRPr lang="ko-KR" altLang="en-US"/>
           </a:p>
@@ -2310,7 +2310,7 @@
           <a:p>
             <a:fld id="{B98EBF65-4B1A-44E0-9E25-9A044B733A4D}" type="datetimeFigureOut">
               <a:rPr lang="ko-KR" altLang="en-US" smtClean="0"/>
-              <a:t>2020-07-22</a:t>
+              <a:t>2020-08-05</a:t>
             </a:fld>
             <a:endParaRPr lang="ko-KR" altLang="en-US"/>
           </a:p>
@@ -2423,7 +2423,7 @@
           <a:p>
             <a:fld id="{B98EBF65-4B1A-44E0-9E25-9A044B733A4D}" type="datetimeFigureOut">
               <a:rPr lang="ko-KR" altLang="en-US" smtClean="0"/>
-              <a:t>2020-07-22</a:t>
+              <a:t>2020-08-05</a:t>
             </a:fld>
             <a:endParaRPr lang="ko-KR" altLang="en-US"/>
           </a:p>
@@ -2734,7 +2734,7 @@
           <a:p>
             <a:fld id="{B98EBF65-4B1A-44E0-9E25-9A044B733A4D}" type="datetimeFigureOut">
               <a:rPr lang="ko-KR" altLang="en-US" smtClean="0"/>
-              <a:t>2020-07-22</a:t>
+              <a:t>2020-08-05</a:t>
             </a:fld>
             <a:endParaRPr lang="ko-KR" altLang="en-US"/>
           </a:p>
@@ -3022,7 +3022,7 @@
           <a:p>
             <a:fld id="{B98EBF65-4B1A-44E0-9E25-9A044B733A4D}" type="datetimeFigureOut">
               <a:rPr lang="ko-KR" altLang="en-US" smtClean="0"/>
-              <a:t>2020-07-22</a:t>
+              <a:t>2020-08-05</a:t>
             </a:fld>
             <a:endParaRPr lang="ko-KR" altLang="en-US"/>
           </a:p>
@@ -3263,7 +3263,7 @@
           <a:p>
             <a:fld id="{B98EBF65-4B1A-44E0-9E25-9A044B733A4D}" type="datetimeFigureOut">
               <a:rPr lang="ko-KR" altLang="en-US" smtClean="0"/>
-              <a:t>2020-07-22</a:t>
+              <a:t>2020-08-05</a:t>
             </a:fld>
             <a:endParaRPr lang="ko-KR" altLang="en-US"/>
           </a:p>
@@ -7056,7 +7056,7 @@
         <p:spPr>
           <a:xfrm>
             <a:off x="5304517" y="4711197"/>
-            <a:ext cx="1747594" cy="1015663"/>
+            <a:ext cx="1832553" cy="1015663"/>
           </a:xfrm>
           <a:prstGeom prst="rect">
             <a:avLst/>
@@ -7083,7 +7083,7 @@
                   <a:schemeClr val="accent2"/>
                 </a:solidFill>
               </a:rPr>
-              <a:t>4(</a:t>
+              <a:t>10(</a:t>
             </a:r>
             <a:r>
               <a:rPr lang="ko-KR" altLang="en-US" sz="1200" dirty="0">
@@ -7159,7 +7159,7 @@
         <p:spPr>
           <a:xfrm>
             <a:off x="7169706" y="4711196"/>
-            <a:ext cx="1747594" cy="1015663"/>
+            <a:ext cx="1832553" cy="1015663"/>
           </a:xfrm>
           <a:prstGeom prst="rect">
             <a:avLst/>
@@ -7186,7 +7186,7 @@
                   <a:schemeClr val="accent2"/>
                 </a:solidFill>
               </a:rPr>
-              <a:t>5(</a:t>
+              <a:t>11(</a:t>
             </a:r>
             <a:r>
               <a:rPr lang="ko-KR" altLang="en-US" sz="1200" dirty="0">
@@ -7262,7 +7262,7 @@
         <p:spPr>
           <a:xfrm>
             <a:off x="9073704" y="4711011"/>
-            <a:ext cx="1747594" cy="1015663"/>
+            <a:ext cx="1832553" cy="1015663"/>
           </a:xfrm>
           <a:prstGeom prst="rect">
             <a:avLst/>
@@ -7284,12 +7284,28 @@
               <a:t>경로</a:t>
             </a:r>
             <a:r>
-              <a:rPr lang="en-US" altLang="ko-KR" sz="1200" dirty="0">
-                <a:solidFill>
-                  <a:schemeClr val="accent2"/>
-                </a:solidFill>
-              </a:rPr>
-              <a:t>6(</a:t>
+              <a:rPr lang="en-US" altLang="ko-KR" sz="1200">
+                <a:solidFill>
+                  <a:schemeClr val="accent2"/>
+                </a:solidFill>
+              </a:rPr>
+              <a:t>1</a:t>
+            </a:r>
+            <a:r>
+              <a:rPr lang="en-US" altLang="ko-KR" sz="1200" dirty="0">
+                <a:solidFill>
+                  <a:schemeClr val="accent2"/>
+                </a:solidFill>
+              </a:rPr>
+              <a:t>2</a:t>
+            </a:r>
+            <a:r>
+              <a:rPr lang="en-US" altLang="ko-KR" sz="1200">
+                <a:solidFill>
+                  <a:schemeClr val="accent2"/>
+                </a:solidFill>
+              </a:rPr>
+              <a:t>(</a:t>
             </a:r>
             <a:r>
               <a:rPr lang="ko-KR" altLang="en-US" sz="1200" dirty="0">

--- a/res/스테이지 경로/스테이지1.pptx
+++ b/res/스테이지 경로/스테이지1.pptx
@@ -199,7 +199,7 @@
           <a:p>
             <a:fld id="{44C7CAA8-DF81-4AA8-8C64-A8E48E59C46F}" type="datetimeFigureOut">
               <a:rPr lang="ko-KR" altLang="en-US" smtClean="0"/>
-              <a:t>2020-08-05</a:t>
+              <a:t>2020-08-06</a:t>
             </a:fld>
             <a:endParaRPr lang="ko-KR" altLang="en-US"/>
           </a:p>
@@ -613,7 +613,7 @@
           <a:p>
             <a:fld id="{B98EBF65-4B1A-44E0-9E25-9A044B733A4D}" type="datetimeFigureOut">
               <a:rPr lang="ko-KR" altLang="en-US" smtClean="0"/>
-              <a:t>2020-08-05</a:t>
+              <a:t>2020-08-06</a:t>
             </a:fld>
             <a:endParaRPr lang="ko-KR" altLang="en-US"/>
           </a:p>
@@ -811,7 +811,7 @@
           <a:p>
             <a:fld id="{B98EBF65-4B1A-44E0-9E25-9A044B733A4D}" type="datetimeFigureOut">
               <a:rPr lang="ko-KR" altLang="en-US" smtClean="0"/>
-              <a:t>2020-08-05</a:t>
+              <a:t>2020-08-06</a:t>
             </a:fld>
             <a:endParaRPr lang="ko-KR" altLang="en-US"/>
           </a:p>
@@ -1019,7 +1019,7 @@
           <a:p>
             <a:fld id="{B98EBF65-4B1A-44E0-9E25-9A044B733A4D}" type="datetimeFigureOut">
               <a:rPr lang="ko-KR" altLang="en-US" smtClean="0"/>
-              <a:t>2020-08-05</a:t>
+              <a:t>2020-08-06</a:t>
             </a:fld>
             <a:endParaRPr lang="ko-KR" altLang="en-US"/>
           </a:p>
@@ -1217,7 +1217,7 @@
           <a:p>
             <a:fld id="{B98EBF65-4B1A-44E0-9E25-9A044B733A4D}" type="datetimeFigureOut">
               <a:rPr lang="ko-KR" altLang="en-US" smtClean="0"/>
-              <a:t>2020-08-05</a:t>
+              <a:t>2020-08-06</a:t>
             </a:fld>
             <a:endParaRPr lang="ko-KR" altLang="en-US"/>
           </a:p>
@@ -1492,7 +1492,7 @@
           <a:p>
             <a:fld id="{B98EBF65-4B1A-44E0-9E25-9A044B733A4D}" type="datetimeFigureOut">
               <a:rPr lang="ko-KR" altLang="en-US" smtClean="0"/>
-              <a:t>2020-08-05</a:t>
+              <a:t>2020-08-06</a:t>
             </a:fld>
             <a:endParaRPr lang="ko-KR" altLang="en-US"/>
           </a:p>
@@ -1757,7 +1757,7 @@
           <a:p>
             <a:fld id="{B98EBF65-4B1A-44E0-9E25-9A044B733A4D}" type="datetimeFigureOut">
               <a:rPr lang="ko-KR" altLang="en-US" smtClean="0"/>
-              <a:t>2020-08-05</a:t>
+              <a:t>2020-08-06</a:t>
             </a:fld>
             <a:endParaRPr lang="ko-KR" altLang="en-US"/>
           </a:p>
@@ -2169,7 +2169,7 @@
           <a:p>
             <a:fld id="{B98EBF65-4B1A-44E0-9E25-9A044B733A4D}" type="datetimeFigureOut">
               <a:rPr lang="ko-KR" altLang="en-US" smtClean="0"/>
-              <a:t>2020-08-05</a:t>
+              <a:t>2020-08-06</a:t>
             </a:fld>
             <a:endParaRPr lang="ko-KR" altLang="en-US"/>
           </a:p>
@@ -2310,7 +2310,7 @@
           <a:p>
             <a:fld id="{B98EBF65-4B1A-44E0-9E25-9A044B733A4D}" type="datetimeFigureOut">
               <a:rPr lang="ko-KR" altLang="en-US" smtClean="0"/>
-              <a:t>2020-08-05</a:t>
+              <a:t>2020-08-06</a:t>
             </a:fld>
             <a:endParaRPr lang="ko-KR" altLang="en-US"/>
           </a:p>
@@ -2423,7 +2423,7 @@
           <a:p>
             <a:fld id="{B98EBF65-4B1A-44E0-9E25-9A044B733A4D}" type="datetimeFigureOut">
               <a:rPr lang="ko-KR" altLang="en-US" smtClean="0"/>
-              <a:t>2020-08-05</a:t>
+              <a:t>2020-08-06</a:t>
             </a:fld>
             <a:endParaRPr lang="ko-KR" altLang="en-US"/>
           </a:p>
@@ -2734,7 +2734,7 @@
           <a:p>
             <a:fld id="{B98EBF65-4B1A-44E0-9E25-9A044B733A4D}" type="datetimeFigureOut">
               <a:rPr lang="ko-KR" altLang="en-US" smtClean="0"/>
-              <a:t>2020-08-05</a:t>
+              <a:t>2020-08-06</a:t>
             </a:fld>
             <a:endParaRPr lang="ko-KR" altLang="en-US"/>
           </a:p>
@@ -3022,7 +3022,7 @@
           <a:p>
             <a:fld id="{B98EBF65-4B1A-44E0-9E25-9A044B733A4D}" type="datetimeFigureOut">
               <a:rPr lang="ko-KR" altLang="en-US" smtClean="0"/>
-              <a:t>2020-08-05</a:t>
+              <a:t>2020-08-06</a:t>
             </a:fld>
             <a:endParaRPr lang="ko-KR" altLang="en-US"/>
           </a:p>
@@ -3263,7 +3263,7 @@
           <a:p>
             <a:fld id="{B98EBF65-4B1A-44E0-9E25-9A044B733A4D}" type="datetimeFigureOut">
               <a:rPr lang="ko-KR" altLang="en-US" smtClean="0"/>
-              <a:t>2020-08-05</a:t>
+              <a:t>2020-08-06</a:t>
             </a:fld>
             <a:endParaRPr lang="ko-KR" altLang="en-US"/>
           </a:p>
@@ -7528,6 +7528,50 @@
           </a:p>
         </p:txBody>
       </p:sp>
+      <p:sp>
+        <p:nvSpPr>
+          <p:cNvPr id="26" name="TextBox 25">
+            <a:extLst>
+              <a:ext uri="{FF2B5EF4-FFF2-40B4-BE49-F238E27FC236}">
+                <a16:creationId xmlns:a16="http://schemas.microsoft.com/office/drawing/2014/main" id="{5F858D4E-D47E-4BF5-933F-32DF2609A9C7}"/>
+              </a:ext>
+            </a:extLst>
+          </p:cNvPr>
+          <p:cNvSpPr txBox="1"/>
+          <p:nvPr/>
+        </p:nvSpPr>
+        <p:spPr>
+          <a:xfrm>
+            <a:off x="733584" y="3018593"/>
+            <a:ext cx="760144" cy="276999"/>
+          </a:xfrm>
+          <a:prstGeom prst="rect">
+            <a:avLst/>
+          </a:prstGeom>
+          <a:noFill/>
+        </p:spPr>
+        <p:txBody>
+          <a:bodyPr wrap="none" rtlCol="0">
+            <a:spAutoFit/>
+          </a:bodyPr>
+          <a:lstStyle/>
+          <a:p>
+            <a:r>
+              <a:rPr lang="en-US" altLang="ko-KR" sz="1200" dirty="0">
+                <a:solidFill>
+                  <a:schemeClr val="accent2"/>
+                </a:solidFill>
+              </a:rPr>
+              <a:t>-300, 70</a:t>
+            </a:r>
+            <a:endParaRPr lang="ko-KR" altLang="en-US" sz="1200" dirty="0">
+              <a:solidFill>
+                <a:schemeClr val="accent2"/>
+              </a:solidFill>
+            </a:endParaRPr>
+          </a:p>
+        </p:txBody>
+      </p:sp>
     </p:spTree>
     <p:extLst>
       <p:ext uri="{BB962C8B-B14F-4D97-AF65-F5344CB8AC3E}">
@@ -7580,7 +7624,7 @@
         </p:blipFill>
         <p:spPr>
           <a:xfrm>
-            <a:off x="384115" y="-69511"/>
+            <a:off x="341826" y="-12385"/>
             <a:ext cx="7721600" cy="6456523"/>
           </a:xfrm>
           <a:prstGeom prst="rect">
@@ -10543,6 +10587,58 @@
             </a:r>
           </a:p>
           <a:p>
+            <a:endParaRPr lang="ko-KR" altLang="en-US" sz="1000" dirty="0">
+              <a:solidFill>
+                <a:schemeClr val="accent2"/>
+              </a:solidFill>
+            </a:endParaRPr>
+          </a:p>
+        </p:txBody>
+      </p:sp>
+      <p:sp>
+        <p:nvSpPr>
+          <p:cNvPr id="2" name="TextBox 1">
+            <a:extLst>
+              <a:ext uri="{FF2B5EF4-FFF2-40B4-BE49-F238E27FC236}">
+                <a16:creationId xmlns:a16="http://schemas.microsoft.com/office/drawing/2014/main" id="{0691EEA9-66E5-43BD-A8FC-BA312D870DCE}"/>
+              </a:ext>
+            </a:extLst>
+          </p:cNvPr>
+          <p:cNvSpPr txBox="1"/>
+          <p:nvPr/>
+        </p:nvSpPr>
+        <p:spPr>
+          <a:xfrm>
+            <a:off x="3574991" y="2605396"/>
+            <a:ext cx="739967" cy="246221"/>
+          </a:xfrm>
+          <a:prstGeom prst="rect">
+            <a:avLst/>
+          </a:prstGeom>
+          <a:noFill/>
+        </p:spPr>
+        <p:txBody>
+          <a:bodyPr wrap="square" rtlCol="0">
+            <a:spAutoFit/>
+          </a:bodyPr>
+          <a:lstStyle/>
+          <a:p>
+            <a:r>
+              <a:rPr lang="en-US" altLang="ko-KR" sz="1000">
+                <a:solidFill>
+                  <a:schemeClr val="accent2"/>
+                </a:solidFill>
+              </a:rPr>
+              <a:t>-300</a:t>
+            </a:r>
+            <a:r>
+              <a:rPr lang="en-US" altLang="ko-KR" sz="1000" dirty="0">
+                <a:solidFill>
+                  <a:schemeClr val="accent2"/>
+                </a:solidFill>
+              </a:rPr>
+              <a:t>, 0</a:t>
+            </a:r>
             <a:endParaRPr lang="ko-KR" altLang="en-US" sz="1000" dirty="0">
               <a:solidFill>
                 <a:schemeClr val="accent2"/>

--- a/res/스테이지 경로/스테이지1.pptx
+++ b/res/스테이지 경로/스테이지1.pptx
@@ -199,7 +199,7 @@
           <a:p>
             <a:fld id="{44C7CAA8-DF81-4AA8-8C64-A8E48E59C46F}" type="datetimeFigureOut">
               <a:rPr lang="ko-KR" altLang="en-US" smtClean="0"/>
-              <a:t>2020-08-06</a:t>
+              <a:t>2020-08-09</a:t>
             </a:fld>
             <a:endParaRPr lang="ko-KR" altLang="en-US"/>
           </a:p>
@@ -613,7 +613,7 @@
           <a:p>
             <a:fld id="{B98EBF65-4B1A-44E0-9E25-9A044B733A4D}" type="datetimeFigureOut">
               <a:rPr lang="ko-KR" altLang="en-US" smtClean="0"/>
-              <a:t>2020-08-06</a:t>
+              <a:t>2020-08-09</a:t>
             </a:fld>
             <a:endParaRPr lang="ko-KR" altLang="en-US"/>
           </a:p>
@@ -811,7 +811,7 @@
           <a:p>
             <a:fld id="{B98EBF65-4B1A-44E0-9E25-9A044B733A4D}" type="datetimeFigureOut">
               <a:rPr lang="ko-KR" altLang="en-US" smtClean="0"/>
-              <a:t>2020-08-06</a:t>
+              <a:t>2020-08-09</a:t>
             </a:fld>
             <a:endParaRPr lang="ko-KR" altLang="en-US"/>
           </a:p>
@@ -1019,7 +1019,7 @@
           <a:p>
             <a:fld id="{B98EBF65-4B1A-44E0-9E25-9A044B733A4D}" type="datetimeFigureOut">
               <a:rPr lang="ko-KR" altLang="en-US" smtClean="0"/>
-              <a:t>2020-08-06</a:t>
+              <a:t>2020-08-09</a:t>
             </a:fld>
             <a:endParaRPr lang="ko-KR" altLang="en-US"/>
           </a:p>
@@ -1217,7 +1217,7 @@
           <a:p>
             <a:fld id="{B98EBF65-4B1A-44E0-9E25-9A044B733A4D}" type="datetimeFigureOut">
               <a:rPr lang="ko-KR" altLang="en-US" smtClean="0"/>
-              <a:t>2020-08-06</a:t>
+              <a:t>2020-08-09</a:t>
             </a:fld>
             <a:endParaRPr lang="ko-KR" altLang="en-US"/>
           </a:p>
@@ -1492,7 +1492,7 @@
           <a:p>
             <a:fld id="{B98EBF65-4B1A-44E0-9E25-9A044B733A4D}" type="datetimeFigureOut">
               <a:rPr lang="ko-KR" altLang="en-US" smtClean="0"/>
-              <a:t>2020-08-06</a:t>
+              <a:t>2020-08-09</a:t>
             </a:fld>
             <a:endParaRPr lang="ko-KR" altLang="en-US"/>
           </a:p>
@@ -1757,7 +1757,7 @@
           <a:p>
             <a:fld id="{B98EBF65-4B1A-44E0-9E25-9A044B733A4D}" type="datetimeFigureOut">
               <a:rPr lang="ko-KR" altLang="en-US" smtClean="0"/>
-              <a:t>2020-08-06</a:t>
+              <a:t>2020-08-09</a:t>
             </a:fld>
             <a:endParaRPr lang="ko-KR" altLang="en-US"/>
           </a:p>
@@ -2169,7 +2169,7 @@
           <a:p>
             <a:fld id="{B98EBF65-4B1A-44E0-9E25-9A044B733A4D}" type="datetimeFigureOut">
               <a:rPr lang="ko-KR" altLang="en-US" smtClean="0"/>
-              <a:t>2020-08-06</a:t>
+              <a:t>2020-08-09</a:t>
             </a:fld>
             <a:endParaRPr lang="ko-KR" altLang="en-US"/>
           </a:p>
@@ -2310,7 +2310,7 @@
           <a:p>
             <a:fld id="{B98EBF65-4B1A-44E0-9E25-9A044B733A4D}" type="datetimeFigureOut">
               <a:rPr lang="ko-KR" altLang="en-US" smtClean="0"/>
-              <a:t>2020-08-06</a:t>
+              <a:t>2020-08-09</a:t>
             </a:fld>
             <a:endParaRPr lang="ko-KR" altLang="en-US"/>
           </a:p>
@@ -2423,7 +2423,7 @@
           <a:p>
             <a:fld id="{B98EBF65-4B1A-44E0-9E25-9A044B733A4D}" type="datetimeFigureOut">
               <a:rPr lang="ko-KR" altLang="en-US" smtClean="0"/>
-              <a:t>2020-08-06</a:t>
+              <a:t>2020-08-09</a:t>
             </a:fld>
             <a:endParaRPr lang="ko-KR" altLang="en-US"/>
           </a:p>
@@ -2734,7 +2734,7 @@
           <a:p>
             <a:fld id="{B98EBF65-4B1A-44E0-9E25-9A044B733A4D}" type="datetimeFigureOut">
               <a:rPr lang="ko-KR" altLang="en-US" smtClean="0"/>
-              <a:t>2020-08-06</a:t>
+              <a:t>2020-08-09</a:t>
             </a:fld>
             <a:endParaRPr lang="ko-KR" altLang="en-US"/>
           </a:p>
@@ -3022,7 +3022,7 @@
           <a:p>
             <a:fld id="{B98EBF65-4B1A-44E0-9E25-9A044B733A4D}" type="datetimeFigureOut">
               <a:rPr lang="ko-KR" altLang="en-US" smtClean="0"/>
-              <a:t>2020-08-06</a:t>
+              <a:t>2020-08-09</a:t>
             </a:fld>
             <a:endParaRPr lang="ko-KR" altLang="en-US"/>
           </a:p>
@@ -3263,7 +3263,7 @@
           <a:p>
             <a:fld id="{B98EBF65-4B1A-44E0-9E25-9A044B733A4D}" type="datetimeFigureOut">
               <a:rPr lang="ko-KR" altLang="en-US" smtClean="0"/>
-              <a:t>2020-08-06</a:t>
+              <a:t>2020-08-09</a:t>
             </a:fld>
             <a:endParaRPr lang="ko-KR" altLang="en-US"/>
           </a:p>
@@ -3768,7 +3768,7 @@
         </p:nvSpPr>
         <p:spPr>
           <a:xfrm>
-            <a:off x="1627909" y="2185870"/>
+            <a:off x="1912659" y="2185234"/>
             <a:ext cx="930063" cy="276999"/>
           </a:xfrm>
           <a:prstGeom prst="rect">
